--- a/Documentation/BANKING CUSTOMER & LOAN PREDICTION SYSTEM_II.pptx
+++ b/Documentation/BANKING CUSTOMER & LOAN PREDICTION SYSTEM_II.pptx
@@ -120,7 +120,7 @@
   </p:defaultTextStyle>
   <p:extLst>
     <p:ext uri="{EFAFB233-063F-42B5-8137-9DF3F51BA10A}">
-      <p15:sldGuideLst xmlns:p15="http://schemas.microsoft.com/office/powerpoint/2012/main" xmlns=""/>
+      <p15:sldGuideLst xmlns="" xmlns:p15="http://schemas.microsoft.com/office/powerpoint/2012/main"/>
     </p:ext>
   </p:extLst>
 </p:presentation>
@@ -159,7 +159,7 @@
           <p:cNvPr id="10" name="Rectangle 9">
             <a:extLst>
               <a:ext uri="{FF2B5EF4-FFF2-40B4-BE49-F238E27FC236}">
-                <a16:creationId xmlns:a16="http://schemas.microsoft.com/office/drawing/2014/main" xmlns="" id="{39E3965E-AC41-4711-9D10-E25ABB132D86}"/>
+                <a16:creationId xmlns="" xmlns:a16="http://schemas.microsoft.com/office/drawing/2014/main" id="{39E3965E-AC41-4711-9D10-E25ABB132D86}"/>
               </a:ext>
             </a:extLst>
           </p:cNvPr>
@@ -319,7 +319,7 @@
           <p:cNvPr id="9" name="Straight Connector 8">
             <a:extLst>
               <a:ext uri="{FF2B5EF4-FFF2-40B4-BE49-F238E27FC236}">
-                <a16:creationId xmlns:a16="http://schemas.microsoft.com/office/drawing/2014/main" xmlns="" id="{1F5DC8C3-BA5F-4EED-BB9A-A14272BD82A1}"/>
+                <a16:creationId xmlns="" xmlns:a16="http://schemas.microsoft.com/office/drawing/2014/main" id="{1F5DC8C3-BA5F-4EED-BB9A-A14272BD82A1}"/>
               </a:ext>
             </a:extLst>
           </p:cNvPr>
@@ -363,7 +363,7 @@
           <p:cNvPr id="4" name="Date Placeholder 3">
             <a:extLst>
               <a:ext uri="{FF2B5EF4-FFF2-40B4-BE49-F238E27FC236}">
-                <a16:creationId xmlns:a16="http://schemas.microsoft.com/office/drawing/2014/main" xmlns="" id="{9925CCF1-92C0-4AF3-BFAF-4921631915AB}"/>
+                <a16:creationId xmlns="" xmlns:a16="http://schemas.microsoft.com/office/drawing/2014/main" id="{9925CCF1-92C0-4AF3-BFAF-4921631915AB}"/>
               </a:ext>
             </a:extLst>
           </p:cNvPr>
@@ -382,7 +382,7 @@
             <a:fld id="{9184DA70-C731-4C70-880D-CCD4705E623C}" type="datetime1">
               <a:rPr lang="en-US" smtClean="0"/>
               <a:pPr/>
-              <a:t>5/8/2021</a:t>
+              <a:t>7/1/2021</a:t>
             </a:fld>
             <a:endParaRPr lang="en-US" dirty="0"/>
           </a:p>
@@ -393,7 +393,7 @@
           <p:cNvPr id="5" name="Footer Placeholder 4">
             <a:extLst>
               <a:ext uri="{FF2B5EF4-FFF2-40B4-BE49-F238E27FC236}">
-                <a16:creationId xmlns:a16="http://schemas.microsoft.com/office/drawing/2014/main" xmlns="" id="{051A78A9-3DFF-4937-A9F2-5D8CF495F367}"/>
+                <a16:creationId xmlns="" xmlns:a16="http://schemas.microsoft.com/office/drawing/2014/main" id="{051A78A9-3DFF-4937-A9F2-5D8CF495F367}"/>
               </a:ext>
             </a:extLst>
           </p:cNvPr>
@@ -418,7 +418,7 @@
           <p:cNvPr id="6" name="Slide Number Placeholder 5">
             <a:extLst>
               <a:ext uri="{FF2B5EF4-FFF2-40B4-BE49-F238E27FC236}">
-                <a16:creationId xmlns:a16="http://schemas.microsoft.com/office/drawing/2014/main" xmlns="" id="{5FAEB271-5CC0-4759-BC6E-8BE53AB227C0}"/>
+                <a16:creationId xmlns="" xmlns:a16="http://schemas.microsoft.com/office/drawing/2014/main" id="{5FAEB271-5CC0-4759-BC6E-8BE53AB227C0}"/>
               </a:ext>
             </a:extLst>
           </p:cNvPr>
@@ -446,7 +446,7 @@
     </p:spTree>
     <p:extLst>
       <p:ext uri="{BB962C8B-B14F-4D97-AF65-F5344CB8AC3E}">
-        <p14:creationId xmlns:p14="http://schemas.microsoft.com/office/powerpoint/2010/main" xmlns="" val="3494962922"/>
+        <p14:creationId xmlns="" xmlns:p14="http://schemas.microsoft.com/office/powerpoint/2010/main" val="3494962922"/>
       </p:ext>
     </p:extLst>
   </p:cSld>
@@ -553,7 +553,7 @@
           <p:cNvPr id="7" name="Date Placeholder 6">
             <a:extLst>
               <a:ext uri="{FF2B5EF4-FFF2-40B4-BE49-F238E27FC236}">
-                <a16:creationId xmlns:a16="http://schemas.microsoft.com/office/drawing/2014/main" xmlns="" id="{7D5506EE-1026-4F35-9ACC-BD05BE0F9B36}"/>
+                <a16:creationId xmlns="" xmlns:a16="http://schemas.microsoft.com/office/drawing/2014/main" id="{7D5506EE-1026-4F35-9ACC-BD05BE0F9B36}"/>
               </a:ext>
             </a:extLst>
           </p:cNvPr>
@@ -572,7 +572,7 @@
             <a:fld id="{B612A279-0833-481D-8C56-F67FD0AC6C50}" type="datetime1">
               <a:rPr lang="en-US" smtClean="0"/>
               <a:pPr/>
-              <a:t>5/8/2021</a:t>
+              <a:t>7/1/2021</a:t>
             </a:fld>
             <a:endParaRPr lang="en-US" dirty="0"/>
           </a:p>
@@ -583,7 +583,7 @@
           <p:cNvPr id="8" name="Footer Placeholder 7">
             <a:extLst>
               <a:ext uri="{FF2B5EF4-FFF2-40B4-BE49-F238E27FC236}">
-                <a16:creationId xmlns:a16="http://schemas.microsoft.com/office/drawing/2014/main" xmlns="" id="{B7696E5F-8D95-4450-AE52-5438E6EDE2BF}"/>
+                <a16:creationId xmlns="" xmlns:a16="http://schemas.microsoft.com/office/drawing/2014/main" id="{B7696E5F-8D95-4450-AE52-5438E6EDE2BF}"/>
               </a:ext>
             </a:extLst>
           </p:cNvPr>
@@ -608,7 +608,7 @@
           <p:cNvPr id="9" name="Slide Number Placeholder 8">
             <a:extLst>
               <a:ext uri="{FF2B5EF4-FFF2-40B4-BE49-F238E27FC236}">
-                <a16:creationId xmlns:a16="http://schemas.microsoft.com/office/drawing/2014/main" xmlns="" id="{999B2253-74CC-409E-BEB0-F8EFCFCB5629}"/>
+                <a16:creationId xmlns="" xmlns:a16="http://schemas.microsoft.com/office/drawing/2014/main" id="{999B2253-74CC-409E-BEB0-F8EFCFCB5629}"/>
               </a:ext>
             </a:extLst>
           </p:cNvPr>
@@ -636,7 +636,7 @@
     </p:spTree>
     <p:extLst>
       <p:ext uri="{BB962C8B-B14F-4D97-AF65-F5344CB8AC3E}">
-        <p14:creationId xmlns:p14="http://schemas.microsoft.com/office/powerpoint/2010/main" xmlns="" val="1768017799"/>
+        <p14:creationId xmlns="" xmlns:p14="http://schemas.microsoft.com/office/powerpoint/2010/main" val="1768017799"/>
       </p:ext>
     </p:extLst>
   </p:cSld>
@@ -668,7 +668,7 @@
           <p:cNvPr id="9" name="Rectangle 8">
             <a:extLst>
               <a:ext uri="{FF2B5EF4-FFF2-40B4-BE49-F238E27FC236}">
-                <a16:creationId xmlns:a16="http://schemas.microsoft.com/office/drawing/2014/main" xmlns="" id="{E1B68A5B-D9FA-424B-A4EB-30E7223836B3}"/>
+                <a16:creationId xmlns="" xmlns:a16="http://schemas.microsoft.com/office/drawing/2014/main" id="{E1B68A5B-D9FA-424B-A4EB-30E7223836B3}"/>
               </a:ext>
             </a:extLst>
           </p:cNvPr>
@@ -797,7 +797,7 @@
           <p:cNvPr id="7" name="Date Placeholder 6">
             <a:extLst>
               <a:ext uri="{FF2B5EF4-FFF2-40B4-BE49-F238E27FC236}">
-                <a16:creationId xmlns:a16="http://schemas.microsoft.com/office/drawing/2014/main" xmlns="" id="{AF33D6B0-F070-45C4-A472-19F432BE3932}"/>
+                <a16:creationId xmlns="" xmlns:a16="http://schemas.microsoft.com/office/drawing/2014/main" id="{AF33D6B0-F070-45C4-A472-19F432BE3932}"/>
               </a:ext>
             </a:extLst>
           </p:cNvPr>
@@ -816,7 +816,7 @@
             <a:fld id="{6587DA83-5663-4C9C-B9AA-0B40A3DAFF81}" type="datetime1">
               <a:rPr lang="en-US" smtClean="0"/>
               <a:pPr/>
-              <a:t>5/8/2021</a:t>
+              <a:t>7/1/2021</a:t>
             </a:fld>
             <a:endParaRPr lang="en-US" dirty="0"/>
           </a:p>
@@ -827,7 +827,7 @@
           <p:cNvPr id="8" name="Footer Placeholder 7">
             <a:extLst>
               <a:ext uri="{FF2B5EF4-FFF2-40B4-BE49-F238E27FC236}">
-                <a16:creationId xmlns:a16="http://schemas.microsoft.com/office/drawing/2014/main" xmlns="" id="{9975399F-DAB2-410D-967F-ED17E6F796E7}"/>
+                <a16:creationId xmlns="" xmlns:a16="http://schemas.microsoft.com/office/drawing/2014/main" id="{9975399F-DAB2-410D-967F-ED17E6F796E7}"/>
               </a:ext>
             </a:extLst>
           </p:cNvPr>
@@ -852,7 +852,7 @@
           <p:cNvPr id="10" name="Slide Number Placeholder 9">
             <a:extLst>
               <a:ext uri="{FF2B5EF4-FFF2-40B4-BE49-F238E27FC236}">
-                <a16:creationId xmlns:a16="http://schemas.microsoft.com/office/drawing/2014/main" xmlns="" id="{F762A46F-6BE5-4D12-9412-5CA7672EA8EC}"/>
+                <a16:creationId xmlns="" xmlns:a16="http://schemas.microsoft.com/office/drawing/2014/main" id="{F762A46F-6BE5-4D12-9412-5CA7672EA8EC}"/>
               </a:ext>
             </a:extLst>
           </p:cNvPr>
@@ -880,7 +880,7 @@
     </p:spTree>
     <p:extLst>
       <p:ext uri="{BB962C8B-B14F-4D97-AF65-F5344CB8AC3E}">
-        <p14:creationId xmlns:p14="http://schemas.microsoft.com/office/powerpoint/2010/main" xmlns="" val="121399758"/>
+        <p14:creationId xmlns="" xmlns:p14="http://schemas.microsoft.com/office/powerpoint/2010/main" val="121399758"/>
       </p:ext>
     </p:extLst>
   </p:cSld>
@@ -987,7 +987,7 @@
           <p:cNvPr id="7" name="Date Placeholder 6">
             <a:extLst>
               <a:ext uri="{FF2B5EF4-FFF2-40B4-BE49-F238E27FC236}">
-                <a16:creationId xmlns:a16="http://schemas.microsoft.com/office/drawing/2014/main" xmlns="" id="{354D8B55-9EA8-4B81-8E84-9B93B0A27559}"/>
+                <a16:creationId xmlns="" xmlns:a16="http://schemas.microsoft.com/office/drawing/2014/main" id="{354D8B55-9EA8-4B81-8E84-9B93B0A27559}"/>
               </a:ext>
             </a:extLst>
           </p:cNvPr>
@@ -1006,7 +1006,7 @@
             <a:fld id="{4BE1D723-8F53-4F53-90B0-1982A396982E}" type="datetime1">
               <a:rPr lang="en-US" smtClean="0"/>
               <a:pPr/>
-              <a:t>5/8/2021</a:t>
+              <a:t>7/1/2021</a:t>
             </a:fld>
             <a:endParaRPr lang="en-US" dirty="0"/>
           </a:p>
@@ -1017,7 +1017,7 @@
           <p:cNvPr id="8" name="Footer Placeholder 7">
             <a:extLst>
               <a:ext uri="{FF2B5EF4-FFF2-40B4-BE49-F238E27FC236}">
-                <a16:creationId xmlns:a16="http://schemas.microsoft.com/office/drawing/2014/main" xmlns="" id="{062CA021-2578-47CB-822C-BDDFF7223B28}"/>
+                <a16:creationId xmlns="" xmlns:a16="http://schemas.microsoft.com/office/drawing/2014/main" id="{062CA021-2578-47CB-822C-BDDFF7223B28}"/>
               </a:ext>
             </a:extLst>
           </p:cNvPr>
@@ -1042,7 +1042,7 @@
           <p:cNvPr id="9" name="Slide Number Placeholder 8">
             <a:extLst>
               <a:ext uri="{FF2B5EF4-FFF2-40B4-BE49-F238E27FC236}">
-                <a16:creationId xmlns:a16="http://schemas.microsoft.com/office/drawing/2014/main" xmlns="" id="{C4AAB51D-4141-4682-9375-DAFD5FB9DD10}"/>
+                <a16:creationId xmlns="" xmlns:a16="http://schemas.microsoft.com/office/drawing/2014/main" id="{C4AAB51D-4141-4682-9375-DAFD5FB9DD10}"/>
               </a:ext>
             </a:extLst>
           </p:cNvPr>
@@ -1070,7 +1070,7 @@
     </p:spTree>
     <p:extLst>
       <p:ext uri="{BB962C8B-B14F-4D97-AF65-F5344CB8AC3E}">
-        <p14:creationId xmlns:p14="http://schemas.microsoft.com/office/powerpoint/2010/main" xmlns="" val="1133259295"/>
+        <p14:creationId xmlns="" xmlns:p14="http://schemas.microsoft.com/office/powerpoint/2010/main" val="1133259295"/>
       </p:ext>
     </p:extLst>
   </p:cSld>
@@ -1110,7 +1110,7 @@
           <p:cNvPr id="10" name="Rectangle 9">
             <a:extLst>
               <a:ext uri="{FF2B5EF4-FFF2-40B4-BE49-F238E27FC236}">
-                <a16:creationId xmlns:a16="http://schemas.microsoft.com/office/drawing/2014/main" xmlns="" id="{A585C21A-8B93-4657-B5DF-7EAEAD3BE127}"/>
+                <a16:creationId xmlns="" xmlns:a16="http://schemas.microsoft.com/office/drawing/2014/main" id="{A585C21A-8B93-4657-B5DF-7EAEAD3BE127}"/>
               </a:ext>
             </a:extLst>
           </p:cNvPr>
@@ -1318,7 +1318,7 @@
           <p:cNvPr id="9" name="Straight Connector 8">
             <a:extLst>
               <a:ext uri="{FF2B5EF4-FFF2-40B4-BE49-F238E27FC236}">
-                <a16:creationId xmlns:a16="http://schemas.microsoft.com/office/drawing/2014/main" xmlns="" id="{459DE2C1-4C52-40A3-8959-27B2C1BEBFF6}"/>
+                <a16:creationId xmlns="" xmlns:a16="http://schemas.microsoft.com/office/drawing/2014/main" id="{459DE2C1-4C52-40A3-8959-27B2C1BEBFF6}"/>
               </a:ext>
             </a:extLst>
           </p:cNvPr>
@@ -1362,7 +1362,7 @@
           <p:cNvPr id="7" name="Date Placeholder 6">
             <a:extLst>
               <a:ext uri="{FF2B5EF4-FFF2-40B4-BE49-F238E27FC236}">
-                <a16:creationId xmlns:a16="http://schemas.microsoft.com/office/drawing/2014/main" xmlns="" id="{AAF2E137-EC28-48F8-9198-1F02539029B6}"/>
+                <a16:creationId xmlns="" xmlns:a16="http://schemas.microsoft.com/office/drawing/2014/main" id="{AAF2E137-EC28-48F8-9198-1F02539029B6}"/>
               </a:ext>
             </a:extLst>
           </p:cNvPr>
@@ -1381,7 +1381,7 @@
             <a:fld id="{97669AF7-7BEB-44E4-9852-375E34362B5B}" type="datetime1">
               <a:rPr lang="en-US" smtClean="0"/>
               <a:pPr/>
-              <a:t>5/8/2021</a:t>
+              <a:t>7/1/2021</a:t>
             </a:fld>
             <a:endParaRPr lang="en-US" dirty="0"/>
           </a:p>
@@ -1392,7 +1392,7 @@
           <p:cNvPr id="8" name="Footer Placeholder 7">
             <a:extLst>
               <a:ext uri="{FF2B5EF4-FFF2-40B4-BE49-F238E27FC236}">
-                <a16:creationId xmlns:a16="http://schemas.microsoft.com/office/drawing/2014/main" xmlns="" id="{189422CD-6F62-4DD6-89EF-07A60B42D219}"/>
+                <a16:creationId xmlns="" xmlns:a16="http://schemas.microsoft.com/office/drawing/2014/main" id="{189422CD-6F62-4DD6-89EF-07A60B42D219}"/>
               </a:ext>
             </a:extLst>
           </p:cNvPr>
@@ -1417,7 +1417,7 @@
           <p:cNvPr id="11" name="Slide Number Placeholder 10">
             <a:extLst>
               <a:ext uri="{FF2B5EF4-FFF2-40B4-BE49-F238E27FC236}">
-                <a16:creationId xmlns:a16="http://schemas.microsoft.com/office/drawing/2014/main" xmlns="" id="{69C6AFF8-42B4-4D05-969B-9F5FB3355555}"/>
+                <a16:creationId xmlns="" xmlns:a16="http://schemas.microsoft.com/office/drawing/2014/main" id="{69C6AFF8-42B4-4D05-969B-9F5FB3355555}"/>
               </a:ext>
             </a:extLst>
           </p:cNvPr>
@@ -1445,7 +1445,7 @@
     </p:spTree>
     <p:extLst>
       <p:ext uri="{BB962C8B-B14F-4D97-AF65-F5344CB8AC3E}">
-        <p14:creationId xmlns:p14="http://schemas.microsoft.com/office/powerpoint/2010/main" xmlns="" val="3711357983"/>
+        <p14:creationId xmlns="" xmlns:p14="http://schemas.microsoft.com/office/powerpoint/2010/main" val="3711357983"/>
       </p:ext>
     </p:extLst>
   </p:cSld>
@@ -1619,7 +1619,7 @@
           <p:cNvPr id="2" name="Date Placeholder 1">
             <a:extLst>
               <a:ext uri="{FF2B5EF4-FFF2-40B4-BE49-F238E27FC236}">
-                <a16:creationId xmlns:a16="http://schemas.microsoft.com/office/drawing/2014/main" xmlns="" id="{5782D47D-B0DC-4C40-BCC6-BBBA32584A38}"/>
+                <a16:creationId xmlns="" xmlns:a16="http://schemas.microsoft.com/office/drawing/2014/main" id="{5782D47D-B0DC-4C40-BCC6-BBBA32584A38}"/>
               </a:ext>
             </a:extLst>
           </p:cNvPr>
@@ -1638,7 +1638,7 @@
             <a:fld id="{BAAAC38D-0552-4C82-B593-E6124DFADBE2}" type="datetime1">
               <a:rPr lang="en-US" smtClean="0"/>
               <a:pPr/>
-              <a:t>5/8/2021</a:t>
+              <a:t>7/1/2021</a:t>
             </a:fld>
             <a:endParaRPr lang="en-US" dirty="0"/>
           </a:p>
@@ -1649,7 +1649,7 @@
           <p:cNvPr id="9" name="Footer Placeholder 8">
             <a:extLst>
               <a:ext uri="{FF2B5EF4-FFF2-40B4-BE49-F238E27FC236}">
-                <a16:creationId xmlns:a16="http://schemas.microsoft.com/office/drawing/2014/main" xmlns="" id="{4690D34E-7EBD-44B2-83CA-4C126A18D7EF}"/>
+                <a16:creationId xmlns="" xmlns:a16="http://schemas.microsoft.com/office/drawing/2014/main" id="{4690D34E-7EBD-44B2-83CA-4C126A18D7EF}"/>
               </a:ext>
             </a:extLst>
           </p:cNvPr>
@@ -1674,7 +1674,7 @@
           <p:cNvPr id="10" name="Slide Number Placeholder 9">
             <a:extLst>
               <a:ext uri="{FF2B5EF4-FFF2-40B4-BE49-F238E27FC236}">
-                <a16:creationId xmlns:a16="http://schemas.microsoft.com/office/drawing/2014/main" xmlns="" id="{2AC511A1-9BBD-42DE-92FB-2AF44F8E97A9}"/>
+                <a16:creationId xmlns="" xmlns:a16="http://schemas.microsoft.com/office/drawing/2014/main" id="{2AC511A1-9BBD-42DE-92FB-2AF44F8E97A9}"/>
               </a:ext>
             </a:extLst>
           </p:cNvPr>
@@ -1702,7 +1702,7 @@
     </p:spTree>
     <p:extLst>
       <p:ext uri="{BB962C8B-B14F-4D97-AF65-F5344CB8AC3E}">
-        <p14:creationId xmlns:p14="http://schemas.microsoft.com/office/powerpoint/2010/main" xmlns="" val="835839530"/>
+        <p14:creationId xmlns="" xmlns:p14="http://schemas.microsoft.com/office/powerpoint/2010/main" val="835839530"/>
       </p:ext>
     </p:extLst>
   </p:cSld>
@@ -2018,7 +2018,7 @@
           <p:cNvPr id="2" name="Date Placeholder 1">
             <a:extLst>
               <a:ext uri="{FF2B5EF4-FFF2-40B4-BE49-F238E27FC236}">
-                <a16:creationId xmlns:a16="http://schemas.microsoft.com/office/drawing/2014/main" xmlns="" id="{8AF8A515-AA94-45D1-9223-5C2272618D85}"/>
+                <a16:creationId xmlns="" xmlns:a16="http://schemas.microsoft.com/office/drawing/2014/main" id="{8AF8A515-AA94-45D1-9223-5C2272618D85}"/>
               </a:ext>
             </a:extLst>
           </p:cNvPr>
@@ -2037,7 +2037,7 @@
             <a:fld id="{D9DF0F1C-5577-4ACB-BB62-DF8F3C494C7E}" type="datetime1">
               <a:rPr lang="en-US" smtClean="0"/>
               <a:pPr/>
-              <a:t>5/8/2021</a:t>
+              <a:t>7/1/2021</a:t>
             </a:fld>
             <a:endParaRPr lang="en-US" dirty="0"/>
           </a:p>
@@ -2048,7 +2048,7 @@
           <p:cNvPr id="11" name="Footer Placeholder 10">
             <a:extLst>
               <a:ext uri="{FF2B5EF4-FFF2-40B4-BE49-F238E27FC236}">
-                <a16:creationId xmlns:a16="http://schemas.microsoft.com/office/drawing/2014/main" xmlns="" id="{D052F5BC-98E0-4D60-AD67-9547738B7DD4}"/>
+                <a16:creationId xmlns="" xmlns:a16="http://schemas.microsoft.com/office/drawing/2014/main" id="{D052F5BC-98E0-4D60-AD67-9547738B7DD4}"/>
               </a:ext>
             </a:extLst>
           </p:cNvPr>
@@ -2073,7 +2073,7 @@
           <p:cNvPr id="12" name="Slide Number Placeholder 11">
             <a:extLst>
               <a:ext uri="{FF2B5EF4-FFF2-40B4-BE49-F238E27FC236}">
-                <a16:creationId xmlns:a16="http://schemas.microsoft.com/office/drawing/2014/main" xmlns="" id="{A38552DC-952E-41EA-AAAF-C2187523C0B0}"/>
+                <a16:creationId xmlns="" xmlns:a16="http://schemas.microsoft.com/office/drawing/2014/main" id="{A38552DC-952E-41EA-AAAF-C2187523C0B0}"/>
               </a:ext>
             </a:extLst>
           </p:cNvPr>
@@ -2101,7 +2101,7 @@
     </p:spTree>
     <p:extLst>
       <p:ext uri="{BB962C8B-B14F-4D97-AF65-F5344CB8AC3E}">
-        <p14:creationId xmlns:p14="http://schemas.microsoft.com/office/powerpoint/2010/main" xmlns="" val="1107007099"/>
+        <p14:creationId xmlns="" xmlns:p14="http://schemas.microsoft.com/office/powerpoint/2010/main" val="1107007099"/>
       </p:ext>
     </p:extLst>
   </p:cSld>
@@ -2156,7 +2156,7 @@
           <p:cNvPr id="6" name="Date Placeholder 5">
             <a:extLst>
               <a:ext uri="{FF2B5EF4-FFF2-40B4-BE49-F238E27FC236}">
-                <a16:creationId xmlns:a16="http://schemas.microsoft.com/office/drawing/2014/main" xmlns="" id="{7392073F-158F-44A3-8913-917AFFC1BC20}"/>
+                <a16:creationId xmlns="" xmlns:a16="http://schemas.microsoft.com/office/drawing/2014/main" id="{7392073F-158F-44A3-8913-917AFFC1BC20}"/>
               </a:ext>
             </a:extLst>
           </p:cNvPr>
@@ -2175,7 +2175,7 @@
             <a:fld id="{1775B394-D9F9-4F0C-B15D-605F45CB9E9F}" type="datetime1">
               <a:rPr lang="en-US" smtClean="0"/>
               <a:pPr/>
-              <a:t>5/8/2021</a:t>
+              <a:t>7/1/2021</a:t>
             </a:fld>
             <a:endParaRPr lang="en-US" dirty="0"/>
           </a:p>
@@ -2186,7 +2186,7 @@
           <p:cNvPr id="7" name="Footer Placeholder 6">
             <a:extLst>
               <a:ext uri="{FF2B5EF4-FFF2-40B4-BE49-F238E27FC236}">
-                <a16:creationId xmlns:a16="http://schemas.microsoft.com/office/drawing/2014/main" xmlns="" id="{EED72207-24CA-42B7-A975-2F8E41CBA904}"/>
+                <a16:creationId xmlns="" xmlns:a16="http://schemas.microsoft.com/office/drawing/2014/main" id="{EED72207-24CA-42B7-A975-2F8E41CBA904}"/>
               </a:ext>
             </a:extLst>
           </p:cNvPr>
@@ -2211,7 +2211,7 @@
           <p:cNvPr id="8" name="Slide Number Placeholder 7">
             <a:extLst>
               <a:ext uri="{FF2B5EF4-FFF2-40B4-BE49-F238E27FC236}">
-                <a16:creationId xmlns:a16="http://schemas.microsoft.com/office/drawing/2014/main" xmlns="" id="{D01080F2-251A-4B88-9A62-16F46D724F83}"/>
+                <a16:creationId xmlns="" xmlns:a16="http://schemas.microsoft.com/office/drawing/2014/main" id="{D01080F2-251A-4B88-9A62-16F46D724F83}"/>
               </a:ext>
             </a:extLst>
           </p:cNvPr>
@@ -2239,7 +2239,7 @@
     </p:spTree>
     <p:extLst>
       <p:ext uri="{BB962C8B-B14F-4D97-AF65-F5344CB8AC3E}">
-        <p14:creationId xmlns:p14="http://schemas.microsoft.com/office/powerpoint/2010/main" xmlns="" val="3986161938"/>
+        <p14:creationId xmlns="" xmlns:p14="http://schemas.microsoft.com/office/powerpoint/2010/main" val="3986161938"/>
       </p:ext>
     </p:extLst>
   </p:cSld>
@@ -2271,7 +2271,7 @@
           <p:cNvPr id="10" name="Rectangle 9">
             <a:extLst>
               <a:ext uri="{FF2B5EF4-FFF2-40B4-BE49-F238E27FC236}">
-                <a16:creationId xmlns:a16="http://schemas.microsoft.com/office/drawing/2014/main" xmlns="" id="{A8E9C91B-7EAD-4562-AB0E-DFB9663AECE3}"/>
+                <a16:creationId xmlns="" xmlns:a16="http://schemas.microsoft.com/office/drawing/2014/main" id="{A8E9C91B-7EAD-4562-AB0E-DFB9663AECE3}"/>
               </a:ext>
             </a:extLst>
           </p:cNvPr>
@@ -2315,7 +2315,7 @@
           <p:cNvPr id="2" name="Date Placeholder 1">
             <a:extLst>
               <a:ext uri="{FF2B5EF4-FFF2-40B4-BE49-F238E27FC236}">
-                <a16:creationId xmlns:a16="http://schemas.microsoft.com/office/drawing/2014/main" xmlns="" id="{94E9223F-721F-47BF-9FD5-0F8D12FF0DE1}"/>
+                <a16:creationId xmlns="" xmlns:a16="http://schemas.microsoft.com/office/drawing/2014/main" id="{94E9223F-721F-47BF-9FD5-0F8D12FF0DE1}"/>
               </a:ext>
             </a:extLst>
           </p:cNvPr>
@@ -2334,7 +2334,7 @@
             <a:fld id="{39667345-2558-425A-8533-9BFDBCE15005}" type="datetime1">
               <a:rPr lang="en-US" smtClean="0"/>
               <a:pPr/>
-              <a:t>5/8/2021</a:t>
+              <a:t>7/1/2021</a:t>
             </a:fld>
             <a:endParaRPr lang="en-US" dirty="0"/>
           </a:p>
@@ -2345,7 +2345,7 @@
           <p:cNvPr id="3" name="Footer Placeholder 2">
             <a:extLst>
               <a:ext uri="{FF2B5EF4-FFF2-40B4-BE49-F238E27FC236}">
-                <a16:creationId xmlns:a16="http://schemas.microsoft.com/office/drawing/2014/main" xmlns="" id="{05915714-6BBA-4593-8591-4E26F7D58D9F}"/>
+                <a16:creationId xmlns="" xmlns:a16="http://schemas.microsoft.com/office/drawing/2014/main" id="{05915714-6BBA-4593-8591-4E26F7D58D9F}"/>
               </a:ext>
             </a:extLst>
           </p:cNvPr>
@@ -2370,7 +2370,7 @@
           <p:cNvPr id="4" name="Slide Number Placeholder 3">
             <a:extLst>
               <a:ext uri="{FF2B5EF4-FFF2-40B4-BE49-F238E27FC236}">
-                <a16:creationId xmlns:a16="http://schemas.microsoft.com/office/drawing/2014/main" xmlns="" id="{BE06F857-D2E1-44DD-ABDD-EBB739645B67}"/>
+                <a16:creationId xmlns="" xmlns:a16="http://schemas.microsoft.com/office/drawing/2014/main" id="{BE06F857-D2E1-44DD-ABDD-EBB739645B67}"/>
               </a:ext>
             </a:extLst>
           </p:cNvPr>
@@ -2398,7 +2398,7 @@
     </p:spTree>
     <p:extLst>
       <p:ext uri="{BB962C8B-B14F-4D97-AF65-F5344CB8AC3E}">
-        <p14:creationId xmlns:p14="http://schemas.microsoft.com/office/powerpoint/2010/main" xmlns="" val="932160085"/>
+        <p14:creationId xmlns="" xmlns:p14="http://schemas.microsoft.com/office/powerpoint/2010/main" val="932160085"/>
       </p:ext>
     </p:extLst>
   </p:cSld>
@@ -2430,7 +2430,7 @@
           <p:cNvPr id="8" name="Rectangle 7">
             <a:extLst>
               <a:ext uri="{FF2B5EF4-FFF2-40B4-BE49-F238E27FC236}">
-                <a16:creationId xmlns:a16="http://schemas.microsoft.com/office/drawing/2014/main" xmlns="" id="{16D90D66-BCB9-4229-A829-628874352AC0}"/>
+                <a16:creationId xmlns="" xmlns:a16="http://schemas.microsoft.com/office/drawing/2014/main" id="{16D90D66-BCB9-4229-A829-628874352AC0}"/>
               </a:ext>
             </a:extLst>
           </p:cNvPr>
@@ -2665,7 +2665,7 @@
             <a:fld id="{92BEA474-078D-4E9B-9B14-09A87B19DC46}" type="datetime1">
               <a:rPr lang="en-US" smtClean="0"/>
               <a:pPr/>
-              <a:t>5/8/2021</a:t>
+              <a:t>7/1/2021</a:t>
             </a:fld>
             <a:endParaRPr lang="en-US" dirty="0"/>
           </a:p>
@@ -2738,7 +2738,7 @@
     </p:spTree>
     <p:extLst>
       <p:ext uri="{BB962C8B-B14F-4D97-AF65-F5344CB8AC3E}">
-        <p14:creationId xmlns:p14="http://schemas.microsoft.com/office/powerpoint/2010/main" xmlns="" val="2333136312"/>
+        <p14:creationId xmlns="" xmlns:p14="http://schemas.microsoft.com/office/powerpoint/2010/main" val="2333136312"/>
       </p:ext>
     </p:extLst>
   </p:cSld>
@@ -2770,7 +2770,7 @@
           <p:cNvPr id="8" name="Rectangle 7">
             <a:extLst>
               <a:ext uri="{FF2B5EF4-FFF2-40B4-BE49-F238E27FC236}">
-                <a16:creationId xmlns:a16="http://schemas.microsoft.com/office/drawing/2014/main" xmlns="" id="{DA134939-39C0-4522-A125-A13DFDA66490}"/>
+                <a16:creationId xmlns="" xmlns:a16="http://schemas.microsoft.com/office/drawing/2014/main" id="{DA134939-39C0-4522-A125-A13DFDA66490}"/>
               </a:ext>
             </a:extLst>
           </p:cNvPr>
@@ -3016,7 +3016,7 @@
             <a:fld id="{4907D986-8816-4272-A432-0437A28A9828}" type="datetime1">
               <a:rPr lang="en-US" smtClean="0"/>
               <a:pPr/>
-              <a:t>5/8/2021</a:t>
+              <a:t>7/1/2021</a:t>
             </a:fld>
             <a:endParaRPr lang="en-US" dirty="0"/>
           </a:p>
@@ -3074,7 +3074,7 @@
     </p:spTree>
     <p:extLst>
       <p:ext uri="{BB962C8B-B14F-4D97-AF65-F5344CB8AC3E}">
-        <p14:creationId xmlns:p14="http://schemas.microsoft.com/office/powerpoint/2010/main" xmlns="" val="600459919"/>
+        <p14:creationId xmlns="" xmlns:p14="http://schemas.microsoft.com/office/powerpoint/2010/main" val="600459919"/>
       </p:ext>
     </p:extLst>
   </p:cSld>
@@ -3111,7 +3111,7 @@
           <p:cNvPr id="7" name="Rectangle 6">
             <a:extLst>
               <a:ext uri="{FF2B5EF4-FFF2-40B4-BE49-F238E27FC236}">
-                <a16:creationId xmlns:a16="http://schemas.microsoft.com/office/drawing/2014/main" xmlns="" id="{416A0E3C-60E6-4F39-BC55-5F7C224E1F7C}"/>
+                <a16:creationId xmlns="" xmlns:a16="http://schemas.microsoft.com/office/drawing/2014/main" id="{416A0E3C-60E6-4F39-BC55-5F7C224E1F7C}"/>
               </a:ext>
             </a:extLst>
           </p:cNvPr>
@@ -3279,7 +3279,7 @@
             <a:fld id="{62D6E202-B606-4609-B914-27C9371A1F6D}" type="datetime1">
               <a:rPr lang="en-US" smtClean="0"/>
               <a:pPr/>
-              <a:t>5/8/2021</a:t>
+              <a:t>7/1/2021</a:t>
             </a:fld>
             <a:endParaRPr lang="en-US" dirty="0"/>
           </a:p>
@@ -3365,7 +3365,7 @@
           <p:cNvPr id="10" name="Straight Connector 9">
             <a:extLst>
               <a:ext uri="{FF2B5EF4-FFF2-40B4-BE49-F238E27FC236}">
-                <a16:creationId xmlns:a16="http://schemas.microsoft.com/office/drawing/2014/main" xmlns="" id="{C5025DAC-8B93-4160-B017-3A274A5828C0}"/>
+                <a16:creationId xmlns="" xmlns:a16="http://schemas.microsoft.com/office/drawing/2014/main" id="{C5025DAC-8B93-4160-B017-3A274A5828C0}"/>
               </a:ext>
             </a:extLst>
           </p:cNvPr>
@@ -3407,7 +3407,7 @@
     </p:spTree>
     <p:extLst>
       <p:ext uri="{BB962C8B-B14F-4D97-AF65-F5344CB8AC3E}">
-        <p14:creationId xmlns:p14="http://schemas.microsoft.com/office/powerpoint/2010/main" xmlns="" val="557982974"/>
+        <p14:creationId xmlns="" xmlns:p14="http://schemas.microsoft.com/office/powerpoint/2010/main" val="557982974"/>
       </p:ext>
     </p:extLst>
   </p:cSld>
@@ -3816,10 +3816,10 @@
           <p:cNvPr id="8" name="Rectangle 7">
             <a:extLst>
               <a:ext uri="{FF2B5EF4-FFF2-40B4-BE49-F238E27FC236}">
-                <a16:creationId xmlns:a16="http://schemas.microsoft.com/office/drawing/2014/main" xmlns="" id="{B601567C-4815-45C4-A8C8-DEF236232A30}"/>
+                <a16:creationId xmlns="" xmlns:a16="http://schemas.microsoft.com/office/drawing/2014/main" id="{B601567C-4815-45C4-A8C8-DEF236232A30}"/>
               </a:ext>
               <a:ext uri="{C183D7F6-B498-43B3-948B-1728B52AA6E4}">
-                <adec:decorative xmlns:adec="http://schemas.microsoft.com/office/drawing/2017/decorative" xmlns="" val="1"/>
+                <adec:decorative xmlns="" xmlns:adec="http://schemas.microsoft.com/office/drawing/2017/decorative" val="1"/>
               </a:ext>
             </a:extLst>
           </p:cNvPr>
@@ -3829,7 +3829,7 @@
           <p:nvPr>
             <p:extLst>
               <p:ext uri="{386F3935-93C4-4BCD-93E2-E3B085C9AB24}">
-                <p16:designElem xmlns:p16="http://schemas.microsoft.com/office/powerpoint/2015/main" xmlns="" val="1"/>
+                <p16:designElem xmlns="" xmlns:p16="http://schemas.microsoft.com/office/powerpoint/2015/main" val="1"/>
               </p:ext>
             </p:extLst>
           </p:nvPr>
@@ -3876,10 +3876,10 @@
           <p:cNvPr id="10" name="Straight Connector 9">
             <a:extLst>
               <a:ext uri="{FF2B5EF4-FFF2-40B4-BE49-F238E27FC236}">
-                <a16:creationId xmlns:a16="http://schemas.microsoft.com/office/drawing/2014/main" xmlns="" id="{9D2BBCA2-F039-47DF-B36F-39D7E7CC0090}"/>
+                <a16:creationId xmlns="" xmlns:a16="http://schemas.microsoft.com/office/drawing/2014/main" id="{9D2BBCA2-F039-47DF-B36F-39D7E7CC0090}"/>
               </a:ext>
               <a:ext uri="{C183D7F6-B498-43B3-948B-1728B52AA6E4}">
-                <adec:decorative xmlns:adec="http://schemas.microsoft.com/office/drawing/2017/decorative" xmlns="" val="1"/>
+                <adec:decorative xmlns="" xmlns:adec="http://schemas.microsoft.com/office/drawing/2017/decorative" val="1"/>
               </a:ext>
             </a:extLst>
           </p:cNvPr>
@@ -3889,7 +3889,7 @@
           <p:nvPr>
             <p:extLst>
               <p:ext uri="{386F3935-93C4-4BCD-93E2-E3B085C9AB24}">
-                <p16:designElem xmlns:p16="http://schemas.microsoft.com/office/powerpoint/2015/main" xmlns="" val="1"/>
+                <p16:designElem xmlns="" xmlns:p16="http://schemas.microsoft.com/office/powerpoint/2015/main" val="1"/>
               </p:ext>
             </p:extLst>
           </p:nvPr>
@@ -3931,10 +3931,10 @@
           <p:cNvPr id="12" name="Rectangle 11">
             <a:extLst>
               <a:ext uri="{FF2B5EF4-FFF2-40B4-BE49-F238E27FC236}">
-                <a16:creationId xmlns:a16="http://schemas.microsoft.com/office/drawing/2014/main" xmlns="" id="{277711D3-2534-4918-8661-020829D71301}"/>
+                <a16:creationId xmlns="" xmlns:a16="http://schemas.microsoft.com/office/drawing/2014/main" id="{277711D3-2534-4918-8661-020829D71301}"/>
               </a:ext>
               <a:ext uri="{C183D7F6-B498-43B3-948B-1728B52AA6E4}">
-                <adec:decorative xmlns:adec="http://schemas.microsoft.com/office/drawing/2017/decorative" xmlns="" val="1"/>
+                <adec:decorative xmlns="" xmlns:adec="http://schemas.microsoft.com/office/drawing/2017/decorative" val="1"/>
               </a:ext>
             </a:extLst>
           </p:cNvPr>
@@ -3944,7 +3944,7 @@
           <p:nvPr>
             <p:extLst>
               <p:ext uri="{386F3935-93C4-4BCD-93E2-E3B085C9AB24}">
-                <p16:designElem xmlns:p16="http://schemas.microsoft.com/office/powerpoint/2015/main" xmlns="" val="1"/>
+                <p16:designElem xmlns="" xmlns:p16="http://schemas.microsoft.com/office/powerpoint/2015/main" val="1"/>
               </p:ext>
             </p:extLst>
           </p:nvPr>
@@ -3986,7 +3986,7 @@
           <p:cNvPr id="7" name="Title 1">
             <a:extLst>
               <a:ext uri="{FF2B5EF4-FFF2-40B4-BE49-F238E27FC236}">
-                <a16:creationId xmlns:a16="http://schemas.microsoft.com/office/drawing/2014/main" xmlns="" id="{76D879C9-8047-403D-8A2D-252586EF71ED}"/>
+                <a16:creationId xmlns="" xmlns:a16="http://schemas.microsoft.com/office/drawing/2014/main" id="{76D879C9-8047-403D-8A2D-252586EF71ED}"/>
               </a:ext>
             </a:extLst>
           </p:cNvPr>
@@ -4052,7 +4052,7 @@
           <p:cNvPr id="9" name="TextBox 1">
             <a:extLst>
               <a:ext uri="{FF2B5EF4-FFF2-40B4-BE49-F238E27FC236}">
-                <a16:creationId xmlns:a16="http://schemas.microsoft.com/office/drawing/2014/main" xmlns="" id="{80069F3B-4413-42FF-8D6A-AC78DB926900}"/>
+                <a16:creationId xmlns="" xmlns:a16="http://schemas.microsoft.com/office/drawing/2014/main" id="{80069F3B-4413-42FF-8D6A-AC78DB926900}"/>
               </a:ext>
             </a:extLst>
           </p:cNvPr>
@@ -4202,7 +4202,7 @@
           <p:cNvPr id="4" name="Picture 4" descr="A picture containing text&#10;&#10;Description automatically generated">
             <a:extLst>
               <a:ext uri="{FF2B5EF4-FFF2-40B4-BE49-F238E27FC236}">
-                <a16:creationId xmlns:a16="http://schemas.microsoft.com/office/drawing/2014/main" xmlns="" id="{DB75C943-C304-400E-A0D4-B8AC485CCD8C}"/>
+                <a16:creationId xmlns="" xmlns:a16="http://schemas.microsoft.com/office/drawing/2014/main" id="{DB75C943-C304-400E-A0D4-B8AC485CCD8C}"/>
               </a:ext>
             </a:extLst>
           </p:cNvPr>
@@ -4232,7 +4232,7 @@
           <p:cNvPr id="11" name="TextBox 1">
             <a:extLst>
               <a:ext uri="{FF2B5EF4-FFF2-40B4-BE49-F238E27FC236}">
-                <a16:creationId xmlns:a16="http://schemas.microsoft.com/office/drawing/2014/main" xmlns="" id="{9DB69F34-51BF-4BB4-95B3-EB3964461D69}"/>
+                <a16:creationId xmlns="" xmlns:a16="http://schemas.microsoft.com/office/drawing/2014/main" id="{9DB69F34-51BF-4BB4-95B3-EB3964461D69}"/>
               </a:ext>
             </a:extLst>
           </p:cNvPr>
@@ -4392,7 +4392,7 @@
           <p:cNvPr id="13" name="TextBox 1">
             <a:extLst>
               <a:ext uri="{FF2B5EF4-FFF2-40B4-BE49-F238E27FC236}">
-                <a16:creationId xmlns:a16="http://schemas.microsoft.com/office/drawing/2014/main" xmlns="" id="{F91902E5-8097-4126-9841-2AF7685287CB}"/>
+                <a16:creationId xmlns="" xmlns:a16="http://schemas.microsoft.com/office/drawing/2014/main" id="{F91902E5-8097-4126-9841-2AF7685287CB}"/>
               </a:ext>
             </a:extLst>
           </p:cNvPr>
@@ -4611,7 +4611,7 @@
     </p:spTree>
     <p:extLst>
       <p:ext uri="{BB962C8B-B14F-4D97-AF65-F5344CB8AC3E}">
-        <p14:creationId xmlns:p14="http://schemas.microsoft.com/office/powerpoint/2010/main" xmlns="" val="109857222"/>
+        <p14:creationId xmlns="" xmlns:p14="http://schemas.microsoft.com/office/powerpoint/2010/main" val="109857222"/>
       </p:ext>
     </p:extLst>
   </p:cSld>
@@ -4650,7 +4650,7 @@
           <p:cNvPr id="2" name="Title 1">
             <a:extLst>
               <a:ext uri="{FF2B5EF4-FFF2-40B4-BE49-F238E27FC236}">
-                <a16:creationId xmlns:a16="http://schemas.microsoft.com/office/drawing/2014/main" xmlns="" id="{147B1D19-E6D1-410F-8817-C3DA5F2CCDD3}"/>
+                <a16:creationId xmlns="" xmlns:a16="http://schemas.microsoft.com/office/drawing/2014/main" id="{147B1D19-E6D1-410F-8817-C3DA5F2CCDD3}"/>
               </a:ext>
             </a:extLst>
           </p:cNvPr>
@@ -4678,7 +4678,7 @@
           <p:cNvPr id="3" name="Picture 3" descr="Graphical user interface, text, email&#10;&#10;Description automatically generated">
             <a:extLst>
               <a:ext uri="{FF2B5EF4-FFF2-40B4-BE49-F238E27FC236}">
-                <a16:creationId xmlns:a16="http://schemas.microsoft.com/office/drawing/2014/main" xmlns="" id="{3BFCC4E0-B3A5-429D-A46E-FCFF02F442A8}"/>
+                <a16:creationId xmlns="" xmlns:a16="http://schemas.microsoft.com/office/drawing/2014/main" id="{3BFCC4E0-B3A5-429D-A46E-FCFF02F442A8}"/>
               </a:ext>
             </a:extLst>
           </p:cNvPr>
@@ -4706,7 +4706,7 @@
     </p:spTree>
     <p:extLst>
       <p:ext uri="{BB962C8B-B14F-4D97-AF65-F5344CB8AC3E}">
-        <p14:creationId xmlns:p14="http://schemas.microsoft.com/office/powerpoint/2010/main" xmlns="" val="4029308538"/>
+        <p14:creationId xmlns="" xmlns:p14="http://schemas.microsoft.com/office/powerpoint/2010/main" val="4029308538"/>
       </p:ext>
     </p:extLst>
   </p:cSld>
@@ -4745,7 +4745,7 @@
           <p:cNvPr id="2" name="Title 1">
             <a:extLst>
               <a:ext uri="{FF2B5EF4-FFF2-40B4-BE49-F238E27FC236}">
-                <a16:creationId xmlns:a16="http://schemas.microsoft.com/office/drawing/2014/main" xmlns="" id="{92233D41-3285-42DD-A8C1-75211B19E7DF}"/>
+                <a16:creationId xmlns="" xmlns:a16="http://schemas.microsoft.com/office/drawing/2014/main" id="{92233D41-3285-42DD-A8C1-75211B19E7DF}"/>
               </a:ext>
             </a:extLst>
           </p:cNvPr>
@@ -4776,7 +4776,7 @@
           <p:cNvPr id="3" name="TextBox 2">
             <a:extLst>
               <a:ext uri="{FF2B5EF4-FFF2-40B4-BE49-F238E27FC236}">
-                <a16:creationId xmlns:a16="http://schemas.microsoft.com/office/drawing/2014/main" xmlns="" id="{E4CEE889-E14B-4121-92F7-3F52F080EC7C}"/>
+                <a16:creationId xmlns="" xmlns:a16="http://schemas.microsoft.com/office/drawing/2014/main" id="{E4CEE889-E14B-4121-92F7-3F52F080EC7C}"/>
               </a:ext>
             </a:extLst>
           </p:cNvPr>
@@ -4918,7 +4918,7 @@
     </p:spTree>
     <p:extLst>
       <p:ext uri="{BB962C8B-B14F-4D97-AF65-F5344CB8AC3E}">
-        <p14:creationId xmlns:p14="http://schemas.microsoft.com/office/powerpoint/2010/main" xmlns="" val="1887454943"/>
+        <p14:creationId xmlns="" xmlns:p14="http://schemas.microsoft.com/office/powerpoint/2010/main" val="1887454943"/>
       </p:ext>
     </p:extLst>
   </p:cSld>
@@ -4957,7 +4957,7 @@
           <p:cNvPr id="2" name="Title 1">
             <a:extLst>
               <a:ext uri="{FF2B5EF4-FFF2-40B4-BE49-F238E27FC236}">
-                <a16:creationId xmlns:a16="http://schemas.microsoft.com/office/drawing/2014/main" xmlns="" id="{147B1D19-E6D1-410F-8817-C3DA5F2CCDD3}"/>
+                <a16:creationId xmlns="" xmlns:a16="http://schemas.microsoft.com/office/drawing/2014/main" id="{147B1D19-E6D1-410F-8817-C3DA5F2CCDD3}"/>
               </a:ext>
             </a:extLst>
           </p:cNvPr>
@@ -4985,7 +4985,7 @@
           <p:cNvPr id="4" name="Picture 4" descr="Graphical user interface&#10;&#10;Description automatically generated">
             <a:extLst>
               <a:ext uri="{FF2B5EF4-FFF2-40B4-BE49-F238E27FC236}">
-                <a16:creationId xmlns:a16="http://schemas.microsoft.com/office/drawing/2014/main" xmlns="" id="{E14D6EE7-B648-4F24-B970-00A52C470597}"/>
+                <a16:creationId xmlns="" xmlns:a16="http://schemas.microsoft.com/office/drawing/2014/main" id="{E14D6EE7-B648-4F24-B970-00A52C470597}"/>
               </a:ext>
             </a:extLst>
           </p:cNvPr>
@@ -5002,8 +5002,8 @@
         </p:blipFill>
         <p:spPr>
           <a:xfrm>
-            <a:off x="2087067" y="1972389"/>
-            <a:ext cx="7753610" cy="4361405"/>
+            <a:off x="2087068" y="1972389"/>
+            <a:ext cx="7753608" cy="4361405"/>
           </a:xfrm>
           <a:prstGeom prst="rect">
             <a:avLst/>
@@ -5013,7 +5013,7 @@
     </p:spTree>
     <p:extLst>
       <p:ext uri="{BB962C8B-B14F-4D97-AF65-F5344CB8AC3E}">
-        <p14:creationId xmlns:p14="http://schemas.microsoft.com/office/powerpoint/2010/main" xmlns="" val="1230542328"/>
+        <p14:creationId xmlns="" xmlns:p14="http://schemas.microsoft.com/office/powerpoint/2010/main" val="1230542328"/>
       </p:ext>
     </p:extLst>
   </p:cSld>
@@ -5052,7 +5052,7 @@
           <p:cNvPr id="2" name="Title 1">
             <a:extLst>
               <a:ext uri="{FF2B5EF4-FFF2-40B4-BE49-F238E27FC236}">
-                <a16:creationId xmlns:a16="http://schemas.microsoft.com/office/drawing/2014/main" xmlns="" id="{147B1D19-E6D1-410F-8817-C3DA5F2CCDD3}"/>
+                <a16:creationId xmlns="" xmlns:a16="http://schemas.microsoft.com/office/drawing/2014/main" id="{147B1D19-E6D1-410F-8817-C3DA5F2CCDD3}"/>
               </a:ext>
             </a:extLst>
           </p:cNvPr>
@@ -5080,7 +5080,7 @@
           <p:cNvPr id="3" name="Picture 4" descr="Graphical user interface, text&#10;&#10;Description automatically generated">
             <a:extLst>
               <a:ext uri="{FF2B5EF4-FFF2-40B4-BE49-F238E27FC236}">
-                <a16:creationId xmlns:a16="http://schemas.microsoft.com/office/drawing/2014/main" xmlns="" id="{AECAE01D-015B-431A-A05E-7AE262B9AE90}"/>
+                <a16:creationId xmlns="" xmlns:a16="http://schemas.microsoft.com/office/drawing/2014/main" id="{AECAE01D-015B-431A-A05E-7AE262B9AE90}"/>
               </a:ext>
             </a:extLst>
           </p:cNvPr>
@@ -5108,7 +5108,7 @@
     </p:spTree>
     <p:extLst>
       <p:ext uri="{BB962C8B-B14F-4D97-AF65-F5344CB8AC3E}">
-        <p14:creationId xmlns:p14="http://schemas.microsoft.com/office/powerpoint/2010/main" xmlns="" val="2748189823"/>
+        <p14:creationId xmlns="" xmlns:p14="http://schemas.microsoft.com/office/powerpoint/2010/main" val="2748189823"/>
       </p:ext>
     </p:extLst>
   </p:cSld>
@@ -5147,7 +5147,7 @@
           <p:cNvPr id="2" name="Title 1">
             <a:extLst>
               <a:ext uri="{FF2B5EF4-FFF2-40B4-BE49-F238E27FC236}">
-                <a16:creationId xmlns:a16="http://schemas.microsoft.com/office/drawing/2014/main" xmlns="" id="{11427E49-F02D-417D-940E-B5E2ED62090D}"/>
+                <a16:creationId xmlns="" xmlns:a16="http://schemas.microsoft.com/office/drawing/2014/main" id="{11427E49-F02D-417D-940E-B5E2ED62090D}"/>
               </a:ext>
             </a:extLst>
           </p:cNvPr>
@@ -5175,7 +5175,7 @@
           <p:cNvPr id="3" name="TextBox 2">
             <a:extLst>
               <a:ext uri="{FF2B5EF4-FFF2-40B4-BE49-F238E27FC236}">
-                <a16:creationId xmlns:a16="http://schemas.microsoft.com/office/drawing/2014/main" xmlns="" id="{45403B50-3A83-449E-A55F-B63AB0A0FA2E}"/>
+                <a16:creationId xmlns="" xmlns:a16="http://schemas.microsoft.com/office/drawing/2014/main" id="{45403B50-3A83-449E-A55F-B63AB0A0FA2E}"/>
               </a:ext>
             </a:extLst>
           </p:cNvPr>
@@ -5385,7 +5385,7 @@
     </p:spTree>
     <p:extLst>
       <p:ext uri="{BB962C8B-B14F-4D97-AF65-F5344CB8AC3E}">
-        <p14:creationId xmlns:p14="http://schemas.microsoft.com/office/powerpoint/2010/main" xmlns="" val="3774004363"/>
+        <p14:creationId xmlns="" xmlns:p14="http://schemas.microsoft.com/office/powerpoint/2010/main" val="3774004363"/>
       </p:ext>
     </p:extLst>
   </p:cSld>
@@ -5432,10 +5432,10 @@
           <p:cNvPr id="7" name="Rectangle 7">
             <a:extLst>
               <a:ext uri="{FF2B5EF4-FFF2-40B4-BE49-F238E27FC236}">
-                <a16:creationId xmlns:a16="http://schemas.microsoft.com/office/drawing/2014/main" xmlns="" id="{652BD35A-BC99-4831-A358-06E2CEB96697}"/>
+                <a16:creationId xmlns="" xmlns:a16="http://schemas.microsoft.com/office/drawing/2014/main" id="{652BD35A-BC99-4831-A358-06E2CEB96697}"/>
               </a:ext>
               <a:ext uri="{C183D7F6-B498-43B3-948B-1728B52AA6E4}">
-                <adec:decorative xmlns:adec="http://schemas.microsoft.com/office/drawing/2017/decorative" xmlns="" val="1"/>
+                <adec:decorative xmlns="" xmlns:adec="http://schemas.microsoft.com/office/drawing/2017/decorative" val="1"/>
               </a:ext>
             </a:extLst>
           </p:cNvPr>
@@ -5445,7 +5445,7 @@
           <p:nvPr>
             <p:extLst>
               <p:ext uri="{386F3935-93C4-4BCD-93E2-E3B085C9AB24}">
-                <p16:designElem xmlns:p16="http://schemas.microsoft.com/office/powerpoint/2015/main" xmlns="" val="1"/>
+                <p16:designElem xmlns="" xmlns:p16="http://schemas.microsoft.com/office/powerpoint/2015/main" val="1"/>
               </p:ext>
             </p:extLst>
           </p:nvPr>
@@ -5492,10 +5492,10 @@
           <p:cNvPr id="9" name="Rectangle 9">
             <a:extLst>
               <a:ext uri="{FF2B5EF4-FFF2-40B4-BE49-F238E27FC236}">
-                <a16:creationId xmlns:a16="http://schemas.microsoft.com/office/drawing/2014/main" xmlns="" id="{B76E24C1-2968-40DC-A36E-F6B85F0F0752}"/>
+                <a16:creationId xmlns="" xmlns:a16="http://schemas.microsoft.com/office/drawing/2014/main" id="{B76E24C1-2968-40DC-A36E-F6B85F0F0752}"/>
               </a:ext>
               <a:ext uri="{C183D7F6-B498-43B3-948B-1728B52AA6E4}">
-                <adec:decorative xmlns:adec="http://schemas.microsoft.com/office/drawing/2017/decorative" xmlns="" val="1"/>
+                <adec:decorative xmlns="" xmlns:adec="http://schemas.microsoft.com/office/drawing/2017/decorative" val="1"/>
               </a:ext>
             </a:extLst>
           </p:cNvPr>
@@ -5505,7 +5505,7 @@
           <p:nvPr>
             <p:extLst>
               <p:ext uri="{386F3935-93C4-4BCD-93E2-E3B085C9AB24}">
-                <p16:designElem xmlns:p16="http://schemas.microsoft.com/office/powerpoint/2015/main" xmlns="" val="1"/>
+                <p16:designElem xmlns="" xmlns:p16="http://schemas.microsoft.com/office/powerpoint/2015/main" val="1"/>
               </p:ext>
             </p:extLst>
           </p:nvPr>
@@ -5561,7 +5561,7 @@
           <p:cNvPr id="3" name="Picture 3" descr="Logo&#10;&#10;Description automatically generated">
             <a:extLst>
               <a:ext uri="{FF2B5EF4-FFF2-40B4-BE49-F238E27FC236}">
-                <a16:creationId xmlns:a16="http://schemas.microsoft.com/office/drawing/2014/main" xmlns="" id="{7C52C8F7-27E1-4ABB-8CAB-B8F655A8C7E1}"/>
+                <a16:creationId xmlns="" xmlns:a16="http://schemas.microsoft.com/office/drawing/2014/main" id="{7C52C8F7-27E1-4ABB-8CAB-B8F655A8C7E1}"/>
               </a:ext>
             </a:extLst>
           </p:cNvPr>
@@ -5589,7 +5589,7 @@
     </p:spTree>
     <p:extLst>
       <p:ext uri="{BB962C8B-B14F-4D97-AF65-F5344CB8AC3E}">
-        <p14:creationId xmlns:p14="http://schemas.microsoft.com/office/powerpoint/2010/main" xmlns="" val="3608156392"/>
+        <p14:creationId xmlns="" xmlns:p14="http://schemas.microsoft.com/office/powerpoint/2010/main" val="3608156392"/>
       </p:ext>
     </p:extLst>
   </p:cSld>
@@ -5628,7 +5628,7 @@
           <p:cNvPr id="2" name="Title 1">
             <a:extLst>
               <a:ext uri="{FF2B5EF4-FFF2-40B4-BE49-F238E27FC236}">
-                <a16:creationId xmlns:a16="http://schemas.microsoft.com/office/drawing/2014/main" xmlns="" id="{F6478EB3-06D0-41A0-9541-BF7D298A897C}"/>
+                <a16:creationId xmlns="" xmlns:a16="http://schemas.microsoft.com/office/drawing/2014/main" id="{F6478EB3-06D0-41A0-9541-BF7D298A897C}"/>
               </a:ext>
             </a:extLst>
           </p:cNvPr>
@@ -5656,7 +5656,7 @@
           <p:cNvPr id="3" name="TextBox 1">
             <a:extLst>
               <a:ext uri="{FF2B5EF4-FFF2-40B4-BE49-F238E27FC236}">
-                <a16:creationId xmlns:a16="http://schemas.microsoft.com/office/drawing/2014/main" xmlns="" id="{1FB63A13-8507-4C2B-AC5B-46F91920F675}"/>
+                <a16:creationId xmlns="" xmlns:a16="http://schemas.microsoft.com/office/drawing/2014/main" id="{1FB63A13-8507-4C2B-AC5B-46F91920F675}"/>
               </a:ext>
             </a:extLst>
           </p:cNvPr>
@@ -5939,7 +5939,7 @@
     </p:spTree>
     <p:extLst>
       <p:ext uri="{BB962C8B-B14F-4D97-AF65-F5344CB8AC3E}">
-        <p14:creationId xmlns:p14="http://schemas.microsoft.com/office/powerpoint/2010/main" xmlns="" val="2045317252"/>
+        <p14:creationId xmlns="" xmlns:p14="http://schemas.microsoft.com/office/powerpoint/2010/main" val="2045317252"/>
       </p:ext>
     </p:extLst>
   </p:cSld>
@@ -5978,7 +5978,7 @@
           <p:cNvPr id="2" name="Title 1">
             <a:extLst>
               <a:ext uri="{FF2B5EF4-FFF2-40B4-BE49-F238E27FC236}">
-                <a16:creationId xmlns:a16="http://schemas.microsoft.com/office/drawing/2014/main" xmlns="" id="{1E1FDA13-172F-4996-B20F-B5FF6E0AFDFF}"/>
+                <a16:creationId xmlns="" xmlns:a16="http://schemas.microsoft.com/office/drawing/2014/main" id="{1E1FDA13-172F-4996-B20F-B5FF6E0AFDFF}"/>
               </a:ext>
             </a:extLst>
           </p:cNvPr>
@@ -6006,7 +6006,7 @@
           <p:cNvPr id="3" name="TextBox 2">
             <a:extLst>
               <a:ext uri="{FF2B5EF4-FFF2-40B4-BE49-F238E27FC236}">
-                <a16:creationId xmlns:a16="http://schemas.microsoft.com/office/drawing/2014/main" xmlns="" id="{4136E7E8-C9F4-4E1C-B26D-D9D6292DAB1E}"/>
+                <a16:creationId xmlns="" xmlns:a16="http://schemas.microsoft.com/office/drawing/2014/main" id="{4136E7E8-C9F4-4E1C-B26D-D9D6292DAB1E}"/>
               </a:ext>
             </a:extLst>
           </p:cNvPr>
@@ -6080,7 +6080,7 @@
     </p:spTree>
     <p:extLst>
       <p:ext uri="{BB962C8B-B14F-4D97-AF65-F5344CB8AC3E}">
-        <p14:creationId xmlns:p14="http://schemas.microsoft.com/office/powerpoint/2010/main" xmlns="" val="912343154"/>
+        <p14:creationId xmlns="" xmlns:p14="http://schemas.microsoft.com/office/powerpoint/2010/main" val="912343154"/>
       </p:ext>
     </p:extLst>
   </p:cSld>
@@ -6119,7 +6119,7 @@
           <p:cNvPr id="2" name="Title 1">
             <a:extLst>
               <a:ext uri="{FF2B5EF4-FFF2-40B4-BE49-F238E27FC236}">
-                <a16:creationId xmlns:a16="http://schemas.microsoft.com/office/drawing/2014/main" xmlns="" id="{5F521A64-86E1-4210-AD7D-D7BBAB313168}"/>
+                <a16:creationId xmlns="" xmlns:a16="http://schemas.microsoft.com/office/drawing/2014/main" id="{5F521A64-86E1-4210-AD7D-D7BBAB313168}"/>
               </a:ext>
             </a:extLst>
           </p:cNvPr>
@@ -6147,7 +6147,7 @@
           <p:cNvPr id="3" name="TextBox 2">
             <a:extLst>
               <a:ext uri="{FF2B5EF4-FFF2-40B4-BE49-F238E27FC236}">
-                <a16:creationId xmlns:a16="http://schemas.microsoft.com/office/drawing/2014/main" xmlns="" id="{BF4AD675-506A-4C95-B98F-741D1133A045}"/>
+                <a16:creationId xmlns="" xmlns:a16="http://schemas.microsoft.com/office/drawing/2014/main" id="{BF4AD675-506A-4C95-B98F-741D1133A045}"/>
               </a:ext>
             </a:extLst>
           </p:cNvPr>
@@ -6213,7 +6213,7 @@
     </p:spTree>
     <p:extLst>
       <p:ext uri="{BB962C8B-B14F-4D97-AF65-F5344CB8AC3E}">
-        <p14:creationId xmlns:p14="http://schemas.microsoft.com/office/powerpoint/2010/main" xmlns="" val="1387169408"/>
+        <p14:creationId xmlns="" xmlns:p14="http://schemas.microsoft.com/office/powerpoint/2010/main" val="1387169408"/>
       </p:ext>
     </p:extLst>
   </p:cSld>
@@ -6252,7 +6252,7 @@
           <p:cNvPr id="2" name="Title 1">
             <a:extLst>
               <a:ext uri="{FF2B5EF4-FFF2-40B4-BE49-F238E27FC236}">
-                <a16:creationId xmlns:a16="http://schemas.microsoft.com/office/drawing/2014/main" xmlns="" id="{1F4FA304-CF1D-417A-84FF-9AFF126E5303}"/>
+                <a16:creationId xmlns="" xmlns:a16="http://schemas.microsoft.com/office/drawing/2014/main" id="{1F4FA304-CF1D-417A-84FF-9AFF126E5303}"/>
               </a:ext>
             </a:extLst>
           </p:cNvPr>
@@ -6280,7 +6280,7 @@
           <p:cNvPr id="3" name="TextBox 1">
             <a:extLst>
               <a:ext uri="{FF2B5EF4-FFF2-40B4-BE49-F238E27FC236}">
-                <a16:creationId xmlns:a16="http://schemas.microsoft.com/office/drawing/2014/main" xmlns="" id="{3B4D3E40-263C-4EC8-8633-0D189CC159B9}"/>
+                <a16:creationId xmlns="" xmlns:a16="http://schemas.microsoft.com/office/drawing/2014/main" id="{3B4D3E40-263C-4EC8-8633-0D189CC159B9}"/>
               </a:ext>
             </a:extLst>
           </p:cNvPr>
@@ -6518,7 +6518,7 @@
           <p:cNvPr id="4" name="Picture 4" descr="Diagram, schematic&#10;&#10;Description automatically generated">
             <a:extLst>
               <a:ext uri="{FF2B5EF4-FFF2-40B4-BE49-F238E27FC236}">
-                <a16:creationId xmlns:a16="http://schemas.microsoft.com/office/drawing/2014/main" xmlns="" id="{614D622B-914D-4AD1-B325-D61C5CE6A878}"/>
+                <a16:creationId xmlns="" xmlns:a16="http://schemas.microsoft.com/office/drawing/2014/main" id="{614D622B-914D-4AD1-B325-D61C5CE6A878}"/>
               </a:ext>
             </a:extLst>
           </p:cNvPr>
@@ -6546,7 +6546,7 @@
     </p:spTree>
     <p:extLst>
       <p:ext uri="{BB962C8B-B14F-4D97-AF65-F5344CB8AC3E}">
-        <p14:creationId xmlns:p14="http://schemas.microsoft.com/office/powerpoint/2010/main" xmlns="" val="718121903"/>
+        <p14:creationId xmlns="" xmlns:p14="http://schemas.microsoft.com/office/powerpoint/2010/main" val="718121903"/>
       </p:ext>
     </p:extLst>
   </p:cSld>
@@ -6585,7 +6585,7 @@
           <p:cNvPr id="2" name="Title 1">
             <a:extLst>
               <a:ext uri="{FF2B5EF4-FFF2-40B4-BE49-F238E27FC236}">
-                <a16:creationId xmlns:a16="http://schemas.microsoft.com/office/drawing/2014/main" xmlns="" id="{6E8CD4D5-3C63-4205-A887-5258481649EB}"/>
+                <a16:creationId xmlns="" xmlns:a16="http://schemas.microsoft.com/office/drawing/2014/main" id="{6E8CD4D5-3C63-4205-A887-5258481649EB}"/>
               </a:ext>
             </a:extLst>
           </p:cNvPr>
@@ -6613,7 +6613,7 @@
           <p:cNvPr id="3" name="TextBox 2">
             <a:extLst>
               <a:ext uri="{FF2B5EF4-FFF2-40B4-BE49-F238E27FC236}">
-                <a16:creationId xmlns:a16="http://schemas.microsoft.com/office/drawing/2014/main" xmlns="" id="{EAFB08F2-640E-4BB8-A97A-869F490958E7}"/>
+                <a16:creationId xmlns="" xmlns:a16="http://schemas.microsoft.com/office/drawing/2014/main" id="{EAFB08F2-640E-4BB8-A97A-869F490958E7}"/>
               </a:ext>
             </a:extLst>
           </p:cNvPr>
@@ -6721,7 +6721,7 @@
     </p:spTree>
     <p:extLst>
       <p:ext uri="{BB962C8B-B14F-4D97-AF65-F5344CB8AC3E}">
-        <p14:creationId xmlns:p14="http://schemas.microsoft.com/office/powerpoint/2010/main" xmlns="" val="816336614"/>
+        <p14:creationId xmlns="" xmlns:p14="http://schemas.microsoft.com/office/powerpoint/2010/main" val="816336614"/>
       </p:ext>
     </p:extLst>
   </p:cSld>
@@ -6760,7 +6760,7 @@
           <p:cNvPr id="2" name="Title 1">
             <a:extLst>
               <a:ext uri="{FF2B5EF4-FFF2-40B4-BE49-F238E27FC236}">
-                <a16:creationId xmlns:a16="http://schemas.microsoft.com/office/drawing/2014/main" xmlns="" id="{830926B6-D2E0-4180-8932-E710E6F107BA}"/>
+                <a16:creationId xmlns="" xmlns:a16="http://schemas.microsoft.com/office/drawing/2014/main" id="{830926B6-D2E0-4180-8932-E710E6F107BA}"/>
               </a:ext>
             </a:extLst>
           </p:cNvPr>
@@ -6788,7 +6788,7 @@
           <p:cNvPr id="3" name="TextBox 1">
             <a:extLst>
               <a:ext uri="{FF2B5EF4-FFF2-40B4-BE49-F238E27FC236}">
-                <a16:creationId xmlns:a16="http://schemas.microsoft.com/office/drawing/2014/main" xmlns="" id="{A8181078-09FD-48B9-8E4D-2A4F6DA2120B}"/>
+                <a16:creationId xmlns="" xmlns:a16="http://schemas.microsoft.com/office/drawing/2014/main" id="{A8181078-09FD-48B9-8E4D-2A4F6DA2120B}"/>
               </a:ext>
             </a:extLst>
           </p:cNvPr>
@@ -7160,7 +7160,7 @@
     </p:spTree>
     <p:extLst>
       <p:ext uri="{BB962C8B-B14F-4D97-AF65-F5344CB8AC3E}">
-        <p14:creationId xmlns:p14="http://schemas.microsoft.com/office/powerpoint/2010/main" xmlns="" val="2795050434"/>
+        <p14:creationId xmlns="" xmlns:p14="http://schemas.microsoft.com/office/powerpoint/2010/main" val="2795050434"/>
       </p:ext>
     </p:extLst>
   </p:cSld>
@@ -7199,7 +7199,7 @@
           <p:cNvPr id="2" name="Title 1">
             <a:extLst>
               <a:ext uri="{FF2B5EF4-FFF2-40B4-BE49-F238E27FC236}">
-                <a16:creationId xmlns:a16="http://schemas.microsoft.com/office/drawing/2014/main" xmlns="" id="{DEBEC22B-47A0-4616-8ADF-42C3DD6CF981}"/>
+                <a16:creationId xmlns="" xmlns:a16="http://schemas.microsoft.com/office/drawing/2014/main" id="{DEBEC22B-47A0-4616-8ADF-42C3DD6CF981}"/>
               </a:ext>
             </a:extLst>
           </p:cNvPr>
@@ -7227,7 +7227,7 @@
           <p:cNvPr id="3" name="TextBox 2">
             <a:extLst>
               <a:ext uri="{FF2B5EF4-FFF2-40B4-BE49-F238E27FC236}">
-                <a16:creationId xmlns:a16="http://schemas.microsoft.com/office/drawing/2014/main" xmlns="" id="{26D6B6AB-CD18-4CEF-B1F8-4085482C790E}"/>
+                <a16:creationId xmlns="" xmlns:a16="http://schemas.microsoft.com/office/drawing/2014/main" id="{26D6B6AB-CD18-4CEF-B1F8-4085482C790E}"/>
               </a:ext>
             </a:extLst>
           </p:cNvPr>
@@ -7373,7 +7373,7 @@
     </p:spTree>
     <p:extLst>
       <p:ext uri="{BB962C8B-B14F-4D97-AF65-F5344CB8AC3E}">
-        <p14:creationId xmlns:p14="http://schemas.microsoft.com/office/powerpoint/2010/main" xmlns="" val="699683135"/>
+        <p14:creationId xmlns="" xmlns:p14="http://schemas.microsoft.com/office/powerpoint/2010/main" val="699683135"/>
       </p:ext>
     </p:extLst>
   </p:cSld>
@@ -7412,7 +7412,7 @@
           <p:cNvPr id="2" name="Title 1">
             <a:extLst>
               <a:ext uri="{FF2B5EF4-FFF2-40B4-BE49-F238E27FC236}">
-                <a16:creationId xmlns:a16="http://schemas.microsoft.com/office/drawing/2014/main" xmlns="" id="{7B70BB88-AA2B-4652-B1ED-5F39A00CDE70}"/>
+                <a16:creationId xmlns="" xmlns:a16="http://schemas.microsoft.com/office/drawing/2014/main" id="{7B70BB88-AA2B-4652-B1ED-5F39A00CDE70}"/>
               </a:ext>
             </a:extLst>
           </p:cNvPr>
@@ -7440,7 +7440,7 @@
           <p:cNvPr id="3" name="TextBox 2">
             <a:extLst>
               <a:ext uri="{FF2B5EF4-FFF2-40B4-BE49-F238E27FC236}">
-                <a16:creationId xmlns:a16="http://schemas.microsoft.com/office/drawing/2014/main" xmlns="" id="{124BCEDC-B37F-4661-BD3D-29F0AB3A2A33}"/>
+                <a16:creationId xmlns="" xmlns:a16="http://schemas.microsoft.com/office/drawing/2014/main" id="{124BCEDC-B37F-4661-BD3D-29F0AB3A2A33}"/>
               </a:ext>
             </a:extLst>
           </p:cNvPr>
@@ -7475,7 +7475,7 @@
           <p:cNvPr id="4" name="TextBox 3">
             <a:extLst>
               <a:ext uri="{FF2B5EF4-FFF2-40B4-BE49-F238E27FC236}">
-                <a16:creationId xmlns:a16="http://schemas.microsoft.com/office/drawing/2014/main" xmlns="" id="{2341564D-8CAD-4499-BF65-3BD362C0B246}"/>
+                <a16:creationId xmlns="" xmlns:a16="http://schemas.microsoft.com/office/drawing/2014/main" id="{2341564D-8CAD-4499-BF65-3BD362C0B246}"/>
               </a:ext>
             </a:extLst>
           </p:cNvPr>
@@ -7538,7 +7538,7 @@
     </p:spTree>
     <p:extLst>
       <p:ext uri="{BB962C8B-B14F-4D97-AF65-F5344CB8AC3E}">
-        <p14:creationId xmlns:p14="http://schemas.microsoft.com/office/powerpoint/2010/main" xmlns="" val="1267493021"/>
+        <p14:creationId xmlns="" xmlns:p14="http://schemas.microsoft.com/office/powerpoint/2010/main" val="1267493021"/>
       </p:ext>
     </p:extLst>
   </p:cSld>
@@ -7832,7 +7832,7 @@
   <a:extraClrSchemeLst/>
   <a:extLst>
     <a:ext uri="{05A4C25C-085E-4340-85A3-A5531E510DB2}">
-      <thm15:themeFamily xmlns:thm15="http://schemas.microsoft.com/office/thememl/2012/main" xmlns="" name="RetrospectVTI" id="{ABE3C30C-0FC0-4450-828E-52DE70F1BCCB}" vid="{A6E2497D-935A-4CFD-B9FD-6DCB15FA68BF}"/>
+      <thm15:themeFamily xmlns="" xmlns:thm15="http://schemas.microsoft.com/office/thememl/2012/main" name="RetrospectVTI" id="{ABE3C30C-0FC0-4450-828E-52DE70F1BCCB}" vid="{A6E2497D-935A-4CFD-B9FD-6DCB15FA68BF}"/>
     </a:ext>
   </a:extLst>
 </a:theme>

--- a/Documentation/BANKING CUSTOMER & LOAN PREDICTION SYSTEM_II.pptx
+++ b/Documentation/BANKING CUSTOMER & LOAN PREDICTION SYSTEM_II.pptx
@@ -15,11 +15,14 @@
     <p:sldId id="264" r:id="rId9"/>
     <p:sldId id="265" r:id="rId10"/>
     <p:sldId id="269" r:id="rId11"/>
-    <p:sldId id="266" r:id="rId12"/>
-    <p:sldId id="270" r:id="rId13"/>
-    <p:sldId id="271" r:id="rId14"/>
-    <p:sldId id="267" r:id="rId15"/>
-    <p:sldId id="268" r:id="rId16"/>
+    <p:sldId id="273" r:id="rId12"/>
+    <p:sldId id="274" r:id="rId13"/>
+    <p:sldId id="266" r:id="rId14"/>
+    <p:sldId id="270" r:id="rId15"/>
+    <p:sldId id="271" r:id="rId16"/>
+    <p:sldId id="272" r:id="rId17"/>
+    <p:sldId id="267" r:id="rId18"/>
+    <p:sldId id="268" r:id="rId19"/>
   </p:sldIdLst>
   <p:sldSz cx="12192000" cy="6858000"/>
   <p:notesSz cx="6858000" cy="9144000"/>
@@ -120,7 +123,7 @@
   </p:defaultTextStyle>
   <p:extLst>
     <p:ext uri="{EFAFB233-063F-42B5-8137-9DF3F51BA10A}">
-      <p15:sldGuideLst xmlns="" xmlns:p15="http://schemas.microsoft.com/office/powerpoint/2012/main"/>
+      <p15:sldGuideLst xmlns:p15="http://schemas.microsoft.com/office/powerpoint/2012/main" xmlns=""/>
     </p:ext>
   </p:extLst>
 </p:presentation>
@@ -159,7 +162,7 @@
           <p:cNvPr id="10" name="Rectangle 9">
             <a:extLst>
               <a:ext uri="{FF2B5EF4-FFF2-40B4-BE49-F238E27FC236}">
-                <a16:creationId xmlns="" xmlns:a16="http://schemas.microsoft.com/office/drawing/2014/main" id="{39E3965E-AC41-4711-9D10-E25ABB132D86}"/>
+                <a16:creationId xmlns:a16="http://schemas.microsoft.com/office/drawing/2014/main" xmlns="" id="{39E3965E-AC41-4711-9D10-E25ABB132D86}"/>
               </a:ext>
             </a:extLst>
           </p:cNvPr>
@@ -319,7 +322,7 @@
           <p:cNvPr id="9" name="Straight Connector 8">
             <a:extLst>
               <a:ext uri="{FF2B5EF4-FFF2-40B4-BE49-F238E27FC236}">
-                <a16:creationId xmlns="" xmlns:a16="http://schemas.microsoft.com/office/drawing/2014/main" id="{1F5DC8C3-BA5F-4EED-BB9A-A14272BD82A1}"/>
+                <a16:creationId xmlns:a16="http://schemas.microsoft.com/office/drawing/2014/main" xmlns="" id="{1F5DC8C3-BA5F-4EED-BB9A-A14272BD82A1}"/>
               </a:ext>
             </a:extLst>
           </p:cNvPr>
@@ -363,7 +366,7 @@
           <p:cNvPr id="4" name="Date Placeholder 3">
             <a:extLst>
               <a:ext uri="{FF2B5EF4-FFF2-40B4-BE49-F238E27FC236}">
-                <a16:creationId xmlns="" xmlns:a16="http://schemas.microsoft.com/office/drawing/2014/main" id="{9925CCF1-92C0-4AF3-BFAF-4921631915AB}"/>
+                <a16:creationId xmlns:a16="http://schemas.microsoft.com/office/drawing/2014/main" xmlns="" id="{9925CCF1-92C0-4AF3-BFAF-4921631915AB}"/>
               </a:ext>
             </a:extLst>
           </p:cNvPr>
@@ -382,7 +385,7 @@
             <a:fld id="{9184DA70-C731-4C70-880D-CCD4705E623C}" type="datetime1">
               <a:rPr lang="en-US" smtClean="0"/>
               <a:pPr/>
-              <a:t>7/1/2021</a:t>
+              <a:t>7/2/2021</a:t>
             </a:fld>
             <a:endParaRPr lang="en-US" dirty="0"/>
           </a:p>
@@ -393,7 +396,7 @@
           <p:cNvPr id="5" name="Footer Placeholder 4">
             <a:extLst>
               <a:ext uri="{FF2B5EF4-FFF2-40B4-BE49-F238E27FC236}">
-                <a16:creationId xmlns="" xmlns:a16="http://schemas.microsoft.com/office/drawing/2014/main" id="{051A78A9-3DFF-4937-A9F2-5D8CF495F367}"/>
+                <a16:creationId xmlns:a16="http://schemas.microsoft.com/office/drawing/2014/main" xmlns="" id="{051A78A9-3DFF-4937-A9F2-5D8CF495F367}"/>
               </a:ext>
             </a:extLst>
           </p:cNvPr>
@@ -418,7 +421,7 @@
           <p:cNvPr id="6" name="Slide Number Placeholder 5">
             <a:extLst>
               <a:ext uri="{FF2B5EF4-FFF2-40B4-BE49-F238E27FC236}">
-                <a16:creationId xmlns="" xmlns:a16="http://schemas.microsoft.com/office/drawing/2014/main" id="{5FAEB271-5CC0-4759-BC6E-8BE53AB227C0}"/>
+                <a16:creationId xmlns:a16="http://schemas.microsoft.com/office/drawing/2014/main" xmlns="" id="{5FAEB271-5CC0-4759-BC6E-8BE53AB227C0}"/>
               </a:ext>
             </a:extLst>
           </p:cNvPr>
@@ -446,7 +449,7 @@
     </p:spTree>
     <p:extLst>
       <p:ext uri="{BB962C8B-B14F-4D97-AF65-F5344CB8AC3E}">
-        <p14:creationId xmlns="" xmlns:p14="http://schemas.microsoft.com/office/powerpoint/2010/main" val="3494962922"/>
+        <p14:creationId xmlns:p14="http://schemas.microsoft.com/office/powerpoint/2010/main" xmlns="" val="3494962922"/>
       </p:ext>
     </p:extLst>
   </p:cSld>
@@ -553,7 +556,7 @@
           <p:cNvPr id="7" name="Date Placeholder 6">
             <a:extLst>
               <a:ext uri="{FF2B5EF4-FFF2-40B4-BE49-F238E27FC236}">
-                <a16:creationId xmlns="" xmlns:a16="http://schemas.microsoft.com/office/drawing/2014/main" id="{7D5506EE-1026-4F35-9ACC-BD05BE0F9B36}"/>
+                <a16:creationId xmlns:a16="http://schemas.microsoft.com/office/drawing/2014/main" xmlns="" id="{7D5506EE-1026-4F35-9ACC-BD05BE0F9B36}"/>
               </a:ext>
             </a:extLst>
           </p:cNvPr>
@@ -572,7 +575,7 @@
             <a:fld id="{B612A279-0833-481D-8C56-F67FD0AC6C50}" type="datetime1">
               <a:rPr lang="en-US" smtClean="0"/>
               <a:pPr/>
-              <a:t>7/1/2021</a:t>
+              <a:t>7/2/2021</a:t>
             </a:fld>
             <a:endParaRPr lang="en-US" dirty="0"/>
           </a:p>
@@ -583,7 +586,7 @@
           <p:cNvPr id="8" name="Footer Placeholder 7">
             <a:extLst>
               <a:ext uri="{FF2B5EF4-FFF2-40B4-BE49-F238E27FC236}">
-                <a16:creationId xmlns="" xmlns:a16="http://schemas.microsoft.com/office/drawing/2014/main" id="{B7696E5F-8D95-4450-AE52-5438E6EDE2BF}"/>
+                <a16:creationId xmlns:a16="http://schemas.microsoft.com/office/drawing/2014/main" xmlns="" id="{B7696E5F-8D95-4450-AE52-5438E6EDE2BF}"/>
               </a:ext>
             </a:extLst>
           </p:cNvPr>
@@ -608,7 +611,7 @@
           <p:cNvPr id="9" name="Slide Number Placeholder 8">
             <a:extLst>
               <a:ext uri="{FF2B5EF4-FFF2-40B4-BE49-F238E27FC236}">
-                <a16:creationId xmlns="" xmlns:a16="http://schemas.microsoft.com/office/drawing/2014/main" id="{999B2253-74CC-409E-BEB0-F8EFCFCB5629}"/>
+                <a16:creationId xmlns:a16="http://schemas.microsoft.com/office/drawing/2014/main" xmlns="" id="{999B2253-74CC-409E-BEB0-F8EFCFCB5629}"/>
               </a:ext>
             </a:extLst>
           </p:cNvPr>
@@ -636,7 +639,7 @@
     </p:spTree>
     <p:extLst>
       <p:ext uri="{BB962C8B-B14F-4D97-AF65-F5344CB8AC3E}">
-        <p14:creationId xmlns="" xmlns:p14="http://schemas.microsoft.com/office/powerpoint/2010/main" val="1768017799"/>
+        <p14:creationId xmlns:p14="http://schemas.microsoft.com/office/powerpoint/2010/main" xmlns="" val="1768017799"/>
       </p:ext>
     </p:extLst>
   </p:cSld>
@@ -668,7 +671,7 @@
           <p:cNvPr id="9" name="Rectangle 8">
             <a:extLst>
               <a:ext uri="{FF2B5EF4-FFF2-40B4-BE49-F238E27FC236}">
-                <a16:creationId xmlns="" xmlns:a16="http://schemas.microsoft.com/office/drawing/2014/main" id="{E1B68A5B-D9FA-424B-A4EB-30E7223836B3}"/>
+                <a16:creationId xmlns:a16="http://schemas.microsoft.com/office/drawing/2014/main" xmlns="" id="{E1B68A5B-D9FA-424B-A4EB-30E7223836B3}"/>
               </a:ext>
             </a:extLst>
           </p:cNvPr>
@@ -797,7 +800,7 @@
           <p:cNvPr id="7" name="Date Placeholder 6">
             <a:extLst>
               <a:ext uri="{FF2B5EF4-FFF2-40B4-BE49-F238E27FC236}">
-                <a16:creationId xmlns="" xmlns:a16="http://schemas.microsoft.com/office/drawing/2014/main" id="{AF33D6B0-F070-45C4-A472-19F432BE3932}"/>
+                <a16:creationId xmlns:a16="http://schemas.microsoft.com/office/drawing/2014/main" xmlns="" id="{AF33D6B0-F070-45C4-A472-19F432BE3932}"/>
               </a:ext>
             </a:extLst>
           </p:cNvPr>
@@ -816,7 +819,7 @@
             <a:fld id="{6587DA83-5663-4C9C-B9AA-0B40A3DAFF81}" type="datetime1">
               <a:rPr lang="en-US" smtClean="0"/>
               <a:pPr/>
-              <a:t>7/1/2021</a:t>
+              <a:t>7/2/2021</a:t>
             </a:fld>
             <a:endParaRPr lang="en-US" dirty="0"/>
           </a:p>
@@ -827,7 +830,7 @@
           <p:cNvPr id="8" name="Footer Placeholder 7">
             <a:extLst>
               <a:ext uri="{FF2B5EF4-FFF2-40B4-BE49-F238E27FC236}">
-                <a16:creationId xmlns="" xmlns:a16="http://schemas.microsoft.com/office/drawing/2014/main" id="{9975399F-DAB2-410D-967F-ED17E6F796E7}"/>
+                <a16:creationId xmlns:a16="http://schemas.microsoft.com/office/drawing/2014/main" xmlns="" id="{9975399F-DAB2-410D-967F-ED17E6F796E7}"/>
               </a:ext>
             </a:extLst>
           </p:cNvPr>
@@ -852,7 +855,7 @@
           <p:cNvPr id="10" name="Slide Number Placeholder 9">
             <a:extLst>
               <a:ext uri="{FF2B5EF4-FFF2-40B4-BE49-F238E27FC236}">
-                <a16:creationId xmlns="" xmlns:a16="http://schemas.microsoft.com/office/drawing/2014/main" id="{F762A46F-6BE5-4D12-9412-5CA7672EA8EC}"/>
+                <a16:creationId xmlns:a16="http://schemas.microsoft.com/office/drawing/2014/main" xmlns="" id="{F762A46F-6BE5-4D12-9412-5CA7672EA8EC}"/>
               </a:ext>
             </a:extLst>
           </p:cNvPr>
@@ -880,7 +883,7 @@
     </p:spTree>
     <p:extLst>
       <p:ext uri="{BB962C8B-B14F-4D97-AF65-F5344CB8AC3E}">
-        <p14:creationId xmlns="" xmlns:p14="http://schemas.microsoft.com/office/powerpoint/2010/main" val="121399758"/>
+        <p14:creationId xmlns:p14="http://schemas.microsoft.com/office/powerpoint/2010/main" xmlns="" val="121399758"/>
       </p:ext>
     </p:extLst>
   </p:cSld>
@@ -987,7 +990,7 @@
           <p:cNvPr id="7" name="Date Placeholder 6">
             <a:extLst>
               <a:ext uri="{FF2B5EF4-FFF2-40B4-BE49-F238E27FC236}">
-                <a16:creationId xmlns="" xmlns:a16="http://schemas.microsoft.com/office/drawing/2014/main" id="{354D8B55-9EA8-4B81-8E84-9B93B0A27559}"/>
+                <a16:creationId xmlns:a16="http://schemas.microsoft.com/office/drawing/2014/main" xmlns="" id="{354D8B55-9EA8-4B81-8E84-9B93B0A27559}"/>
               </a:ext>
             </a:extLst>
           </p:cNvPr>
@@ -1006,7 +1009,7 @@
             <a:fld id="{4BE1D723-8F53-4F53-90B0-1982A396982E}" type="datetime1">
               <a:rPr lang="en-US" smtClean="0"/>
               <a:pPr/>
-              <a:t>7/1/2021</a:t>
+              <a:t>7/2/2021</a:t>
             </a:fld>
             <a:endParaRPr lang="en-US" dirty="0"/>
           </a:p>
@@ -1017,7 +1020,7 @@
           <p:cNvPr id="8" name="Footer Placeholder 7">
             <a:extLst>
               <a:ext uri="{FF2B5EF4-FFF2-40B4-BE49-F238E27FC236}">
-                <a16:creationId xmlns="" xmlns:a16="http://schemas.microsoft.com/office/drawing/2014/main" id="{062CA021-2578-47CB-822C-BDDFF7223B28}"/>
+                <a16:creationId xmlns:a16="http://schemas.microsoft.com/office/drawing/2014/main" xmlns="" id="{062CA021-2578-47CB-822C-BDDFF7223B28}"/>
               </a:ext>
             </a:extLst>
           </p:cNvPr>
@@ -1042,7 +1045,7 @@
           <p:cNvPr id="9" name="Slide Number Placeholder 8">
             <a:extLst>
               <a:ext uri="{FF2B5EF4-FFF2-40B4-BE49-F238E27FC236}">
-                <a16:creationId xmlns="" xmlns:a16="http://schemas.microsoft.com/office/drawing/2014/main" id="{C4AAB51D-4141-4682-9375-DAFD5FB9DD10}"/>
+                <a16:creationId xmlns:a16="http://schemas.microsoft.com/office/drawing/2014/main" xmlns="" id="{C4AAB51D-4141-4682-9375-DAFD5FB9DD10}"/>
               </a:ext>
             </a:extLst>
           </p:cNvPr>
@@ -1070,7 +1073,7 @@
     </p:spTree>
     <p:extLst>
       <p:ext uri="{BB962C8B-B14F-4D97-AF65-F5344CB8AC3E}">
-        <p14:creationId xmlns="" xmlns:p14="http://schemas.microsoft.com/office/powerpoint/2010/main" val="1133259295"/>
+        <p14:creationId xmlns:p14="http://schemas.microsoft.com/office/powerpoint/2010/main" xmlns="" val="1133259295"/>
       </p:ext>
     </p:extLst>
   </p:cSld>
@@ -1110,7 +1113,7 @@
           <p:cNvPr id="10" name="Rectangle 9">
             <a:extLst>
               <a:ext uri="{FF2B5EF4-FFF2-40B4-BE49-F238E27FC236}">
-                <a16:creationId xmlns="" xmlns:a16="http://schemas.microsoft.com/office/drawing/2014/main" id="{A585C21A-8B93-4657-B5DF-7EAEAD3BE127}"/>
+                <a16:creationId xmlns:a16="http://schemas.microsoft.com/office/drawing/2014/main" xmlns="" id="{A585C21A-8B93-4657-B5DF-7EAEAD3BE127}"/>
               </a:ext>
             </a:extLst>
           </p:cNvPr>
@@ -1318,7 +1321,7 @@
           <p:cNvPr id="9" name="Straight Connector 8">
             <a:extLst>
               <a:ext uri="{FF2B5EF4-FFF2-40B4-BE49-F238E27FC236}">
-                <a16:creationId xmlns="" xmlns:a16="http://schemas.microsoft.com/office/drawing/2014/main" id="{459DE2C1-4C52-40A3-8959-27B2C1BEBFF6}"/>
+                <a16:creationId xmlns:a16="http://schemas.microsoft.com/office/drawing/2014/main" xmlns="" id="{459DE2C1-4C52-40A3-8959-27B2C1BEBFF6}"/>
               </a:ext>
             </a:extLst>
           </p:cNvPr>
@@ -1362,7 +1365,7 @@
           <p:cNvPr id="7" name="Date Placeholder 6">
             <a:extLst>
               <a:ext uri="{FF2B5EF4-FFF2-40B4-BE49-F238E27FC236}">
-                <a16:creationId xmlns="" xmlns:a16="http://schemas.microsoft.com/office/drawing/2014/main" id="{AAF2E137-EC28-48F8-9198-1F02539029B6}"/>
+                <a16:creationId xmlns:a16="http://schemas.microsoft.com/office/drawing/2014/main" xmlns="" id="{AAF2E137-EC28-48F8-9198-1F02539029B6}"/>
               </a:ext>
             </a:extLst>
           </p:cNvPr>
@@ -1381,7 +1384,7 @@
             <a:fld id="{97669AF7-7BEB-44E4-9852-375E34362B5B}" type="datetime1">
               <a:rPr lang="en-US" smtClean="0"/>
               <a:pPr/>
-              <a:t>7/1/2021</a:t>
+              <a:t>7/2/2021</a:t>
             </a:fld>
             <a:endParaRPr lang="en-US" dirty="0"/>
           </a:p>
@@ -1392,7 +1395,7 @@
           <p:cNvPr id="8" name="Footer Placeholder 7">
             <a:extLst>
               <a:ext uri="{FF2B5EF4-FFF2-40B4-BE49-F238E27FC236}">
-                <a16:creationId xmlns="" xmlns:a16="http://schemas.microsoft.com/office/drawing/2014/main" id="{189422CD-6F62-4DD6-89EF-07A60B42D219}"/>
+                <a16:creationId xmlns:a16="http://schemas.microsoft.com/office/drawing/2014/main" xmlns="" id="{189422CD-6F62-4DD6-89EF-07A60B42D219}"/>
               </a:ext>
             </a:extLst>
           </p:cNvPr>
@@ -1417,7 +1420,7 @@
           <p:cNvPr id="11" name="Slide Number Placeholder 10">
             <a:extLst>
               <a:ext uri="{FF2B5EF4-FFF2-40B4-BE49-F238E27FC236}">
-                <a16:creationId xmlns="" xmlns:a16="http://schemas.microsoft.com/office/drawing/2014/main" id="{69C6AFF8-42B4-4D05-969B-9F5FB3355555}"/>
+                <a16:creationId xmlns:a16="http://schemas.microsoft.com/office/drawing/2014/main" xmlns="" id="{69C6AFF8-42B4-4D05-969B-9F5FB3355555}"/>
               </a:ext>
             </a:extLst>
           </p:cNvPr>
@@ -1445,7 +1448,7 @@
     </p:spTree>
     <p:extLst>
       <p:ext uri="{BB962C8B-B14F-4D97-AF65-F5344CB8AC3E}">
-        <p14:creationId xmlns="" xmlns:p14="http://schemas.microsoft.com/office/powerpoint/2010/main" val="3711357983"/>
+        <p14:creationId xmlns:p14="http://schemas.microsoft.com/office/powerpoint/2010/main" xmlns="" val="3711357983"/>
       </p:ext>
     </p:extLst>
   </p:cSld>
@@ -1619,7 +1622,7 @@
           <p:cNvPr id="2" name="Date Placeholder 1">
             <a:extLst>
               <a:ext uri="{FF2B5EF4-FFF2-40B4-BE49-F238E27FC236}">
-                <a16:creationId xmlns="" xmlns:a16="http://schemas.microsoft.com/office/drawing/2014/main" id="{5782D47D-B0DC-4C40-BCC6-BBBA32584A38}"/>
+                <a16:creationId xmlns:a16="http://schemas.microsoft.com/office/drawing/2014/main" xmlns="" id="{5782D47D-B0DC-4C40-BCC6-BBBA32584A38}"/>
               </a:ext>
             </a:extLst>
           </p:cNvPr>
@@ -1638,7 +1641,7 @@
             <a:fld id="{BAAAC38D-0552-4C82-B593-E6124DFADBE2}" type="datetime1">
               <a:rPr lang="en-US" smtClean="0"/>
               <a:pPr/>
-              <a:t>7/1/2021</a:t>
+              <a:t>7/2/2021</a:t>
             </a:fld>
             <a:endParaRPr lang="en-US" dirty="0"/>
           </a:p>
@@ -1649,7 +1652,7 @@
           <p:cNvPr id="9" name="Footer Placeholder 8">
             <a:extLst>
               <a:ext uri="{FF2B5EF4-FFF2-40B4-BE49-F238E27FC236}">
-                <a16:creationId xmlns="" xmlns:a16="http://schemas.microsoft.com/office/drawing/2014/main" id="{4690D34E-7EBD-44B2-83CA-4C126A18D7EF}"/>
+                <a16:creationId xmlns:a16="http://schemas.microsoft.com/office/drawing/2014/main" xmlns="" id="{4690D34E-7EBD-44B2-83CA-4C126A18D7EF}"/>
               </a:ext>
             </a:extLst>
           </p:cNvPr>
@@ -1674,7 +1677,7 @@
           <p:cNvPr id="10" name="Slide Number Placeholder 9">
             <a:extLst>
               <a:ext uri="{FF2B5EF4-FFF2-40B4-BE49-F238E27FC236}">
-                <a16:creationId xmlns="" xmlns:a16="http://schemas.microsoft.com/office/drawing/2014/main" id="{2AC511A1-9BBD-42DE-92FB-2AF44F8E97A9}"/>
+                <a16:creationId xmlns:a16="http://schemas.microsoft.com/office/drawing/2014/main" xmlns="" id="{2AC511A1-9BBD-42DE-92FB-2AF44F8E97A9}"/>
               </a:ext>
             </a:extLst>
           </p:cNvPr>
@@ -1702,7 +1705,7 @@
     </p:spTree>
     <p:extLst>
       <p:ext uri="{BB962C8B-B14F-4D97-AF65-F5344CB8AC3E}">
-        <p14:creationId xmlns="" xmlns:p14="http://schemas.microsoft.com/office/powerpoint/2010/main" val="835839530"/>
+        <p14:creationId xmlns:p14="http://schemas.microsoft.com/office/powerpoint/2010/main" xmlns="" val="835839530"/>
       </p:ext>
     </p:extLst>
   </p:cSld>
@@ -2018,7 +2021,7 @@
           <p:cNvPr id="2" name="Date Placeholder 1">
             <a:extLst>
               <a:ext uri="{FF2B5EF4-FFF2-40B4-BE49-F238E27FC236}">
-                <a16:creationId xmlns="" xmlns:a16="http://schemas.microsoft.com/office/drawing/2014/main" id="{8AF8A515-AA94-45D1-9223-5C2272618D85}"/>
+                <a16:creationId xmlns:a16="http://schemas.microsoft.com/office/drawing/2014/main" xmlns="" id="{8AF8A515-AA94-45D1-9223-5C2272618D85}"/>
               </a:ext>
             </a:extLst>
           </p:cNvPr>
@@ -2037,7 +2040,7 @@
             <a:fld id="{D9DF0F1C-5577-4ACB-BB62-DF8F3C494C7E}" type="datetime1">
               <a:rPr lang="en-US" smtClean="0"/>
               <a:pPr/>
-              <a:t>7/1/2021</a:t>
+              <a:t>7/2/2021</a:t>
             </a:fld>
             <a:endParaRPr lang="en-US" dirty="0"/>
           </a:p>
@@ -2048,7 +2051,7 @@
           <p:cNvPr id="11" name="Footer Placeholder 10">
             <a:extLst>
               <a:ext uri="{FF2B5EF4-FFF2-40B4-BE49-F238E27FC236}">
-                <a16:creationId xmlns="" xmlns:a16="http://schemas.microsoft.com/office/drawing/2014/main" id="{D052F5BC-98E0-4D60-AD67-9547738B7DD4}"/>
+                <a16:creationId xmlns:a16="http://schemas.microsoft.com/office/drawing/2014/main" xmlns="" id="{D052F5BC-98E0-4D60-AD67-9547738B7DD4}"/>
               </a:ext>
             </a:extLst>
           </p:cNvPr>
@@ -2073,7 +2076,7 @@
           <p:cNvPr id="12" name="Slide Number Placeholder 11">
             <a:extLst>
               <a:ext uri="{FF2B5EF4-FFF2-40B4-BE49-F238E27FC236}">
-                <a16:creationId xmlns="" xmlns:a16="http://schemas.microsoft.com/office/drawing/2014/main" id="{A38552DC-952E-41EA-AAAF-C2187523C0B0}"/>
+                <a16:creationId xmlns:a16="http://schemas.microsoft.com/office/drawing/2014/main" xmlns="" id="{A38552DC-952E-41EA-AAAF-C2187523C0B0}"/>
               </a:ext>
             </a:extLst>
           </p:cNvPr>
@@ -2101,7 +2104,7 @@
     </p:spTree>
     <p:extLst>
       <p:ext uri="{BB962C8B-B14F-4D97-AF65-F5344CB8AC3E}">
-        <p14:creationId xmlns="" xmlns:p14="http://schemas.microsoft.com/office/powerpoint/2010/main" val="1107007099"/>
+        <p14:creationId xmlns:p14="http://schemas.microsoft.com/office/powerpoint/2010/main" xmlns="" val="1107007099"/>
       </p:ext>
     </p:extLst>
   </p:cSld>
@@ -2156,7 +2159,7 @@
           <p:cNvPr id="6" name="Date Placeholder 5">
             <a:extLst>
               <a:ext uri="{FF2B5EF4-FFF2-40B4-BE49-F238E27FC236}">
-                <a16:creationId xmlns="" xmlns:a16="http://schemas.microsoft.com/office/drawing/2014/main" id="{7392073F-158F-44A3-8913-917AFFC1BC20}"/>
+                <a16:creationId xmlns:a16="http://schemas.microsoft.com/office/drawing/2014/main" xmlns="" id="{7392073F-158F-44A3-8913-917AFFC1BC20}"/>
               </a:ext>
             </a:extLst>
           </p:cNvPr>
@@ -2175,7 +2178,7 @@
             <a:fld id="{1775B394-D9F9-4F0C-B15D-605F45CB9E9F}" type="datetime1">
               <a:rPr lang="en-US" smtClean="0"/>
               <a:pPr/>
-              <a:t>7/1/2021</a:t>
+              <a:t>7/2/2021</a:t>
             </a:fld>
             <a:endParaRPr lang="en-US" dirty="0"/>
           </a:p>
@@ -2186,7 +2189,7 @@
           <p:cNvPr id="7" name="Footer Placeholder 6">
             <a:extLst>
               <a:ext uri="{FF2B5EF4-FFF2-40B4-BE49-F238E27FC236}">
-                <a16:creationId xmlns="" xmlns:a16="http://schemas.microsoft.com/office/drawing/2014/main" id="{EED72207-24CA-42B7-A975-2F8E41CBA904}"/>
+                <a16:creationId xmlns:a16="http://schemas.microsoft.com/office/drawing/2014/main" xmlns="" id="{EED72207-24CA-42B7-A975-2F8E41CBA904}"/>
               </a:ext>
             </a:extLst>
           </p:cNvPr>
@@ -2211,7 +2214,7 @@
           <p:cNvPr id="8" name="Slide Number Placeholder 7">
             <a:extLst>
               <a:ext uri="{FF2B5EF4-FFF2-40B4-BE49-F238E27FC236}">
-                <a16:creationId xmlns="" xmlns:a16="http://schemas.microsoft.com/office/drawing/2014/main" id="{D01080F2-251A-4B88-9A62-16F46D724F83}"/>
+                <a16:creationId xmlns:a16="http://schemas.microsoft.com/office/drawing/2014/main" xmlns="" id="{D01080F2-251A-4B88-9A62-16F46D724F83}"/>
               </a:ext>
             </a:extLst>
           </p:cNvPr>
@@ -2239,7 +2242,7 @@
     </p:spTree>
     <p:extLst>
       <p:ext uri="{BB962C8B-B14F-4D97-AF65-F5344CB8AC3E}">
-        <p14:creationId xmlns="" xmlns:p14="http://schemas.microsoft.com/office/powerpoint/2010/main" val="3986161938"/>
+        <p14:creationId xmlns:p14="http://schemas.microsoft.com/office/powerpoint/2010/main" xmlns="" val="3986161938"/>
       </p:ext>
     </p:extLst>
   </p:cSld>
@@ -2271,7 +2274,7 @@
           <p:cNvPr id="10" name="Rectangle 9">
             <a:extLst>
               <a:ext uri="{FF2B5EF4-FFF2-40B4-BE49-F238E27FC236}">
-                <a16:creationId xmlns="" xmlns:a16="http://schemas.microsoft.com/office/drawing/2014/main" id="{A8E9C91B-7EAD-4562-AB0E-DFB9663AECE3}"/>
+                <a16:creationId xmlns:a16="http://schemas.microsoft.com/office/drawing/2014/main" xmlns="" id="{A8E9C91B-7EAD-4562-AB0E-DFB9663AECE3}"/>
               </a:ext>
             </a:extLst>
           </p:cNvPr>
@@ -2315,7 +2318,7 @@
           <p:cNvPr id="2" name="Date Placeholder 1">
             <a:extLst>
               <a:ext uri="{FF2B5EF4-FFF2-40B4-BE49-F238E27FC236}">
-                <a16:creationId xmlns="" xmlns:a16="http://schemas.microsoft.com/office/drawing/2014/main" id="{94E9223F-721F-47BF-9FD5-0F8D12FF0DE1}"/>
+                <a16:creationId xmlns:a16="http://schemas.microsoft.com/office/drawing/2014/main" xmlns="" id="{94E9223F-721F-47BF-9FD5-0F8D12FF0DE1}"/>
               </a:ext>
             </a:extLst>
           </p:cNvPr>
@@ -2334,7 +2337,7 @@
             <a:fld id="{39667345-2558-425A-8533-9BFDBCE15005}" type="datetime1">
               <a:rPr lang="en-US" smtClean="0"/>
               <a:pPr/>
-              <a:t>7/1/2021</a:t>
+              <a:t>7/2/2021</a:t>
             </a:fld>
             <a:endParaRPr lang="en-US" dirty="0"/>
           </a:p>
@@ -2345,7 +2348,7 @@
           <p:cNvPr id="3" name="Footer Placeholder 2">
             <a:extLst>
               <a:ext uri="{FF2B5EF4-FFF2-40B4-BE49-F238E27FC236}">
-                <a16:creationId xmlns="" xmlns:a16="http://schemas.microsoft.com/office/drawing/2014/main" id="{05915714-6BBA-4593-8591-4E26F7D58D9F}"/>
+                <a16:creationId xmlns:a16="http://schemas.microsoft.com/office/drawing/2014/main" xmlns="" id="{05915714-6BBA-4593-8591-4E26F7D58D9F}"/>
               </a:ext>
             </a:extLst>
           </p:cNvPr>
@@ -2370,7 +2373,7 @@
           <p:cNvPr id="4" name="Slide Number Placeholder 3">
             <a:extLst>
               <a:ext uri="{FF2B5EF4-FFF2-40B4-BE49-F238E27FC236}">
-                <a16:creationId xmlns="" xmlns:a16="http://schemas.microsoft.com/office/drawing/2014/main" id="{BE06F857-D2E1-44DD-ABDD-EBB739645B67}"/>
+                <a16:creationId xmlns:a16="http://schemas.microsoft.com/office/drawing/2014/main" xmlns="" id="{BE06F857-D2E1-44DD-ABDD-EBB739645B67}"/>
               </a:ext>
             </a:extLst>
           </p:cNvPr>
@@ -2398,7 +2401,7 @@
     </p:spTree>
     <p:extLst>
       <p:ext uri="{BB962C8B-B14F-4D97-AF65-F5344CB8AC3E}">
-        <p14:creationId xmlns="" xmlns:p14="http://schemas.microsoft.com/office/powerpoint/2010/main" val="932160085"/>
+        <p14:creationId xmlns:p14="http://schemas.microsoft.com/office/powerpoint/2010/main" xmlns="" val="932160085"/>
       </p:ext>
     </p:extLst>
   </p:cSld>
@@ -2430,7 +2433,7 @@
           <p:cNvPr id="8" name="Rectangle 7">
             <a:extLst>
               <a:ext uri="{FF2B5EF4-FFF2-40B4-BE49-F238E27FC236}">
-                <a16:creationId xmlns="" xmlns:a16="http://schemas.microsoft.com/office/drawing/2014/main" id="{16D90D66-BCB9-4229-A829-628874352AC0}"/>
+                <a16:creationId xmlns:a16="http://schemas.microsoft.com/office/drawing/2014/main" xmlns="" id="{16D90D66-BCB9-4229-A829-628874352AC0}"/>
               </a:ext>
             </a:extLst>
           </p:cNvPr>
@@ -2665,7 +2668,7 @@
             <a:fld id="{92BEA474-078D-4E9B-9B14-09A87B19DC46}" type="datetime1">
               <a:rPr lang="en-US" smtClean="0"/>
               <a:pPr/>
-              <a:t>7/1/2021</a:t>
+              <a:t>7/2/2021</a:t>
             </a:fld>
             <a:endParaRPr lang="en-US" dirty="0"/>
           </a:p>
@@ -2738,7 +2741,7 @@
     </p:spTree>
     <p:extLst>
       <p:ext uri="{BB962C8B-B14F-4D97-AF65-F5344CB8AC3E}">
-        <p14:creationId xmlns="" xmlns:p14="http://schemas.microsoft.com/office/powerpoint/2010/main" val="2333136312"/>
+        <p14:creationId xmlns:p14="http://schemas.microsoft.com/office/powerpoint/2010/main" xmlns="" val="2333136312"/>
       </p:ext>
     </p:extLst>
   </p:cSld>
@@ -2770,7 +2773,7 @@
           <p:cNvPr id="8" name="Rectangle 7">
             <a:extLst>
               <a:ext uri="{FF2B5EF4-FFF2-40B4-BE49-F238E27FC236}">
-                <a16:creationId xmlns="" xmlns:a16="http://schemas.microsoft.com/office/drawing/2014/main" id="{DA134939-39C0-4522-A125-A13DFDA66490}"/>
+                <a16:creationId xmlns:a16="http://schemas.microsoft.com/office/drawing/2014/main" xmlns="" id="{DA134939-39C0-4522-A125-A13DFDA66490}"/>
               </a:ext>
             </a:extLst>
           </p:cNvPr>
@@ -3016,7 +3019,7 @@
             <a:fld id="{4907D986-8816-4272-A432-0437A28A9828}" type="datetime1">
               <a:rPr lang="en-US" smtClean="0"/>
               <a:pPr/>
-              <a:t>7/1/2021</a:t>
+              <a:t>7/2/2021</a:t>
             </a:fld>
             <a:endParaRPr lang="en-US" dirty="0"/>
           </a:p>
@@ -3074,7 +3077,7 @@
     </p:spTree>
     <p:extLst>
       <p:ext uri="{BB962C8B-B14F-4D97-AF65-F5344CB8AC3E}">
-        <p14:creationId xmlns="" xmlns:p14="http://schemas.microsoft.com/office/powerpoint/2010/main" val="600459919"/>
+        <p14:creationId xmlns:p14="http://schemas.microsoft.com/office/powerpoint/2010/main" xmlns="" val="600459919"/>
       </p:ext>
     </p:extLst>
   </p:cSld>
@@ -3111,7 +3114,7 @@
           <p:cNvPr id="7" name="Rectangle 6">
             <a:extLst>
               <a:ext uri="{FF2B5EF4-FFF2-40B4-BE49-F238E27FC236}">
-                <a16:creationId xmlns="" xmlns:a16="http://schemas.microsoft.com/office/drawing/2014/main" id="{416A0E3C-60E6-4F39-BC55-5F7C224E1F7C}"/>
+                <a16:creationId xmlns:a16="http://schemas.microsoft.com/office/drawing/2014/main" xmlns="" id="{416A0E3C-60E6-4F39-BC55-5F7C224E1F7C}"/>
               </a:ext>
             </a:extLst>
           </p:cNvPr>
@@ -3279,7 +3282,7 @@
             <a:fld id="{62D6E202-B606-4609-B914-27C9371A1F6D}" type="datetime1">
               <a:rPr lang="en-US" smtClean="0"/>
               <a:pPr/>
-              <a:t>7/1/2021</a:t>
+              <a:t>7/2/2021</a:t>
             </a:fld>
             <a:endParaRPr lang="en-US" dirty="0"/>
           </a:p>
@@ -3365,7 +3368,7 @@
           <p:cNvPr id="10" name="Straight Connector 9">
             <a:extLst>
               <a:ext uri="{FF2B5EF4-FFF2-40B4-BE49-F238E27FC236}">
-                <a16:creationId xmlns="" xmlns:a16="http://schemas.microsoft.com/office/drawing/2014/main" id="{C5025DAC-8B93-4160-B017-3A274A5828C0}"/>
+                <a16:creationId xmlns:a16="http://schemas.microsoft.com/office/drawing/2014/main" xmlns="" id="{C5025DAC-8B93-4160-B017-3A274A5828C0}"/>
               </a:ext>
             </a:extLst>
           </p:cNvPr>
@@ -3407,7 +3410,7 @@
     </p:spTree>
     <p:extLst>
       <p:ext uri="{BB962C8B-B14F-4D97-AF65-F5344CB8AC3E}">
-        <p14:creationId xmlns="" xmlns:p14="http://schemas.microsoft.com/office/powerpoint/2010/main" val="557982974"/>
+        <p14:creationId xmlns:p14="http://schemas.microsoft.com/office/powerpoint/2010/main" xmlns="" val="557982974"/>
       </p:ext>
     </p:extLst>
   </p:cSld>
@@ -3816,10 +3819,10 @@
           <p:cNvPr id="8" name="Rectangle 7">
             <a:extLst>
               <a:ext uri="{FF2B5EF4-FFF2-40B4-BE49-F238E27FC236}">
-                <a16:creationId xmlns="" xmlns:a16="http://schemas.microsoft.com/office/drawing/2014/main" id="{B601567C-4815-45C4-A8C8-DEF236232A30}"/>
+                <a16:creationId xmlns:a16="http://schemas.microsoft.com/office/drawing/2014/main" xmlns="" id="{B601567C-4815-45C4-A8C8-DEF236232A30}"/>
               </a:ext>
               <a:ext uri="{C183D7F6-B498-43B3-948B-1728B52AA6E4}">
-                <adec:decorative xmlns="" xmlns:adec="http://schemas.microsoft.com/office/drawing/2017/decorative" val="1"/>
+                <adec:decorative xmlns:adec="http://schemas.microsoft.com/office/drawing/2017/decorative" xmlns="" val="1"/>
               </a:ext>
             </a:extLst>
           </p:cNvPr>
@@ -3829,7 +3832,7 @@
           <p:nvPr>
             <p:extLst>
               <p:ext uri="{386F3935-93C4-4BCD-93E2-E3B085C9AB24}">
-                <p16:designElem xmlns="" xmlns:p16="http://schemas.microsoft.com/office/powerpoint/2015/main" val="1"/>
+                <p16:designElem xmlns:p16="http://schemas.microsoft.com/office/powerpoint/2015/main" xmlns="" val="1"/>
               </p:ext>
             </p:extLst>
           </p:nvPr>
@@ -3876,10 +3879,10 @@
           <p:cNvPr id="10" name="Straight Connector 9">
             <a:extLst>
               <a:ext uri="{FF2B5EF4-FFF2-40B4-BE49-F238E27FC236}">
-                <a16:creationId xmlns="" xmlns:a16="http://schemas.microsoft.com/office/drawing/2014/main" id="{9D2BBCA2-F039-47DF-B36F-39D7E7CC0090}"/>
+                <a16:creationId xmlns:a16="http://schemas.microsoft.com/office/drawing/2014/main" xmlns="" id="{9D2BBCA2-F039-47DF-B36F-39D7E7CC0090}"/>
               </a:ext>
               <a:ext uri="{C183D7F6-B498-43B3-948B-1728B52AA6E4}">
-                <adec:decorative xmlns="" xmlns:adec="http://schemas.microsoft.com/office/drawing/2017/decorative" val="1"/>
+                <adec:decorative xmlns:adec="http://schemas.microsoft.com/office/drawing/2017/decorative" xmlns="" val="1"/>
               </a:ext>
             </a:extLst>
           </p:cNvPr>
@@ -3889,7 +3892,7 @@
           <p:nvPr>
             <p:extLst>
               <p:ext uri="{386F3935-93C4-4BCD-93E2-E3B085C9AB24}">
-                <p16:designElem xmlns="" xmlns:p16="http://schemas.microsoft.com/office/powerpoint/2015/main" val="1"/>
+                <p16:designElem xmlns:p16="http://schemas.microsoft.com/office/powerpoint/2015/main" xmlns="" val="1"/>
               </p:ext>
             </p:extLst>
           </p:nvPr>
@@ -3931,10 +3934,10 @@
           <p:cNvPr id="12" name="Rectangle 11">
             <a:extLst>
               <a:ext uri="{FF2B5EF4-FFF2-40B4-BE49-F238E27FC236}">
-                <a16:creationId xmlns="" xmlns:a16="http://schemas.microsoft.com/office/drawing/2014/main" id="{277711D3-2534-4918-8661-020829D71301}"/>
+                <a16:creationId xmlns:a16="http://schemas.microsoft.com/office/drawing/2014/main" xmlns="" id="{277711D3-2534-4918-8661-020829D71301}"/>
               </a:ext>
               <a:ext uri="{C183D7F6-B498-43B3-948B-1728B52AA6E4}">
-                <adec:decorative xmlns="" xmlns:adec="http://schemas.microsoft.com/office/drawing/2017/decorative" val="1"/>
+                <adec:decorative xmlns:adec="http://schemas.microsoft.com/office/drawing/2017/decorative" xmlns="" val="1"/>
               </a:ext>
             </a:extLst>
           </p:cNvPr>
@@ -3944,7 +3947,7 @@
           <p:nvPr>
             <p:extLst>
               <p:ext uri="{386F3935-93C4-4BCD-93E2-E3B085C9AB24}">
-                <p16:designElem xmlns="" xmlns:p16="http://schemas.microsoft.com/office/powerpoint/2015/main" val="1"/>
+                <p16:designElem xmlns:p16="http://schemas.microsoft.com/office/powerpoint/2015/main" xmlns="" val="1"/>
               </p:ext>
             </p:extLst>
           </p:nvPr>
@@ -3986,7 +3989,7 @@
           <p:cNvPr id="7" name="Title 1">
             <a:extLst>
               <a:ext uri="{FF2B5EF4-FFF2-40B4-BE49-F238E27FC236}">
-                <a16:creationId xmlns="" xmlns:a16="http://schemas.microsoft.com/office/drawing/2014/main" id="{76D879C9-8047-403D-8A2D-252586EF71ED}"/>
+                <a16:creationId xmlns:a16="http://schemas.microsoft.com/office/drawing/2014/main" xmlns="" id="{76D879C9-8047-403D-8A2D-252586EF71ED}"/>
               </a:ext>
             </a:extLst>
           </p:cNvPr>
@@ -4052,7 +4055,7 @@
           <p:cNvPr id="9" name="TextBox 1">
             <a:extLst>
               <a:ext uri="{FF2B5EF4-FFF2-40B4-BE49-F238E27FC236}">
-                <a16:creationId xmlns="" xmlns:a16="http://schemas.microsoft.com/office/drawing/2014/main" id="{80069F3B-4413-42FF-8D6A-AC78DB926900}"/>
+                <a16:creationId xmlns:a16="http://schemas.microsoft.com/office/drawing/2014/main" xmlns="" id="{80069F3B-4413-42FF-8D6A-AC78DB926900}"/>
               </a:ext>
             </a:extLst>
           </p:cNvPr>
@@ -4202,7 +4205,7 @@
           <p:cNvPr id="4" name="Picture 4" descr="A picture containing text&#10;&#10;Description automatically generated">
             <a:extLst>
               <a:ext uri="{FF2B5EF4-FFF2-40B4-BE49-F238E27FC236}">
-                <a16:creationId xmlns="" xmlns:a16="http://schemas.microsoft.com/office/drawing/2014/main" id="{DB75C943-C304-400E-A0D4-B8AC485CCD8C}"/>
+                <a16:creationId xmlns:a16="http://schemas.microsoft.com/office/drawing/2014/main" xmlns="" id="{DB75C943-C304-400E-A0D4-B8AC485CCD8C}"/>
               </a:ext>
             </a:extLst>
           </p:cNvPr>
@@ -4232,7 +4235,7 @@
           <p:cNvPr id="11" name="TextBox 1">
             <a:extLst>
               <a:ext uri="{FF2B5EF4-FFF2-40B4-BE49-F238E27FC236}">
-                <a16:creationId xmlns="" xmlns:a16="http://schemas.microsoft.com/office/drawing/2014/main" id="{9DB69F34-51BF-4BB4-95B3-EB3964461D69}"/>
+                <a16:creationId xmlns:a16="http://schemas.microsoft.com/office/drawing/2014/main" xmlns="" id="{9DB69F34-51BF-4BB4-95B3-EB3964461D69}"/>
               </a:ext>
             </a:extLst>
           </p:cNvPr>
@@ -4392,7 +4395,7 @@
           <p:cNvPr id="13" name="TextBox 1">
             <a:extLst>
               <a:ext uri="{FF2B5EF4-FFF2-40B4-BE49-F238E27FC236}">
-                <a16:creationId xmlns="" xmlns:a16="http://schemas.microsoft.com/office/drawing/2014/main" id="{F91902E5-8097-4126-9841-2AF7685287CB}"/>
+                <a16:creationId xmlns:a16="http://schemas.microsoft.com/office/drawing/2014/main" xmlns="" id="{F91902E5-8097-4126-9841-2AF7685287CB}"/>
               </a:ext>
             </a:extLst>
           </p:cNvPr>
@@ -4611,7 +4614,7 @@
     </p:spTree>
     <p:extLst>
       <p:ext uri="{BB962C8B-B14F-4D97-AF65-F5344CB8AC3E}">
-        <p14:creationId xmlns="" xmlns:p14="http://schemas.microsoft.com/office/powerpoint/2010/main" val="109857222"/>
+        <p14:creationId xmlns:p14="http://schemas.microsoft.com/office/powerpoint/2010/main" xmlns="" val="109857222"/>
       </p:ext>
     </p:extLst>
   </p:cSld>
@@ -4650,7 +4653,7 @@
           <p:cNvPr id="2" name="Title 1">
             <a:extLst>
               <a:ext uri="{FF2B5EF4-FFF2-40B4-BE49-F238E27FC236}">
-                <a16:creationId xmlns="" xmlns:a16="http://schemas.microsoft.com/office/drawing/2014/main" id="{147B1D19-E6D1-410F-8817-C3DA5F2CCDD3}"/>
+                <a16:creationId xmlns:a16="http://schemas.microsoft.com/office/drawing/2014/main" xmlns="" id="{147B1D19-E6D1-410F-8817-C3DA5F2CCDD3}"/>
               </a:ext>
             </a:extLst>
           </p:cNvPr>
@@ -4678,7 +4681,7 @@
           <p:cNvPr id="3" name="Picture 3" descr="Graphical user interface, text, email&#10;&#10;Description automatically generated">
             <a:extLst>
               <a:ext uri="{FF2B5EF4-FFF2-40B4-BE49-F238E27FC236}">
-                <a16:creationId xmlns="" xmlns:a16="http://schemas.microsoft.com/office/drawing/2014/main" id="{3BFCC4E0-B3A5-429D-A46E-FCFF02F442A8}"/>
+                <a16:creationId xmlns:a16="http://schemas.microsoft.com/office/drawing/2014/main" xmlns="" id="{3BFCC4E0-B3A5-429D-A46E-FCFF02F442A8}"/>
               </a:ext>
             </a:extLst>
           </p:cNvPr>
@@ -4706,7 +4709,7 @@
     </p:spTree>
     <p:extLst>
       <p:ext uri="{BB962C8B-B14F-4D97-AF65-F5344CB8AC3E}">
-        <p14:creationId xmlns="" xmlns:p14="http://schemas.microsoft.com/office/powerpoint/2010/main" val="4029308538"/>
+        <p14:creationId xmlns:p14="http://schemas.microsoft.com/office/powerpoint/2010/main" xmlns="" val="4029308538"/>
       </p:ext>
     </p:extLst>
   </p:cSld>
@@ -4745,7 +4748,7 @@
           <p:cNvPr id="2" name="Title 1">
             <a:extLst>
               <a:ext uri="{FF2B5EF4-FFF2-40B4-BE49-F238E27FC236}">
-                <a16:creationId xmlns="" xmlns:a16="http://schemas.microsoft.com/office/drawing/2014/main" id="{92233D41-3285-42DD-A8C1-75211B19E7DF}"/>
+                <a16:creationId xmlns:a16="http://schemas.microsoft.com/office/drawing/2014/main" xmlns="" id="{147B1D19-E6D1-410F-8817-C3DA5F2CCDD3}"/>
               </a:ext>
             </a:extLst>
           </p:cNvPr>
@@ -4762,163 +4765,47 @@
           <a:lstStyle/>
           <a:p>
             <a:r>
-              <a:rPr lang="en-GB" dirty="0">
-                <a:ea typeface="+mj-lt"/>
-                <a:cs typeface="+mj-lt"/>
-              </a:rPr>
-              <a:t>End-to-end Implementation with Flask</a:t>
-            </a:r>
-          </a:p>
-        </p:txBody>
-      </p:sp>
-      <p:sp>
-        <p:nvSpPr>
-          <p:cNvPr id="3" name="TextBox 2">
+              <a:rPr lang="en-GB" dirty="0" smtClean="0"/>
+              <a:t>Model Summery</a:t>
+            </a:r>
+            <a:endParaRPr lang="en-GB" dirty="0"/>
+          </a:p>
+        </p:txBody>
+      </p:sp>
+      <p:pic>
+        <p:nvPicPr>
+          <p:cNvPr id="3" name="Picture 3" descr="Graphical user interface, text, email&#10;&#10;Description automatically generated">
             <a:extLst>
               <a:ext uri="{FF2B5EF4-FFF2-40B4-BE49-F238E27FC236}">
-                <a16:creationId xmlns="" xmlns:a16="http://schemas.microsoft.com/office/drawing/2014/main" id="{E4CEE889-E14B-4121-92F7-3F52F080EC7C}"/>
+                <a16:creationId xmlns:a16="http://schemas.microsoft.com/office/drawing/2014/main" xmlns="" id="{3BFCC4E0-B3A5-429D-A46E-FCFF02F442A8}"/>
               </a:ext>
             </a:extLst>
           </p:cNvPr>
-          <p:cNvSpPr txBox="1"/>
+          <p:cNvPicPr>
+            <a:picLocks noChangeAspect="1"/>
+          </p:cNvPicPr>
           <p:nvPr/>
-        </p:nvSpPr>
+        </p:nvPicPr>
+        <p:blipFill>
+          <a:blip r:embed="rId2"/>
+          <a:stretch>
+            <a:fillRect/>
+          </a:stretch>
+        </p:blipFill>
         <p:spPr>
           <a:xfrm>
-            <a:off x="1596189" y="2067426"/>
-            <a:ext cx="9240252" cy="3447098"/>
+            <a:off x="2200913" y="2009611"/>
+            <a:ext cx="7623708" cy="4288336"/>
           </a:xfrm>
           <a:prstGeom prst="rect">
             <a:avLst/>
           </a:prstGeom>
-          <a:noFill/>
         </p:spPr>
-        <p:txBody>
-          <a:bodyPr rot="0" spcFirstLastPara="0" vertOverflow="overflow" horzOverflow="overflow" vert="horz" wrap="square" lIns="91440" tIns="45720" rIns="91440" bIns="45720" numCol="1" spcCol="0" rtlCol="0" fromWordArt="0" anchor="t" anchorCtr="0" forceAA="0" compatLnSpc="1">
-            <a:prstTxWarp prst="textNoShape">
-              <a:avLst/>
-            </a:prstTxWarp>
-            <a:spAutoFit/>
-          </a:bodyPr>
-          <a:lstStyle/>
-          <a:p>
-            <a:pPr marL="342900" indent="-342900">
-              <a:buFont typeface="Wingdings"/>
-              <a:buChar char="Ø"/>
-            </a:pPr>
-            <a:r>
-              <a:rPr lang="en-GB" sz="2000">
-                <a:latin typeface="Times New Roman"/>
-                <a:ea typeface="+mn-lt"/>
-                <a:cs typeface="+mn-lt"/>
-              </a:rPr>
-              <a:t>Flask is a lightweight Web Server Gateway Interface(WSGI) web application framework. </a:t>
-            </a:r>
-            <a:endParaRPr lang="en-US" sz="2000">
-              <a:latin typeface="Times New Roman"/>
-              <a:ea typeface="+mn-lt"/>
-              <a:cs typeface="+mn-lt"/>
-            </a:endParaRPr>
-          </a:p>
-          <a:p>
-            <a:pPr marL="342900" indent="-342900">
-              <a:buFont typeface="Wingdings"/>
-              <a:buChar char="Ø"/>
-            </a:pPr>
-            <a:r>
-              <a:rPr lang="en-GB" sz="2000">
-                <a:latin typeface="Times New Roman"/>
-                <a:ea typeface="+mn-lt"/>
-                <a:cs typeface="+mn-lt"/>
-              </a:rPr>
-              <a:t>It is designed to make getting started quick and easy, with the ability to scale up to complex applications. </a:t>
-            </a:r>
-            <a:endParaRPr lang="en-US" sz="2000">
-              <a:latin typeface="Times New Roman"/>
-              <a:ea typeface="+mn-lt"/>
-              <a:cs typeface="+mn-lt"/>
-            </a:endParaRPr>
-          </a:p>
-          <a:p>
-            <a:pPr marL="342900" indent="-342900">
-              <a:buFont typeface="Wingdings"/>
-              <a:buChar char="Ø"/>
-            </a:pPr>
-            <a:r>
-              <a:rPr lang="en-GB" sz="2000">
-                <a:latin typeface="Times New Roman"/>
-                <a:ea typeface="+mn-lt"/>
-                <a:cs typeface="+mn-lt"/>
-              </a:rPr>
-              <a:t>It began as a simple wrapper around Werkzeug and Jinja and has become one of the most popular Python web application frameworks.</a:t>
-            </a:r>
-            <a:endParaRPr lang="en-GB" sz="2000">
-              <a:latin typeface="Times New Roman"/>
-              <a:cs typeface="Times New Roman"/>
-            </a:endParaRPr>
-          </a:p>
-          <a:p>
-            <a:pPr marL="342900" indent="-342900">
-              <a:buFont typeface="Wingdings"/>
-              <a:buChar char="Ø"/>
-            </a:pPr>
-            <a:r>
-              <a:rPr lang="en-GB" sz="2000">
-                <a:latin typeface="Times New Roman"/>
-                <a:ea typeface="+mn-lt"/>
-                <a:cs typeface="+mn-lt"/>
-              </a:rPr>
-              <a:t>Werkzeug is a comprehensive WSGI web application library.</a:t>
-            </a:r>
-            <a:endParaRPr lang="en-GB" sz="2000">
-              <a:latin typeface="Times New Roman"/>
-              <a:cs typeface="Times New Roman"/>
-            </a:endParaRPr>
-          </a:p>
-          <a:p>
-            <a:pPr marL="342900" indent="-342900">
-              <a:buFont typeface="Wingdings"/>
-              <a:buChar char="Ø"/>
-            </a:pPr>
-            <a:r>
-              <a:rPr lang="en-GB" sz="2000">
-                <a:latin typeface="Times New Roman"/>
-                <a:ea typeface="+mn-lt"/>
-                <a:cs typeface="+mn-lt"/>
-              </a:rPr>
-              <a:t>Jinja2 is one of the most used template engines for Python.</a:t>
-            </a:r>
-            <a:endParaRPr lang="en-GB" sz="2000">
-              <a:latin typeface="Times New Roman"/>
-              <a:cs typeface="Times New Roman"/>
-            </a:endParaRPr>
-          </a:p>
-          <a:p>
-            <a:pPr algn="l"/>
-            <a:endParaRPr lang="en-GB" sz="2000" dirty="0">
-              <a:latin typeface="Times New Roman"/>
-              <a:cs typeface="Times New Roman"/>
-            </a:endParaRPr>
-          </a:p>
-          <a:p>
-            <a:pPr marL="342900" indent="-342900">
-              <a:buFont typeface="Wingdings"/>
-              <a:buChar char="Ø"/>
-            </a:pPr>
-            <a:endParaRPr lang="en-GB" sz="2000" dirty="0">
-              <a:latin typeface="Times New Roman"/>
-              <a:cs typeface="Times New Roman"/>
-            </a:endParaRPr>
-          </a:p>
-          <a:p>
-            <a:endParaRPr lang="en-GB" dirty="0"/>
-          </a:p>
-        </p:txBody>
-      </p:sp>
+      </p:pic>
     </p:spTree>
     <p:extLst>
       <p:ext uri="{BB962C8B-B14F-4D97-AF65-F5344CB8AC3E}">
-        <p14:creationId xmlns="" xmlns:p14="http://schemas.microsoft.com/office/powerpoint/2010/main" val="1887454943"/>
+        <p14:creationId xmlns:p14="http://schemas.microsoft.com/office/powerpoint/2010/main" xmlns="" val="4029308538"/>
       </p:ext>
     </p:extLst>
   </p:cSld>
@@ -4957,7 +4844,7 @@
           <p:cNvPr id="2" name="Title 1">
             <a:extLst>
               <a:ext uri="{FF2B5EF4-FFF2-40B4-BE49-F238E27FC236}">
-                <a16:creationId xmlns="" xmlns:a16="http://schemas.microsoft.com/office/drawing/2014/main" id="{147B1D19-E6D1-410F-8817-C3DA5F2CCDD3}"/>
+                <a16:creationId xmlns:a16="http://schemas.microsoft.com/office/drawing/2014/main" xmlns="" id="{147B1D19-E6D1-410F-8817-C3DA5F2CCDD3}"/>
               </a:ext>
             </a:extLst>
           </p:cNvPr>
@@ -4974,18 +4861,19 @@
           <a:lstStyle/>
           <a:p>
             <a:r>
-              <a:rPr lang="en-GB" dirty="0"/>
-              <a:t>Web based system UI in Flask</a:t>
-            </a:r>
+              <a:rPr lang="en-GB" dirty="0" smtClean="0"/>
+              <a:t>Plotting accuracy and loss </a:t>
+            </a:r>
+            <a:endParaRPr lang="en-GB" dirty="0"/>
           </a:p>
         </p:txBody>
       </p:sp>
       <p:pic>
         <p:nvPicPr>
-          <p:cNvPr id="4" name="Picture 4" descr="Graphical user interface&#10;&#10;Description automatically generated">
+          <p:cNvPr id="3" name="Picture 3" descr="Graphical user interface, text, email&#10;&#10;Description automatically generated">
             <a:extLst>
               <a:ext uri="{FF2B5EF4-FFF2-40B4-BE49-F238E27FC236}">
-                <a16:creationId xmlns="" xmlns:a16="http://schemas.microsoft.com/office/drawing/2014/main" id="{E14D6EE7-B648-4F24-B970-00A52C470597}"/>
+                <a16:creationId xmlns:a16="http://schemas.microsoft.com/office/drawing/2014/main" xmlns="" id="{3BFCC4E0-B3A5-429D-A46E-FCFF02F442A8}"/>
               </a:ext>
             </a:extLst>
           </p:cNvPr>
@@ -5002,8 +4890,8 @@
         </p:blipFill>
         <p:spPr>
           <a:xfrm>
-            <a:off x="2087068" y="1972389"/>
-            <a:ext cx="7753608" cy="4361405"/>
+            <a:off x="2200913" y="2009611"/>
+            <a:ext cx="7623708" cy="4288335"/>
           </a:xfrm>
           <a:prstGeom prst="rect">
             <a:avLst/>
@@ -5013,7 +4901,7 @@
     </p:spTree>
     <p:extLst>
       <p:ext uri="{BB962C8B-B14F-4D97-AF65-F5344CB8AC3E}">
-        <p14:creationId xmlns="" xmlns:p14="http://schemas.microsoft.com/office/powerpoint/2010/main" val="1230542328"/>
+        <p14:creationId xmlns:p14="http://schemas.microsoft.com/office/powerpoint/2010/main" xmlns="" val="4029308538"/>
       </p:ext>
     </p:extLst>
   </p:cSld>
@@ -5052,7 +4940,7 @@
           <p:cNvPr id="2" name="Title 1">
             <a:extLst>
               <a:ext uri="{FF2B5EF4-FFF2-40B4-BE49-F238E27FC236}">
-                <a16:creationId xmlns="" xmlns:a16="http://schemas.microsoft.com/office/drawing/2014/main" id="{147B1D19-E6D1-410F-8817-C3DA5F2CCDD3}"/>
+                <a16:creationId xmlns:a16="http://schemas.microsoft.com/office/drawing/2014/main" xmlns="" id="{92233D41-3285-42DD-A8C1-75211B19E7DF}"/>
               </a:ext>
             </a:extLst>
           </p:cNvPr>
@@ -5069,46 +4957,203 @@
           <a:lstStyle/>
           <a:p>
             <a:r>
-              <a:rPr lang="en-GB" dirty="0"/>
-              <a:t>Prediction form in Flask UI</a:t>
-            </a:r>
-          </a:p>
-        </p:txBody>
-      </p:sp>
-      <p:pic>
-        <p:nvPicPr>
-          <p:cNvPr id="3" name="Picture 4" descr="Graphical user interface, text&#10;&#10;Description automatically generated">
+              <a:rPr lang="en-GB" dirty="0">
+                <a:ea typeface="+mj-lt"/>
+                <a:cs typeface="+mj-lt"/>
+              </a:rPr>
+              <a:t>End-to-end Implementation with Flask</a:t>
+            </a:r>
+          </a:p>
+        </p:txBody>
+      </p:sp>
+      <p:sp>
+        <p:nvSpPr>
+          <p:cNvPr id="3" name="TextBox 2">
             <a:extLst>
               <a:ext uri="{FF2B5EF4-FFF2-40B4-BE49-F238E27FC236}">
-                <a16:creationId xmlns="" xmlns:a16="http://schemas.microsoft.com/office/drawing/2014/main" id="{AECAE01D-015B-431A-A05E-7AE262B9AE90}"/>
+                <a16:creationId xmlns:a16="http://schemas.microsoft.com/office/drawing/2014/main" xmlns="" id="{E4CEE889-E14B-4121-92F7-3F52F080EC7C}"/>
               </a:ext>
             </a:extLst>
           </p:cNvPr>
-          <p:cNvPicPr>
-            <a:picLocks noChangeAspect="1"/>
-          </p:cNvPicPr>
+          <p:cNvSpPr txBox="1"/>
           <p:nvPr/>
-        </p:nvPicPr>
-        <p:blipFill>
-          <a:blip r:embed="rId2"/>
-          <a:stretch>
-            <a:fillRect/>
-          </a:stretch>
-        </p:blipFill>
+        </p:nvSpPr>
         <p:spPr>
           <a:xfrm>
-            <a:off x="2083496" y="1978982"/>
-            <a:ext cx="7805802" cy="4382282"/>
+            <a:off x="1596189" y="2067426"/>
+            <a:ext cx="9240252" cy="3447098"/>
           </a:xfrm>
           <a:prstGeom prst="rect">
             <a:avLst/>
           </a:prstGeom>
+          <a:noFill/>
         </p:spPr>
-      </p:pic>
+        <p:txBody>
+          <a:bodyPr rot="0" spcFirstLastPara="0" vertOverflow="overflow" horzOverflow="overflow" vert="horz" wrap="square" lIns="91440" tIns="45720" rIns="91440" bIns="45720" numCol="1" spcCol="0" rtlCol="0" fromWordArt="0" anchor="t" anchorCtr="0" forceAA="0" compatLnSpc="1">
+            <a:prstTxWarp prst="textNoShape">
+              <a:avLst/>
+            </a:prstTxWarp>
+            <a:spAutoFit/>
+          </a:bodyPr>
+          <a:lstStyle/>
+          <a:p>
+            <a:pPr marL="342900" indent="-342900">
+              <a:buFont typeface="Wingdings"/>
+              <a:buChar char="Ø"/>
+            </a:pPr>
+            <a:r>
+              <a:rPr lang="en-GB" sz="2000" dirty="0">
+                <a:latin typeface="Times New Roman"/>
+                <a:ea typeface="+mn-lt"/>
+                <a:cs typeface="+mn-lt"/>
+              </a:rPr>
+              <a:t>Flask is a lightweight Web Server Gateway Interface(WSGI) web application framework. </a:t>
+            </a:r>
+            <a:endParaRPr lang="en-US" sz="2000" dirty="0">
+              <a:latin typeface="Times New Roman"/>
+              <a:ea typeface="+mn-lt"/>
+              <a:cs typeface="+mn-lt"/>
+            </a:endParaRPr>
+          </a:p>
+          <a:p>
+            <a:pPr marL="342900" indent="-342900">
+              <a:buFont typeface="Wingdings"/>
+              <a:buChar char="Ø"/>
+            </a:pPr>
+            <a:r>
+              <a:rPr lang="en-GB" sz="2000" dirty="0">
+                <a:latin typeface="Times New Roman"/>
+                <a:ea typeface="+mn-lt"/>
+                <a:cs typeface="+mn-lt"/>
+              </a:rPr>
+              <a:t>It is designed to make getting started quick and easy, with the ability to scale up to complex applications. </a:t>
+            </a:r>
+            <a:endParaRPr lang="en-US" sz="2000" dirty="0">
+              <a:latin typeface="Times New Roman"/>
+              <a:ea typeface="+mn-lt"/>
+              <a:cs typeface="+mn-lt"/>
+            </a:endParaRPr>
+          </a:p>
+          <a:p>
+            <a:pPr marL="342900" indent="-342900">
+              <a:buFont typeface="Wingdings"/>
+              <a:buChar char="Ø"/>
+            </a:pPr>
+            <a:r>
+              <a:rPr lang="en-GB" sz="2000" dirty="0">
+                <a:latin typeface="Times New Roman"/>
+                <a:ea typeface="+mn-lt"/>
+                <a:cs typeface="+mn-lt"/>
+              </a:rPr>
+              <a:t>It began as a simple wrapper around </a:t>
+            </a:r>
+            <a:r>
+              <a:rPr lang="en-GB" sz="2000" dirty="0" err="1">
+                <a:latin typeface="Times New Roman"/>
+                <a:ea typeface="+mn-lt"/>
+                <a:cs typeface="+mn-lt"/>
+              </a:rPr>
+              <a:t>Werkzeug</a:t>
+            </a:r>
+            <a:r>
+              <a:rPr lang="en-GB" sz="2000" dirty="0">
+                <a:latin typeface="Times New Roman"/>
+                <a:ea typeface="+mn-lt"/>
+                <a:cs typeface="+mn-lt"/>
+              </a:rPr>
+              <a:t> and </a:t>
+            </a:r>
+            <a:r>
+              <a:rPr lang="en-GB" sz="2000" dirty="0" err="1">
+                <a:latin typeface="Times New Roman"/>
+                <a:ea typeface="+mn-lt"/>
+                <a:cs typeface="+mn-lt"/>
+              </a:rPr>
+              <a:t>Jinja</a:t>
+            </a:r>
+            <a:r>
+              <a:rPr lang="en-GB" sz="2000" dirty="0">
+                <a:latin typeface="Times New Roman"/>
+                <a:ea typeface="+mn-lt"/>
+                <a:cs typeface="+mn-lt"/>
+              </a:rPr>
+              <a:t> and has become one of the most popular Python web application frameworks.</a:t>
+            </a:r>
+            <a:endParaRPr lang="en-GB" sz="2000" dirty="0">
+              <a:latin typeface="Times New Roman"/>
+              <a:cs typeface="Times New Roman"/>
+            </a:endParaRPr>
+          </a:p>
+          <a:p>
+            <a:pPr marL="342900" indent="-342900">
+              <a:buFont typeface="Wingdings"/>
+              <a:buChar char="Ø"/>
+            </a:pPr>
+            <a:r>
+              <a:rPr lang="en-GB" sz="2000" dirty="0" err="1">
+                <a:latin typeface="Times New Roman"/>
+                <a:ea typeface="+mn-lt"/>
+                <a:cs typeface="+mn-lt"/>
+              </a:rPr>
+              <a:t>Werkzeug</a:t>
+            </a:r>
+            <a:r>
+              <a:rPr lang="en-GB" sz="2000" dirty="0">
+                <a:latin typeface="Times New Roman"/>
+                <a:ea typeface="+mn-lt"/>
+                <a:cs typeface="+mn-lt"/>
+              </a:rPr>
+              <a:t> is a comprehensive WSGI web application library.</a:t>
+            </a:r>
+            <a:endParaRPr lang="en-GB" sz="2000" dirty="0">
+              <a:latin typeface="Times New Roman"/>
+              <a:cs typeface="Times New Roman"/>
+            </a:endParaRPr>
+          </a:p>
+          <a:p>
+            <a:pPr marL="342900" indent="-342900">
+              <a:buFont typeface="Wingdings"/>
+              <a:buChar char="Ø"/>
+            </a:pPr>
+            <a:r>
+              <a:rPr lang="en-GB" sz="2000" dirty="0">
+                <a:latin typeface="Times New Roman"/>
+                <a:ea typeface="+mn-lt"/>
+                <a:cs typeface="+mn-lt"/>
+              </a:rPr>
+              <a:t>Jinja2 is one of the most used template engines for Python.</a:t>
+            </a:r>
+            <a:endParaRPr lang="en-GB" sz="2000" dirty="0">
+              <a:latin typeface="Times New Roman"/>
+              <a:cs typeface="Times New Roman"/>
+            </a:endParaRPr>
+          </a:p>
+          <a:p>
+            <a:pPr algn="l"/>
+            <a:endParaRPr lang="en-GB" sz="2000" dirty="0">
+              <a:latin typeface="Times New Roman"/>
+              <a:cs typeface="Times New Roman"/>
+            </a:endParaRPr>
+          </a:p>
+          <a:p>
+            <a:pPr marL="342900" indent="-342900">
+              <a:buFont typeface="Wingdings"/>
+              <a:buChar char="Ø"/>
+            </a:pPr>
+            <a:endParaRPr lang="en-GB" sz="2000" dirty="0">
+              <a:latin typeface="Times New Roman"/>
+              <a:cs typeface="Times New Roman"/>
+            </a:endParaRPr>
+          </a:p>
+          <a:p>
+            <a:endParaRPr lang="en-GB" dirty="0"/>
+          </a:p>
+        </p:txBody>
+      </p:sp>
     </p:spTree>
     <p:extLst>
       <p:ext uri="{BB962C8B-B14F-4D97-AF65-F5344CB8AC3E}">
-        <p14:creationId xmlns="" xmlns:p14="http://schemas.microsoft.com/office/powerpoint/2010/main" val="2748189823"/>
+        <p14:creationId xmlns:p14="http://schemas.microsoft.com/office/powerpoint/2010/main" xmlns="" val="1887454943"/>
       </p:ext>
     </p:extLst>
   </p:cSld>
@@ -5147,7 +5192,7 @@
           <p:cNvPr id="2" name="Title 1">
             <a:extLst>
               <a:ext uri="{FF2B5EF4-FFF2-40B4-BE49-F238E27FC236}">
-                <a16:creationId xmlns="" xmlns:a16="http://schemas.microsoft.com/office/drawing/2014/main" id="{11427E49-F02D-417D-940E-B5E2ED62090D}"/>
+                <a16:creationId xmlns:a16="http://schemas.microsoft.com/office/drawing/2014/main" xmlns="" id="{147B1D19-E6D1-410F-8817-C3DA5F2CCDD3}"/>
               </a:ext>
             </a:extLst>
           </p:cNvPr>
@@ -5165,227 +5210,45 @@
           <a:p>
             <a:r>
               <a:rPr lang="en-GB" dirty="0"/>
-              <a:t>Reference</a:t>
-            </a:r>
-          </a:p>
-        </p:txBody>
-      </p:sp>
-      <p:sp>
-        <p:nvSpPr>
-          <p:cNvPr id="3" name="TextBox 2">
+              <a:t>Web based system UI in Flask</a:t>
+            </a:r>
+          </a:p>
+        </p:txBody>
+      </p:sp>
+      <p:pic>
+        <p:nvPicPr>
+          <p:cNvPr id="4" name="Picture 4" descr="Graphical user interface&#10;&#10;Description automatically generated">
             <a:extLst>
               <a:ext uri="{FF2B5EF4-FFF2-40B4-BE49-F238E27FC236}">
-                <a16:creationId xmlns="" xmlns:a16="http://schemas.microsoft.com/office/drawing/2014/main" id="{45403B50-3A83-449E-A55F-B63AB0A0FA2E}"/>
+                <a16:creationId xmlns:a16="http://schemas.microsoft.com/office/drawing/2014/main" xmlns="" id="{E14D6EE7-B648-4F24-B970-00A52C470597}"/>
               </a:ext>
             </a:extLst>
           </p:cNvPr>
-          <p:cNvSpPr txBox="1"/>
+          <p:cNvPicPr>
+            <a:picLocks noChangeAspect="1"/>
+          </p:cNvPicPr>
           <p:nvPr/>
-        </p:nvSpPr>
+        </p:nvPicPr>
+        <p:blipFill>
+          <a:blip r:embed="rId2"/>
+          <a:stretch>
+            <a:fillRect/>
+          </a:stretch>
+        </p:blipFill>
         <p:spPr>
           <a:xfrm>
-            <a:off x="1245269" y="2057400"/>
-            <a:ext cx="10293015" cy="2554545"/>
+            <a:off x="2087068" y="1972389"/>
+            <a:ext cx="7753608" cy="4361405"/>
           </a:xfrm>
           <a:prstGeom prst="rect">
             <a:avLst/>
           </a:prstGeom>
-          <a:noFill/>
         </p:spPr>
-        <p:txBody>
-          <a:bodyPr rot="0" spcFirstLastPara="0" vertOverflow="overflow" horzOverflow="overflow" vert="horz" wrap="square" lIns="91440" tIns="45720" rIns="91440" bIns="45720" numCol="1" spcCol="0" rtlCol="0" fromWordArt="0" anchor="t" anchorCtr="0" forceAA="0" compatLnSpc="1">
-            <a:prstTxWarp prst="textNoShape">
-              <a:avLst/>
-            </a:prstTxWarp>
-            <a:spAutoFit/>
-          </a:bodyPr>
-          <a:lstStyle/>
-          <a:p>
-            <a:pPr marL="342900" indent="-342900">
-              <a:buFont typeface="Wingdings"/>
-              <a:buChar char="Ø"/>
-            </a:pPr>
-            <a:r>
-              <a:rPr lang="en-GB" sz="2000" dirty="0">
-                <a:latin typeface="Times New Roman"/>
-                <a:ea typeface="+mn-lt"/>
-                <a:cs typeface="+mn-lt"/>
-              </a:rPr>
-              <a:t>Rattle data mining tool: available from http://rattle.togaware.com/rattle-download.html </a:t>
-            </a:r>
-            <a:endParaRPr lang="en-US" sz="2000">
-              <a:latin typeface="Times New Roman"/>
-              <a:ea typeface="+mn-lt"/>
-              <a:cs typeface="+mn-lt"/>
-            </a:endParaRPr>
-          </a:p>
-          <a:p>
-            <a:pPr marL="342900" indent="-342900">
-              <a:buFont typeface="Wingdings"/>
-              <a:buChar char="Ø"/>
-            </a:pPr>
-            <a:r>
-              <a:rPr lang="en-GB" sz="2000" dirty="0">
-                <a:latin typeface="Times New Roman"/>
-                <a:ea typeface="+mn-lt"/>
-                <a:cs typeface="+mn-lt"/>
-              </a:rPr>
-              <a:t>Ekta </a:t>
-            </a:r>
-            <a:r>
-              <a:rPr lang="en-GB" sz="2000" dirty="0" err="1">
-                <a:latin typeface="Times New Roman"/>
-                <a:ea typeface="+mn-lt"/>
-                <a:cs typeface="+mn-lt"/>
-              </a:rPr>
-              <a:t>Gandotra</a:t>
-            </a:r>
-            <a:r>
-              <a:rPr lang="en-GB" sz="2000" dirty="0">
-                <a:latin typeface="Times New Roman"/>
-                <a:ea typeface="+mn-lt"/>
-                <a:cs typeface="+mn-lt"/>
-              </a:rPr>
-              <a:t>, Divya Bansal, Sanjeev </a:t>
-            </a:r>
-            <a:r>
-              <a:rPr lang="en-GB" sz="2000" dirty="0" err="1">
-                <a:latin typeface="Times New Roman"/>
-                <a:ea typeface="+mn-lt"/>
-                <a:cs typeface="+mn-lt"/>
-              </a:rPr>
-              <a:t>Sofat</a:t>
-            </a:r>
-            <a:r>
-              <a:rPr lang="en-GB" sz="2000" dirty="0">
-                <a:latin typeface="Times New Roman"/>
-                <a:ea typeface="+mn-lt"/>
-                <a:cs typeface="+mn-lt"/>
-              </a:rPr>
-              <a:t> 2014, ‘Malware Analysis and Classification: A </a:t>
-            </a:r>
-            <a:r>
-              <a:rPr lang="en-GB" sz="2000" dirty="0" err="1">
-                <a:latin typeface="Times New Roman"/>
-                <a:ea typeface="+mn-lt"/>
-                <a:cs typeface="+mn-lt"/>
-              </a:rPr>
-              <a:t>Survey’available</a:t>
-            </a:r>
-            <a:r>
-              <a:rPr lang="en-GB" sz="2000" dirty="0">
-                <a:latin typeface="Times New Roman"/>
-                <a:ea typeface="+mn-lt"/>
-                <a:cs typeface="+mn-lt"/>
-              </a:rPr>
-              <a:t> from http:// www.scirp.org/journal/jis </a:t>
-            </a:r>
-            <a:endParaRPr lang="en-US" sz="2000" dirty="0">
-              <a:latin typeface="Times New Roman"/>
-              <a:ea typeface="+mn-lt"/>
-              <a:cs typeface="+mn-lt"/>
-            </a:endParaRPr>
-          </a:p>
-          <a:p>
-            <a:pPr marL="342900" indent="-342900">
-              <a:buFont typeface="Wingdings"/>
-              <a:buChar char="Ø"/>
-            </a:pPr>
-            <a:r>
-              <a:rPr lang="en-GB" sz="2000" dirty="0">
-                <a:latin typeface="Times New Roman"/>
-                <a:ea typeface="+mn-lt"/>
-                <a:cs typeface="+mn-lt"/>
-              </a:rPr>
-              <a:t>J. R. Quinlan. Induction of Decision Tree. Machine Learning, Vol. 1, No. 1. pp. 81-106., 1086. </a:t>
-            </a:r>
-            <a:endParaRPr lang="en-US" sz="2000" dirty="0">
-              <a:latin typeface="Times New Roman"/>
-              <a:ea typeface="+mn-lt"/>
-              <a:cs typeface="+mn-lt"/>
-            </a:endParaRPr>
-          </a:p>
-          <a:p>
-            <a:pPr marL="342900" indent="-342900">
-              <a:buFont typeface="Wingdings"/>
-              <a:buChar char="Ø"/>
-            </a:pPr>
-            <a:r>
-              <a:rPr lang="en-GB" sz="2000" dirty="0">
-                <a:latin typeface="Times New Roman"/>
-                <a:ea typeface="+mn-lt"/>
-                <a:cs typeface="+mn-lt"/>
-              </a:rPr>
-              <a:t>Mean Decrease Accuracy https://dinsdalelab.sdsu.edu/metag.stats/code/randomforest.hml </a:t>
-            </a:r>
-            <a:endParaRPr lang="en-US" sz="2000" dirty="0">
-              <a:latin typeface="Times New Roman"/>
-              <a:ea typeface="+mn-lt"/>
-              <a:cs typeface="+mn-lt"/>
-            </a:endParaRPr>
-          </a:p>
-          <a:p>
-            <a:pPr marL="342900" indent="-342900">
-              <a:buFont typeface="Wingdings"/>
-              <a:buChar char="Ø"/>
-            </a:pPr>
-            <a:r>
-              <a:rPr lang="en-GB" sz="2000" dirty="0">
-                <a:latin typeface="Times New Roman"/>
-              </a:rPr>
-              <a:t>J.R. Quinlan. Induction of decision trees. </a:t>
-            </a:r>
-            <a:r>
-              <a:rPr lang="en-GB" sz="2000" err="1">
-                <a:latin typeface="Times New Roman"/>
-              </a:rPr>
-              <a:t>MachinelearningSpringer</a:t>
-            </a:r>
-            <a:r>
-              <a:rPr lang="en-GB" sz="2000" dirty="0">
-                <a:latin typeface="Times New Roman"/>
-              </a:rPr>
-              <a:t>, 1(1):81–106, 1086. </a:t>
-            </a:r>
-            <a:endParaRPr lang="en-US" sz="2000">
-              <a:latin typeface="Times New Roman"/>
-              <a:cs typeface="Times New Roman"/>
-            </a:endParaRPr>
-          </a:p>
-          <a:p>
-            <a:pPr marL="342900" indent="-342900">
-              <a:buFont typeface="Wingdings"/>
-              <a:buChar char="Ø"/>
-            </a:pPr>
-            <a:r>
-              <a:rPr lang="en-GB" sz="2000" dirty="0">
-                <a:latin typeface="Times New Roman"/>
-              </a:rPr>
-              <a:t>Andy Liaw and Matthew Wiener. Classification and Regression by </a:t>
-            </a:r>
-            <a:r>
-              <a:rPr lang="en-GB" sz="2000" err="1">
-                <a:latin typeface="Times New Roman"/>
-              </a:rPr>
-              <a:t>randomForest</a:t>
-            </a:r>
-            <a:r>
-              <a:rPr lang="en-GB" sz="2000" dirty="0">
-                <a:latin typeface="Times New Roman"/>
-              </a:rPr>
-              <a:t>. R News( http://CRAN.R-project.org/doc/Rnews/ ), 2(3):9–22, 2002. </a:t>
-            </a:r>
-            <a:endParaRPr lang="en-US" sz="2000">
-              <a:latin typeface="Times New Roman"/>
-              <a:cs typeface="Times New Roman"/>
-            </a:endParaRPr>
-          </a:p>
-        </p:txBody>
-      </p:sp>
+      </p:pic>
     </p:spTree>
     <p:extLst>
       <p:ext uri="{BB962C8B-B14F-4D97-AF65-F5344CB8AC3E}">
-        <p14:creationId xmlns="" xmlns:p14="http://schemas.microsoft.com/office/powerpoint/2010/main" val="3774004363"/>
+        <p14:creationId xmlns:p14="http://schemas.microsoft.com/office/powerpoint/2010/main" xmlns="" val="1230542328"/>
       </p:ext>
     </p:extLst>
   </p:cSld>
@@ -5403,6 +5266,474 @@
 </file>
 
 <file path=ppt/slides/slide15.xml><?xml version="1.0" encoding="utf-8"?>
+<p:sld xmlns:a="http://schemas.openxmlformats.org/drawingml/2006/main" xmlns:r="http://schemas.openxmlformats.org/officeDocument/2006/relationships" xmlns:p="http://schemas.openxmlformats.org/presentationml/2006/main">
+  <p:cSld>
+    <p:spTree>
+      <p:nvGrpSpPr>
+        <p:cNvPr id="1" name=""/>
+        <p:cNvGrpSpPr/>
+        <p:nvPr/>
+      </p:nvGrpSpPr>
+      <p:grpSpPr>
+        <a:xfrm>
+          <a:off x="0" y="0"/>
+          <a:ext cx="0" cy="0"/>
+          <a:chOff x="0" y="0"/>
+          <a:chExt cx="0" cy="0"/>
+        </a:xfrm>
+      </p:grpSpPr>
+      <p:sp>
+        <p:nvSpPr>
+          <p:cNvPr id="2" name="Title 1">
+            <a:extLst>
+              <a:ext uri="{FF2B5EF4-FFF2-40B4-BE49-F238E27FC236}">
+                <a16:creationId xmlns:a16="http://schemas.microsoft.com/office/drawing/2014/main" xmlns="" id="{147B1D19-E6D1-410F-8817-C3DA5F2CCDD3}"/>
+              </a:ext>
+            </a:extLst>
+          </p:cNvPr>
+          <p:cNvSpPr>
+            <a:spLocks noGrp="1"/>
+          </p:cNvSpPr>
+          <p:nvPr>
+            <p:ph type="title"/>
+          </p:nvPr>
+        </p:nvSpPr>
+        <p:spPr/>
+        <p:txBody>
+          <a:bodyPr/>
+          <a:lstStyle/>
+          <a:p>
+            <a:r>
+              <a:rPr lang="en-GB" dirty="0"/>
+              <a:t>Prediction form in Flask UI</a:t>
+            </a:r>
+          </a:p>
+        </p:txBody>
+      </p:sp>
+      <p:pic>
+        <p:nvPicPr>
+          <p:cNvPr id="3" name="Picture 4" descr="Graphical user interface, text&#10;&#10;Description automatically generated">
+            <a:extLst>
+              <a:ext uri="{FF2B5EF4-FFF2-40B4-BE49-F238E27FC236}">
+                <a16:creationId xmlns:a16="http://schemas.microsoft.com/office/drawing/2014/main" xmlns="" id="{AECAE01D-015B-431A-A05E-7AE262B9AE90}"/>
+              </a:ext>
+            </a:extLst>
+          </p:cNvPr>
+          <p:cNvPicPr>
+            <a:picLocks noChangeAspect="1"/>
+          </p:cNvPicPr>
+          <p:nvPr/>
+        </p:nvPicPr>
+        <p:blipFill>
+          <a:blip r:embed="rId2"/>
+          <a:stretch>
+            <a:fillRect/>
+          </a:stretch>
+        </p:blipFill>
+        <p:spPr>
+          <a:xfrm>
+            <a:off x="2091035" y="1978982"/>
+            <a:ext cx="7790723" cy="4382282"/>
+          </a:xfrm>
+          <a:prstGeom prst="rect">
+            <a:avLst/>
+          </a:prstGeom>
+        </p:spPr>
+      </p:pic>
+    </p:spTree>
+    <p:extLst>
+      <p:ext uri="{BB962C8B-B14F-4D97-AF65-F5344CB8AC3E}">
+        <p14:creationId xmlns:p14="http://schemas.microsoft.com/office/powerpoint/2010/main" xmlns="" val="2748189823"/>
+      </p:ext>
+    </p:extLst>
+  </p:cSld>
+  <p:clrMapOvr>
+    <a:masterClrMapping/>
+  </p:clrMapOvr>
+  <p:timing>
+    <p:tnLst>
+      <p:par>
+        <p:cTn id="1" dur="indefinite" restart="never" nodeType="tmRoot"/>
+      </p:par>
+    </p:tnLst>
+  </p:timing>
+</p:sld>
+</file>
+
+<file path=ppt/slides/slide16.xml><?xml version="1.0" encoding="utf-8"?>
+<p:sld xmlns:a="http://schemas.openxmlformats.org/drawingml/2006/main" xmlns:r="http://schemas.openxmlformats.org/officeDocument/2006/relationships" xmlns:p="http://schemas.openxmlformats.org/presentationml/2006/main">
+  <p:cSld>
+    <p:spTree>
+      <p:nvGrpSpPr>
+        <p:cNvPr id="1" name=""/>
+        <p:cNvGrpSpPr/>
+        <p:nvPr/>
+      </p:nvGrpSpPr>
+      <p:grpSpPr>
+        <a:xfrm>
+          <a:off x="0" y="0"/>
+          <a:ext cx="0" cy="0"/>
+          <a:chOff x="0" y="0"/>
+          <a:chExt cx="0" cy="0"/>
+        </a:xfrm>
+      </p:grpSpPr>
+      <p:sp>
+        <p:nvSpPr>
+          <p:cNvPr id="2" name="Title 1">
+            <a:extLst>
+              <a:ext uri="{FF2B5EF4-FFF2-40B4-BE49-F238E27FC236}">
+                <a16:creationId xmlns:a16="http://schemas.microsoft.com/office/drawing/2014/main" xmlns="" id="{147B1D19-E6D1-410F-8817-C3DA5F2CCDD3}"/>
+              </a:ext>
+            </a:extLst>
+          </p:cNvPr>
+          <p:cNvSpPr>
+            <a:spLocks noGrp="1"/>
+          </p:cNvSpPr>
+          <p:nvPr>
+            <p:ph type="title"/>
+          </p:nvPr>
+        </p:nvSpPr>
+        <p:spPr/>
+        <p:txBody>
+          <a:bodyPr/>
+          <a:lstStyle/>
+          <a:p>
+            <a:r>
+              <a:rPr lang="en-GB" dirty="0" smtClean="0"/>
+              <a:t>Predicted Result</a:t>
+            </a:r>
+            <a:endParaRPr lang="en-GB" dirty="0"/>
+          </a:p>
+        </p:txBody>
+      </p:sp>
+      <p:pic>
+        <p:nvPicPr>
+          <p:cNvPr id="3" name="Picture 4" descr="Graphical user interface, text&#10;&#10;Description automatically generated">
+            <a:extLst>
+              <a:ext uri="{FF2B5EF4-FFF2-40B4-BE49-F238E27FC236}">
+                <a16:creationId xmlns:a16="http://schemas.microsoft.com/office/drawing/2014/main" xmlns="" id="{AECAE01D-015B-431A-A05E-7AE262B9AE90}"/>
+              </a:ext>
+            </a:extLst>
+          </p:cNvPr>
+          <p:cNvPicPr>
+            <a:picLocks noChangeAspect="1"/>
+          </p:cNvPicPr>
+          <p:nvPr/>
+        </p:nvPicPr>
+        <p:blipFill>
+          <a:blip r:embed="rId2"/>
+          <a:stretch>
+            <a:fillRect/>
+          </a:stretch>
+        </p:blipFill>
+        <p:spPr>
+          <a:xfrm>
+            <a:off x="2091035" y="1978982"/>
+            <a:ext cx="7790723" cy="4382281"/>
+          </a:xfrm>
+          <a:prstGeom prst="rect">
+            <a:avLst/>
+          </a:prstGeom>
+        </p:spPr>
+      </p:pic>
+    </p:spTree>
+    <p:extLst>
+      <p:ext uri="{BB962C8B-B14F-4D97-AF65-F5344CB8AC3E}">
+        <p14:creationId xmlns:p14="http://schemas.microsoft.com/office/powerpoint/2010/main" xmlns="" val="2748189823"/>
+      </p:ext>
+    </p:extLst>
+  </p:cSld>
+  <p:clrMapOvr>
+    <a:masterClrMapping/>
+  </p:clrMapOvr>
+  <p:timing>
+    <p:tnLst>
+      <p:par>
+        <p:cTn id="1" dur="indefinite" restart="never" nodeType="tmRoot"/>
+      </p:par>
+    </p:tnLst>
+  </p:timing>
+</p:sld>
+</file>
+
+<file path=ppt/slides/slide17.xml><?xml version="1.0" encoding="utf-8"?>
+<p:sld xmlns:a="http://schemas.openxmlformats.org/drawingml/2006/main" xmlns:r="http://schemas.openxmlformats.org/officeDocument/2006/relationships" xmlns:p="http://schemas.openxmlformats.org/presentationml/2006/main">
+  <p:cSld>
+    <p:spTree>
+      <p:nvGrpSpPr>
+        <p:cNvPr id="1" name=""/>
+        <p:cNvGrpSpPr/>
+        <p:nvPr/>
+      </p:nvGrpSpPr>
+      <p:grpSpPr>
+        <a:xfrm>
+          <a:off x="0" y="0"/>
+          <a:ext cx="0" cy="0"/>
+          <a:chOff x="0" y="0"/>
+          <a:chExt cx="0" cy="0"/>
+        </a:xfrm>
+      </p:grpSpPr>
+      <p:sp>
+        <p:nvSpPr>
+          <p:cNvPr id="2" name="Title 1">
+            <a:extLst>
+              <a:ext uri="{FF2B5EF4-FFF2-40B4-BE49-F238E27FC236}">
+                <a16:creationId xmlns:a16="http://schemas.microsoft.com/office/drawing/2014/main" xmlns="" id="{11427E49-F02D-417D-940E-B5E2ED62090D}"/>
+              </a:ext>
+            </a:extLst>
+          </p:cNvPr>
+          <p:cNvSpPr>
+            <a:spLocks noGrp="1"/>
+          </p:cNvSpPr>
+          <p:nvPr>
+            <p:ph type="title"/>
+          </p:nvPr>
+        </p:nvSpPr>
+        <p:spPr/>
+        <p:txBody>
+          <a:bodyPr/>
+          <a:lstStyle/>
+          <a:p>
+            <a:r>
+              <a:rPr lang="en-GB" dirty="0"/>
+              <a:t>Reference</a:t>
+            </a:r>
+          </a:p>
+        </p:txBody>
+      </p:sp>
+      <p:sp>
+        <p:nvSpPr>
+          <p:cNvPr id="3" name="TextBox 2">
+            <a:extLst>
+              <a:ext uri="{FF2B5EF4-FFF2-40B4-BE49-F238E27FC236}">
+                <a16:creationId xmlns:a16="http://schemas.microsoft.com/office/drawing/2014/main" xmlns="" id="{45403B50-3A83-449E-A55F-B63AB0A0FA2E}"/>
+              </a:ext>
+            </a:extLst>
+          </p:cNvPr>
+          <p:cNvSpPr txBox="1"/>
+          <p:nvPr/>
+        </p:nvSpPr>
+        <p:spPr>
+          <a:xfrm>
+            <a:off x="1245269" y="2057400"/>
+            <a:ext cx="10293015" cy="2554545"/>
+          </a:xfrm>
+          <a:prstGeom prst="rect">
+            <a:avLst/>
+          </a:prstGeom>
+          <a:noFill/>
+        </p:spPr>
+        <p:txBody>
+          <a:bodyPr rot="0" spcFirstLastPara="0" vertOverflow="overflow" horzOverflow="overflow" vert="horz" wrap="square" lIns="91440" tIns="45720" rIns="91440" bIns="45720" numCol="1" spcCol="0" rtlCol="0" fromWordArt="0" anchor="t" anchorCtr="0" forceAA="0" compatLnSpc="1">
+            <a:prstTxWarp prst="textNoShape">
+              <a:avLst/>
+            </a:prstTxWarp>
+            <a:spAutoFit/>
+          </a:bodyPr>
+          <a:lstStyle/>
+          <a:p>
+            <a:pPr marL="342900" indent="-342900">
+              <a:buFont typeface="Wingdings"/>
+              <a:buChar char="Ø"/>
+            </a:pPr>
+            <a:r>
+              <a:rPr lang="en-GB" sz="2000" dirty="0">
+                <a:latin typeface="Times New Roman"/>
+                <a:ea typeface="+mn-lt"/>
+                <a:cs typeface="+mn-lt"/>
+              </a:rPr>
+              <a:t>Rattle data mining tool: available from http://rattle.togaware.com/rattle-download.html </a:t>
+            </a:r>
+            <a:endParaRPr lang="en-US" sz="2000">
+              <a:latin typeface="Times New Roman"/>
+              <a:ea typeface="+mn-lt"/>
+              <a:cs typeface="+mn-lt"/>
+            </a:endParaRPr>
+          </a:p>
+          <a:p>
+            <a:pPr marL="342900" indent="-342900">
+              <a:buFont typeface="Wingdings"/>
+              <a:buChar char="Ø"/>
+            </a:pPr>
+            <a:r>
+              <a:rPr lang="en-GB" sz="2000" dirty="0">
+                <a:latin typeface="Times New Roman"/>
+                <a:ea typeface="+mn-lt"/>
+                <a:cs typeface="+mn-lt"/>
+              </a:rPr>
+              <a:t>Ekta </a:t>
+            </a:r>
+            <a:r>
+              <a:rPr lang="en-GB" sz="2000" dirty="0" err="1">
+                <a:latin typeface="Times New Roman"/>
+                <a:ea typeface="+mn-lt"/>
+                <a:cs typeface="+mn-lt"/>
+              </a:rPr>
+              <a:t>Gandotra</a:t>
+            </a:r>
+            <a:r>
+              <a:rPr lang="en-GB" sz="2000" dirty="0">
+                <a:latin typeface="Times New Roman"/>
+                <a:ea typeface="+mn-lt"/>
+                <a:cs typeface="+mn-lt"/>
+              </a:rPr>
+              <a:t>, Divya Bansal, Sanjeev </a:t>
+            </a:r>
+            <a:r>
+              <a:rPr lang="en-GB" sz="2000" dirty="0" err="1">
+                <a:latin typeface="Times New Roman"/>
+                <a:ea typeface="+mn-lt"/>
+                <a:cs typeface="+mn-lt"/>
+              </a:rPr>
+              <a:t>Sofat</a:t>
+            </a:r>
+            <a:r>
+              <a:rPr lang="en-GB" sz="2000" dirty="0">
+                <a:latin typeface="Times New Roman"/>
+                <a:ea typeface="+mn-lt"/>
+                <a:cs typeface="+mn-lt"/>
+              </a:rPr>
+              <a:t> 2014, ‘Malware Analysis and Classification: A </a:t>
+            </a:r>
+            <a:r>
+              <a:rPr lang="en-GB" sz="2000" dirty="0" err="1">
+                <a:latin typeface="Times New Roman"/>
+                <a:ea typeface="+mn-lt"/>
+                <a:cs typeface="+mn-lt"/>
+              </a:rPr>
+              <a:t>Survey’available</a:t>
+            </a:r>
+            <a:r>
+              <a:rPr lang="en-GB" sz="2000" dirty="0">
+                <a:latin typeface="Times New Roman"/>
+                <a:ea typeface="+mn-lt"/>
+                <a:cs typeface="+mn-lt"/>
+              </a:rPr>
+              <a:t> from http:// www.scirp.org/journal/jis </a:t>
+            </a:r>
+            <a:endParaRPr lang="en-US" sz="2000" dirty="0">
+              <a:latin typeface="Times New Roman"/>
+              <a:ea typeface="+mn-lt"/>
+              <a:cs typeface="+mn-lt"/>
+            </a:endParaRPr>
+          </a:p>
+          <a:p>
+            <a:pPr marL="342900" indent="-342900">
+              <a:buFont typeface="Wingdings"/>
+              <a:buChar char="Ø"/>
+            </a:pPr>
+            <a:r>
+              <a:rPr lang="en-GB" sz="2000" dirty="0">
+                <a:latin typeface="Times New Roman"/>
+                <a:ea typeface="+mn-lt"/>
+                <a:cs typeface="+mn-lt"/>
+              </a:rPr>
+              <a:t>J. R. Quinlan. Induction of Decision Tree. Machine Learning, Vol. 1, No. 1. pp. 81-106., 1086. </a:t>
+            </a:r>
+            <a:endParaRPr lang="en-US" sz="2000" dirty="0">
+              <a:latin typeface="Times New Roman"/>
+              <a:ea typeface="+mn-lt"/>
+              <a:cs typeface="+mn-lt"/>
+            </a:endParaRPr>
+          </a:p>
+          <a:p>
+            <a:pPr marL="342900" indent="-342900">
+              <a:buFont typeface="Wingdings"/>
+              <a:buChar char="Ø"/>
+            </a:pPr>
+            <a:r>
+              <a:rPr lang="en-GB" sz="2000" dirty="0">
+                <a:latin typeface="Times New Roman"/>
+                <a:ea typeface="+mn-lt"/>
+                <a:cs typeface="+mn-lt"/>
+              </a:rPr>
+              <a:t>Mean Decrease Accuracy https://dinsdalelab.sdsu.edu/metag.stats/code/randomforest.hml </a:t>
+            </a:r>
+            <a:endParaRPr lang="en-US" sz="2000" dirty="0">
+              <a:latin typeface="Times New Roman"/>
+              <a:ea typeface="+mn-lt"/>
+              <a:cs typeface="+mn-lt"/>
+            </a:endParaRPr>
+          </a:p>
+          <a:p>
+            <a:pPr marL="342900" indent="-342900">
+              <a:buFont typeface="Wingdings"/>
+              <a:buChar char="Ø"/>
+            </a:pPr>
+            <a:r>
+              <a:rPr lang="en-GB" sz="2000" dirty="0">
+                <a:latin typeface="Times New Roman"/>
+              </a:rPr>
+              <a:t>J.R. Quinlan. Induction of decision trees. </a:t>
+            </a:r>
+            <a:r>
+              <a:rPr lang="en-GB" sz="2000" err="1">
+                <a:latin typeface="Times New Roman"/>
+              </a:rPr>
+              <a:t>MachinelearningSpringer</a:t>
+            </a:r>
+            <a:r>
+              <a:rPr lang="en-GB" sz="2000" dirty="0">
+                <a:latin typeface="Times New Roman"/>
+              </a:rPr>
+              <a:t>, 1(1):81–106, 1086. </a:t>
+            </a:r>
+            <a:endParaRPr lang="en-US" sz="2000">
+              <a:latin typeface="Times New Roman"/>
+              <a:cs typeface="Times New Roman"/>
+            </a:endParaRPr>
+          </a:p>
+          <a:p>
+            <a:pPr marL="342900" indent="-342900">
+              <a:buFont typeface="Wingdings"/>
+              <a:buChar char="Ø"/>
+            </a:pPr>
+            <a:r>
+              <a:rPr lang="en-GB" sz="2000" dirty="0">
+                <a:latin typeface="Times New Roman"/>
+              </a:rPr>
+              <a:t>Andy Liaw and Matthew Wiener. Classification and Regression by </a:t>
+            </a:r>
+            <a:r>
+              <a:rPr lang="en-GB" sz="2000" err="1">
+                <a:latin typeface="Times New Roman"/>
+              </a:rPr>
+              <a:t>randomForest</a:t>
+            </a:r>
+            <a:r>
+              <a:rPr lang="en-GB" sz="2000" dirty="0">
+                <a:latin typeface="Times New Roman"/>
+              </a:rPr>
+              <a:t>. R News( http://CRAN.R-project.org/doc/Rnews/ ), 2(3):9–22, 2002. </a:t>
+            </a:r>
+            <a:endParaRPr lang="en-US" sz="2000">
+              <a:latin typeface="Times New Roman"/>
+              <a:cs typeface="Times New Roman"/>
+            </a:endParaRPr>
+          </a:p>
+        </p:txBody>
+      </p:sp>
+    </p:spTree>
+    <p:extLst>
+      <p:ext uri="{BB962C8B-B14F-4D97-AF65-F5344CB8AC3E}">
+        <p14:creationId xmlns:p14="http://schemas.microsoft.com/office/powerpoint/2010/main" xmlns="" val="3774004363"/>
+      </p:ext>
+    </p:extLst>
+  </p:cSld>
+  <p:clrMapOvr>
+    <a:masterClrMapping/>
+  </p:clrMapOvr>
+  <p:timing>
+    <p:tnLst>
+      <p:par>
+        <p:cTn id="1" dur="indefinite" restart="never" nodeType="tmRoot"/>
+      </p:par>
+    </p:tnLst>
+  </p:timing>
+</p:sld>
+</file>
+
+<file path=ppt/slides/slide18.xml><?xml version="1.0" encoding="utf-8"?>
 <p:sld xmlns:a="http://schemas.openxmlformats.org/drawingml/2006/main" xmlns:r="http://schemas.openxmlformats.org/officeDocument/2006/relationships" xmlns:p="http://schemas.openxmlformats.org/presentationml/2006/main">
   <p:cSld>
     <p:bg>
@@ -5432,10 +5763,10 @@
           <p:cNvPr id="7" name="Rectangle 7">
             <a:extLst>
               <a:ext uri="{FF2B5EF4-FFF2-40B4-BE49-F238E27FC236}">
-                <a16:creationId xmlns="" xmlns:a16="http://schemas.microsoft.com/office/drawing/2014/main" id="{652BD35A-BC99-4831-A358-06E2CEB96697}"/>
+                <a16:creationId xmlns:a16="http://schemas.microsoft.com/office/drawing/2014/main" xmlns="" id="{652BD35A-BC99-4831-A358-06E2CEB96697}"/>
               </a:ext>
               <a:ext uri="{C183D7F6-B498-43B3-948B-1728B52AA6E4}">
-                <adec:decorative xmlns="" xmlns:adec="http://schemas.microsoft.com/office/drawing/2017/decorative" val="1"/>
+                <adec:decorative xmlns:adec="http://schemas.microsoft.com/office/drawing/2017/decorative" xmlns="" val="1"/>
               </a:ext>
             </a:extLst>
           </p:cNvPr>
@@ -5445,7 +5776,7 @@
           <p:nvPr>
             <p:extLst>
               <p:ext uri="{386F3935-93C4-4BCD-93E2-E3B085C9AB24}">
-                <p16:designElem xmlns="" xmlns:p16="http://schemas.microsoft.com/office/powerpoint/2015/main" val="1"/>
+                <p16:designElem xmlns:p16="http://schemas.microsoft.com/office/powerpoint/2015/main" xmlns="" val="1"/>
               </p:ext>
             </p:extLst>
           </p:nvPr>
@@ -5492,10 +5823,10 @@
           <p:cNvPr id="9" name="Rectangle 9">
             <a:extLst>
               <a:ext uri="{FF2B5EF4-FFF2-40B4-BE49-F238E27FC236}">
-                <a16:creationId xmlns="" xmlns:a16="http://schemas.microsoft.com/office/drawing/2014/main" id="{B76E24C1-2968-40DC-A36E-F6B85F0F0752}"/>
+                <a16:creationId xmlns:a16="http://schemas.microsoft.com/office/drawing/2014/main" xmlns="" id="{B76E24C1-2968-40DC-A36E-F6B85F0F0752}"/>
               </a:ext>
               <a:ext uri="{C183D7F6-B498-43B3-948B-1728B52AA6E4}">
-                <adec:decorative xmlns="" xmlns:adec="http://schemas.microsoft.com/office/drawing/2017/decorative" val="1"/>
+                <adec:decorative xmlns:adec="http://schemas.microsoft.com/office/drawing/2017/decorative" xmlns="" val="1"/>
               </a:ext>
             </a:extLst>
           </p:cNvPr>
@@ -5505,7 +5836,7 @@
           <p:nvPr>
             <p:extLst>
               <p:ext uri="{386F3935-93C4-4BCD-93E2-E3B085C9AB24}">
-                <p16:designElem xmlns="" xmlns:p16="http://schemas.microsoft.com/office/powerpoint/2015/main" val="1"/>
+                <p16:designElem xmlns:p16="http://schemas.microsoft.com/office/powerpoint/2015/main" xmlns="" val="1"/>
               </p:ext>
             </p:extLst>
           </p:nvPr>
@@ -5561,7 +5892,7 @@
           <p:cNvPr id="3" name="Picture 3" descr="Logo&#10;&#10;Description automatically generated">
             <a:extLst>
               <a:ext uri="{FF2B5EF4-FFF2-40B4-BE49-F238E27FC236}">
-                <a16:creationId xmlns="" xmlns:a16="http://schemas.microsoft.com/office/drawing/2014/main" id="{7C52C8F7-27E1-4ABB-8CAB-B8F655A8C7E1}"/>
+                <a16:creationId xmlns:a16="http://schemas.microsoft.com/office/drawing/2014/main" xmlns="" id="{7C52C8F7-27E1-4ABB-8CAB-B8F655A8C7E1}"/>
               </a:ext>
             </a:extLst>
           </p:cNvPr>
@@ -5589,7 +5920,7 @@
     </p:spTree>
     <p:extLst>
       <p:ext uri="{BB962C8B-B14F-4D97-AF65-F5344CB8AC3E}">
-        <p14:creationId xmlns="" xmlns:p14="http://schemas.microsoft.com/office/powerpoint/2010/main" val="3608156392"/>
+        <p14:creationId xmlns:p14="http://schemas.microsoft.com/office/powerpoint/2010/main" xmlns="" val="3608156392"/>
       </p:ext>
     </p:extLst>
   </p:cSld>
@@ -5628,7 +5959,7 @@
           <p:cNvPr id="2" name="Title 1">
             <a:extLst>
               <a:ext uri="{FF2B5EF4-FFF2-40B4-BE49-F238E27FC236}">
-                <a16:creationId xmlns="" xmlns:a16="http://schemas.microsoft.com/office/drawing/2014/main" id="{F6478EB3-06D0-41A0-9541-BF7D298A897C}"/>
+                <a16:creationId xmlns:a16="http://schemas.microsoft.com/office/drawing/2014/main" xmlns="" id="{F6478EB3-06D0-41A0-9541-BF7D298A897C}"/>
               </a:ext>
             </a:extLst>
           </p:cNvPr>
@@ -5656,7 +5987,7 @@
           <p:cNvPr id="3" name="TextBox 1">
             <a:extLst>
               <a:ext uri="{FF2B5EF4-FFF2-40B4-BE49-F238E27FC236}">
-                <a16:creationId xmlns="" xmlns:a16="http://schemas.microsoft.com/office/drawing/2014/main" id="{1FB63A13-8507-4C2B-AC5B-46F91920F675}"/>
+                <a16:creationId xmlns:a16="http://schemas.microsoft.com/office/drawing/2014/main" xmlns="" id="{1FB63A13-8507-4C2B-AC5B-46F91920F675}"/>
               </a:ext>
             </a:extLst>
           </p:cNvPr>
@@ -5863,7 +6194,7 @@
               <a:buChar char="ü"/>
             </a:pPr>
             <a:r>
-              <a:rPr lang="en-GB" sz="2000" smtClean="0">
+              <a:rPr lang="en-GB" sz="2000" dirty="0" smtClean="0">
                 <a:latin typeface="Times New Roman"/>
                 <a:ea typeface="+mn-lt"/>
                 <a:cs typeface="+mn-lt"/>
@@ -5877,7 +6208,7 @@
               <a:buChar char="ü"/>
             </a:pPr>
             <a:r>
-              <a:rPr lang="en-GB" sz="2000" smtClean="0">
+              <a:rPr lang="en-GB" sz="2000" dirty="0" smtClean="0">
                 <a:latin typeface="Times New Roman"/>
                 <a:cs typeface="Times New Roman"/>
               </a:rPr>
@@ -5939,7 +6270,7 @@
     </p:spTree>
     <p:extLst>
       <p:ext uri="{BB962C8B-B14F-4D97-AF65-F5344CB8AC3E}">
-        <p14:creationId xmlns="" xmlns:p14="http://schemas.microsoft.com/office/powerpoint/2010/main" val="2045317252"/>
+        <p14:creationId xmlns:p14="http://schemas.microsoft.com/office/powerpoint/2010/main" xmlns="" val="2045317252"/>
       </p:ext>
     </p:extLst>
   </p:cSld>
@@ -5978,7 +6309,7 @@
           <p:cNvPr id="2" name="Title 1">
             <a:extLst>
               <a:ext uri="{FF2B5EF4-FFF2-40B4-BE49-F238E27FC236}">
-                <a16:creationId xmlns="" xmlns:a16="http://schemas.microsoft.com/office/drawing/2014/main" id="{1E1FDA13-172F-4996-B20F-B5FF6E0AFDFF}"/>
+                <a16:creationId xmlns:a16="http://schemas.microsoft.com/office/drawing/2014/main" xmlns="" id="{1E1FDA13-172F-4996-B20F-B5FF6E0AFDFF}"/>
               </a:ext>
             </a:extLst>
           </p:cNvPr>
@@ -6006,7 +6337,7 @@
           <p:cNvPr id="3" name="TextBox 2">
             <a:extLst>
               <a:ext uri="{FF2B5EF4-FFF2-40B4-BE49-F238E27FC236}">
-                <a16:creationId xmlns="" xmlns:a16="http://schemas.microsoft.com/office/drawing/2014/main" id="{4136E7E8-C9F4-4E1C-B26D-D9D6292DAB1E}"/>
+                <a16:creationId xmlns:a16="http://schemas.microsoft.com/office/drawing/2014/main" xmlns="" id="{4136E7E8-C9F4-4E1C-B26D-D9D6292DAB1E}"/>
               </a:ext>
             </a:extLst>
           </p:cNvPr>
@@ -6037,14 +6368,14 @@
               <a:buChar char="Ø"/>
             </a:pPr>
             <a:r>
-              <a:rPr lang="en-IN" sz="2000">
+              <a:rPr lang="en-IN" sz="2000" dirty="0">
                 <a:latin typeface="Times New Roman"/>
                 <a:ea typeface="+mn-lt"/>
                 <a:cs typeface="+mn-lt"/>
               </a:rPr>
               <a:t>Banking Customer and Loan Prediction System is a system that can be used by bank employee to verify with the previous loan applicants data and whether the application was approved or not for the current customer. </a:t>
             </a:r>
-            <a:endParaRPr lang="en-US" sz="2000">
+            <a:endParaRPr lang="en-US" sz="2000" dirty="0">
               <a:latin typeface="Times New Roman"/>
               <a:ea typeface="+mn-lt"/>
               <a:cs typeface="+mn-lt"/>
@@ -6056,7 +6387,7 @@
               <a:buChar char="Ø"/>
             </a:pPr>
             <a:r>
-              <a:rPr lang="en-IN" sz="2000">
+              <a:rPr lang="en-IN" sz="2000" dirty="0">
                 <a:latin typeface="Times New Roman"/>
                 <a:ea typeface="+mn-lt"/>
                 <a:cs typeface="+mn-lt"/>
@@ -6071,7 +6402,7 @@
               </a:rPr>
               <a:t> </a:t>
             </a:r>
-            <a:endParaRPr lang="en-US" sz="2000">
+            <a:endParaRPr lang="en-US" sz="2000" dirty="0">
               <a:latin typeface="Times New Roman"/>
             </a:endParaRPr>
           </a:p>
@@ -6080,7 +6411,7 @@
     </p:spTree>
     <p:extLst>
       <p:ext uri="{BB962C8B-B14F-4D97-AF65-F5344CB8AC3E}">
-        <p14:creationId xmlns="" xmlns:p14="http://schemas.microsoft.com/office/powerpoint/2010/main" val="912343154"/>
+        <p14:creationId xmlns:p14="http://schemas.microsoft.com/office/powerpoint/2010/main" xmlns="" val="912343154"/>
       </p:ext>
     </p:extLst>
   </p:cSld>
@@ -6119,7 +6450,7 @@
           <p:cNvPr id="2" name="Title 1">
             <a:extLst>
               <a:ext uri="{FF2B5EF4-FFF2-40B4-BE49-F238E27FC236}">
-                <a16:creationId xmlns="" xmlns:a16="http://schemas.microsoft.com/office/drawing/2014/main" id="{5F521A64-86E1-4210-AD7D-D7BBAB313168}"/>
+                <a16:creationId xmlns:a16="http://schemas.microsoft.com/office/drawing/2014/main" xmlns="" id="{5F521A64-86E1-4210-AD7D-D7BBAB313168}"/>
               </a:ext>
             </a:extLst>
           </p:cNvPr>
@@ -6147,7 +6478,7 @@
           <p:cNvPr id="3" name="TextBox 2">
             <a:extLst>
               <a:ext uri="{FF2B5EF4-FFF2-40B4-BE49-F238E27FC236}">
-                <a16:creationId xmlns="" xmlns:a16="http://schemas.microsoft.com/office/drawing/2014/main" id="{BF4AD675-506A-4C95-B98F-741D1133A045}"/>
+                <a16:creationId xmlns:a16="http://schemas.microsoft.com/office/drawing/2014/main" xmlns="" id="{BF4AD675-506A-4C95-B98F-741D1133A045}"/>
               </a:ext>
             </a:extLst>
           </p:cNvPr>
@@ -6213,7 +6544,7 @@
     </p:spTree>
     <p:extLst>
       <p:ext uri="{BB962C8B-B14F-4D97-AF65-F5344CB8AC3E}">
-        <p14:creationId xmlns="" xmlns:p14="http://schemas.microsoft.com/office/powerpoint/2010/main" val="1387169408"/>
+        <p14:creationId xmlns:p14="http://schemas.microsoft.com/office/powerpoint/2010/main" xmlns="" val="1387169408"/>
       </p:ext>
     </p:extLst>
   </p:cSld>
@@ -6252,7 +6583,7 @@
           <p:cNvPr id="2" name="Title 1">
             <a:extLst>
               <a:ext uri="{FF2B5EF4-FFF2-40B4-BE49-F238E27FC236}">
-                <a16:creationId xmlns="" xmlns:a16="http://schemas.microsoft.com/office/drawing/2014/main" id="{1F4FA304-CF1D-417A-84FF-9AFF126E5303}"/>
+                <a16:creationId xmlns:a16="http://schemas.microsoft.com/office/drawing/2014/main" xmlns="" id="{1F4FA304-CF1D-417A-84FF-9AFF126E5303}"/>
               </a:ext>
             </a:extLst>
           </p:cNvPr>
@@ -6280,7 +6611,7 @@
           <p:cNvPr id="3" name="TextBox 1">
             <a:extLst>
               <a:ext uri="{FF2B5EF4-FFF2-40B4-BE49-F238E27FC236}">
-                <a16:creationId xmlns="" xmlns:a16="http://schemas.microsoft.com/office/drawing/2014/main" id="{3B4D3E40-263C-4EC8-8633-0D189CC159B9}"/>
+                <a16:creationId xmlns:a16="http://schemas.microsoft.com/office/drawing/2014/main" xmlns="" id="{3B4D3E40-263C-4EC8-8633-0D189CC159B9}"/>
               </a:ext>
             </a:extLst>
           </p:cNvPr>
@@ -6518,7 +6849,7 @@
           <p:cNvPr id="4" name="Picture 4" descr="Diagram, schematic&#10;&#10;Description automatically generated">
             <a:extLst>
               <a:ext uri="{FF2B5EF4-FFF2-40B4-BE49-F238E27FC236}">
-                <a16:creationId xmlns="" xmlns:a16="http://schemas.microsoft.com/office/drawing/2014/main" id="{614D622B-914D-4AD1-B325-D61C5CE6A878}"/>
+                <a16:creationId xmlns:a16="http://schemas.microsoft.com/office/drawing/2014/main" xmlns="" id="{614D622B-914D-4AD1-B325-D61C5CE6A878}"/>
               </a:ext>
             </a:extLst>
           </p:cNvPr>
@@ -6546,7 +6877,7 @@
     </p:spTree>
     <p:extLst>
       <p:ext uri="{BB962C8B-B14F-4D97-AF65-F5344CB8AC3E}">
-        <p14:creationId xmlns="" xmlns:p14="http://schemas.microsoft.com/office/powerpoint/2010/main" val="718121903"/>
+        <p14:creationId xmlns:p14="http://schemas.microsoft.com/office/powerpoint/2010/main" xmlns="" val="718121903"/>
       </p:ext>
     </p:extLst>
   </p:cSld>
@@ -6585,7 +6916,7 @@
           <p:cNvPr id="2" name="Title 1">
             <a:extLst>
               <a:ext uri="{FF2B5EF4-FFF2-40B4-BE49-F238E27FC236}">
-                <a16:creationId xmlns="" xmlns:a16="http://schemas.microsoft.com/office/drawing/2014/main" id="{6E8CD4D5-3C63-4205-A887-5258481649EB}"/>
+                <a16:creationId xmlns:a16="http://schemas.microsoft.com/office/drawing/2014/main" xmlns="" id="{6E8CD4D5-3C63-4205-A887-5258481649EB}"/>
               </a:ext>
             </a:extLst>
           </p:cNvPr>
@@ -6613,7 +6944,7 @@
           <p:cNvPr id="3" name="TextBox 2">
             <a:extLst>
               <a:ext uri="{FF2B5EF4-FFF2-40B4-BE49-F238E27FC236}">
-                <a16:creationId xmlns="" xmlns:a16="http://schemas.microsoft.com/office/drawing/2014/main" id="{EAFB08F2-640E-4BB8-A97A-869F490958E7}"/>
+                <a16:creationId xmlns:a16="http://schemas.microsoft.com/office/drawing/2014/main" xmlns="" id="{EAFB08F2-640E-4BB8-A97A-869F490958E7}"/>
               </a:ext>
             </a:extLst>
           </p:cNvPr>
@@ -6721,7 +7052,7 @@
     </p:spTree>
     <p:extLst>
       <p:ext uri="{BB962C8B-B14F-4D97-AF65-F5344CB8AC3E}">
-        <p14:creationId xmlns="" xmlns:p14="http://schemas.microsoft.com/office/powerpoint/2010/main" val="816336614"/>
+        <p14:creationId xmlns:p14="http://schemas.microsoft.com/office/powerpoint/2010/main" xmlns="" val="816336614"/>
       </p:ext>
     </p:extLst>
   </p:cSld>
@@ -6760,7 +7091,7 @@
           <p:cNvPr id="2" name="Title 1">
             <a:extLst>
               <a:ext uri="{FF2B5EF4-FFF2-40B4-BE49-F238E27FC236}">
-                <a16:creationId xmlns="" xmlns:a16="http://schemas.microsoft.com/office/drawing/2014/main" id="{830926B6-D2E0-4180-8932-E710E6F107BA}"/>
+                <a16:creationId xmlns:a16="http://schemas.microsoft.com/office/drawing/2014/main" xmlns="" id="{830926B6-D2E0-4180-8932-E710E6F107BA}"/>
               </a:ext>
             </a:extLst>
           </p:cNvPr>
@@ -6788,7 +7119,7 @@
           <p:cNvPr id="3" name="TextBox 1">
             <a:extLst>
               <a:ext uri="{FF2B5EF4-FFF2-40B4-BE49-F238E27FC236}">
-                <a16:creationId xmlns="" xmlns:a16="http://schemas.microsoft.com/office/drawing/2014/main" id="{A8181078-09FD-48B9-8E4D-2A4F6DA2120B}"/>
+                <a16:creationId xmlns:a16="http://schemas.microsoft.com/office/drawing/2014/main" xmlns="" id="{A8181078-09FD-48B9-8E4D-2A4F6DA2120B}"/>
               </a:ext>
             </a:extLst>
           </p:cNvPr>
@@ -7160,7 +7491,7 @@
     </p:spTree>
     <p:extLst>
       <p:ext uri="{BB962C8B-B14F-4D97-AF65-F5344CB8AC3E}">
-        <p14:creationId xmlns="" xmlns:p14="http://schemas.microsoft.com/office/powerpoint/2010/main" val="2795050434"/>
+        <p14:creationId xmlns:p14="http://schemas.microsoft.com/office/powerpoint/2010/main" xmlns="" val="2795050434"/>
       </p:ext>
     </p:extLst>
   </p:cSld>
@@ -7199,7 +7530,7 @@
           <p:cNvPr id="2" name="Title 1">
             <a:extLst>
               <a:ext uri="{FF2B5EF4-FFF2-40B4-BE49-F238E27FC236}">
-                <a16:creationId xmlns="" xmlns:a16="http://schemas.microsoft.com/office/drawing/2014/main" id="{DEBEC22B-47A0-4616-8ADF-42C3DD6CF981}"/>
+                <a16:creationId xmlns:a16="http://schemas.microsoft.com/office/drawing/2014/main" xmlns="" id="{DEBEC22B-47A0-4616-8ADF-42C3DD6CF981}"/>
               </a:ext>
             </a:extLst>
           </p:cNvPr>
@@ -7227,7 +7558,7 @@
           <p:cNvPr id="3" name="TextBox 2">
             <a:extLst>
               <a:ext uri="{FF2B5EF4-FFF2-40B4-BE49-F238E27FC236}">
-                <a16:creationId xmlns="" xmlns:a16="http://schemas.microsoft.com/office/drawing/2014/main" id="{26D6B6AB-CD18-4CEF-B1F8-4085482C790E}"/>
+                <a16:creationId xmlns:a16="http://schemas.microsoft.com/office/drawing/2014/main" xmlns="" id="{26D6B6AB-CD18-4CEF-B1F8-4085482C790E}"/>
               </a:ext>
             </a:extLst>
           </p:cNvPr>
@@ -7236,8 +7567,8 @@
         </p:nvSpPr>
         <p:spPr>
           <a:xfrm>
-            <a:off x="1526005" y="2388268"/>
-            <a:ext cx="2743200" cy="2246769"/>
+            <a:off x="1526004" y="1827578"/>
+            <a:ext cx="8411625" cy="4832092"/>
           </a:xfrm>
           <a:prstGeom prst="rect">
             <a:avLst/>
@@ -7265,13 +7596,47 @@
               <a:t>Numpy</a:t>
             </a:r>
             <a:r>
-              <a:rPr lang="en-US" sz="2000" dirty="0">
+              <a:rPr lang="en-US" sz="2000" dirty="0" smtClean="0">
                 <a:latin typeface="Times New Roman"/>
                 <a:cs typeface="Arial"/>
               </a:rPr>
               <a:t>​</a:t>
             </a:r>
-            <a:endParaRPr lang="en-US" sz="2000">
+          </a:p>
+          <a:p>
+            <a:pPr marL="742950" lvl="1" indent="-285750">
+              <a:buFont typeface="Wingdings" pitchFamily="2" charset="2"/>
+              <a:buChar char="ü"/>
+            </a:pPr>
+            <a:r>
+              <a:rPr lang="en-US" sz="1200" dirty="0" err="1" smtClean="0">
+                <a:latin typeface="Times New Roman"/>
+                <a:cs typeface="Times New Roman"/>
+              </a:rPr>
+              <a:t>NumPy</a:t>
+            </a:r>
+            <a:r>
+              <a:rPr lang="en-US" sz="1200" dirty="0" smtClean="0">
+                <a:latin typeface="Times New Roman"/>
+                <a:cs typeface="Times New Roman"/>
+              </a:rPr>
+              <a:t> is a Python library used for working with arrays. It also has functions for working in domain of   linear algebra, </a:t>
+            </a:r>
+            <a:r>
+              <a:rPr lang="en-US" sz="1200" dirty="0" err="1" smtClean="0">
+                <a:latin typeface="Times New Roman"/>
+                <a:cs typeface="Times New Roman"/>
+              </a:rPr>
+              <a:t>fourier</a:t>
+            </a:r>
+            <a:r>
+              <a:rPr lang="en-US" sz="1200" dirty="0" smtClean="0">
+                <a:latin typeface="Times New Roman"/>
+                <a:cs typeface="Times New Roman"/>
+              </a:rPr>
+              <a:t> transform, and matrices.</a:t>
+            </a:r>
+            <a:endParaRPr lang="en-US" sz="2000" dirty="0">
               <a:latin typeface="Times New Roman"/>
               <a:cs typeface="Times New Roman"/>
             </a:endParaRPr>
@@ -7286,8 +7651,32 @@
                 <a:latin typeface="Times New Roman"/>
                 <a:cs typeface="Arial"/>
               </a:rPr>
-              <a:t>Pandas​</a:t>
-            </a:r>
+              <a:t>Pandas</a:t>
+            </a:r>
+            <a:r>
+              <a:rPr lang="en-GB" sz="2000" dirty="0" smtClean="0">
+                <a:latin typeface="Times New Roman"/>
+                <a:cs typeface="Arial"/>
+              </a:rPr>
+              <a:t>​</a:t>
+            </a:r>
+          </a:p>
+          <a:p>
+            <a:pPr marL="742950" lvl="1" indent="-285750">
+              <a:buFont typeface="Wingdings" pitchFamily="2" charset="2"/>
+              <a:buChar char="ü"/>
+            </a:pPr>
+            <a:r>
+              <a:rPr lang="en-US" sz="1200" dirty="0" smtClean="0">
+                <a:latin typeface="Times New Roman"/>
+                <a:cs typeface="Arial"/>
+              </a:rPr>
+              <a:t> Pandas is mainly used for data analysis. Pandas allows importing data from various file formats such as JSON, SQL, Microsoft Excel.</a:t>
+            </a:r>
+            <a:endParaRPr lang="en-GB" sz="2000" dirty="0">
+              <a:latin typeface="Times New Roman"/>
+              <a:cs typeface="Arial"/>
+            </a:endParaRPr>
           </a:p>
           <a:p>
             <a:pPr marL="285750" indent="-285750">
@@ -7295,12 +7684,57 @@
               <a:buChar char="Ø"/>
             </a:pPr>
             <a:r>
-              <a:rPr lang="en-GB" sz="2000" dirty="0">
+              <a:rPr lang="en-GB" sz="2000" dirty="0" err="1">
                 <a:latin typeface="Times New Roman"/>
                 <a:cs typeface="Arial"/>
               </a:rPr>
-              <a:t>Matplotlib​</a:t>
-            </a:r>
+              <a:t>Matplotlib</a:t>
+            </a:r>
+            <a:r>
+              <a:rPr lang="en-GB" sz="2000" dirty="0" smtClean="0">
+                <a:latin typeface="Times New Roman"/>
+                <a:cs typeface="Arial"/>
+              </a:rPr>
+              <a:t>​</a:t>
+            </a:r>
+          </a:p>
+          <a:p>
+            <a:pPr marL="742950" lvl="1" indent="-285750">
+              <a:buFont typeface="Wingdings" pitchFamily="2" charset="2"/>
+              <a:buChar char="ü"/>
+            </a:pPr>
+            <a:r>
+              <a:rPr lang="en-US" sz="1200" dirty="0" err="1" smtClean="0">
+                <a:latin typeface="Times New Roman"/>
+                <a:cs typeface="Arial"/>
+              </a:rPr>
+              <a:t>matplotlib.pyplot</a:t>
+            </a:r>
+            <a:r>
+              <a:rPr lang="en-US" sz="1200" dirty="0" smtClean="0">
+                <a:latin typeface="Times New Roman"/>
+                <a:cs typeface="Arial"/>
+              </a:rPr>
+              <a:t> is a collection of functions that make </a:t>
+            </a:r>
+            <a:r>
+              <a:rPr lang="en-US" sz="1200" dirty="0" err="1" smtClean="0">
+                <a:latin typeface="Times New Roman"/>
+                <a:cs typeface="Arial"/>
+              </a:rPr>
+              <a:t>matplotlib</a:t>
+            </a:r>
+            <a:r>
+              <a:rPr lang="en-US" sz="1200" dirty="0" smtClean="0">
+                <a:latin typeface="Times New Roman"/>
+                <a:cs typeface="Arial"/>
+              </a:rPr>
+              <a:t> work like MATLAB.</a:t>
+            </a:r>
+            <a:endParaRPr lang="en-GB" sz="2000" dirty="0">
+              <a:latin typeface="Times New Roman"/>
+              <a:cs typeface="Arial"/>
+            </a:endParaRPr>
           </a:p>
           <a:p>
             <a:pPr marL="285750" indent="-285750">
@@ -7308,12 +7742,57 @@
               <a:buChar char="Ø"/>
             </a:pPr>
             <a:r>
+              <a:rPr lang="en-GB" sz="2000" dirty="0" err="1">
+                <a:latin typeface="Times New Roman"/>
+                <a:cs typeface="Arial"/>
+              </a:rPr>
+              <a:t>Scikit</a:t>
+            </a:r>
+            <a:r>
               <a:rPr lang="en-GB" sz="2000" dirty="0">
                 <a:latin typeface="Times New Roman"/>
                 <a:cs typeface="Arial"/>
               </a:rPr>
-              <a:t>Scikit-learn​</a:t>
-            </a:r>
+              <a:t>-learn</a:t>
+            </a:r>
+            <a:r>
+              <a:rPr lang="en-GB" sz="2000" dirty="0" smtClean="0">
+                <a:latin typeface="Times New Roman"/>
+                <a:cs typeface="Arial"/>
+              </a:rPr>
+              <a:t>​</a:t>
+            </a:r>
+          </a:p>
+          <a:p>
+            <a:pPr marL="742950" lvl="1" indent="-285750">
+              <a:buFont typeface="Wingdings" pitchFamily="2" charset="2"/>
+              <a:buChar char="ü"/>
+            </a:pPr>
+            <a:r>
+              <a:rPr lang="en-US" sz="1200" dirty="0" smtClean="0">
+                <a:latin typeface="Times New Roman"/>
+                <a:cs typeface="Arial"/>
+              </a:rPr>
+              <a:t>The </a:t>
+            </a:r>
+            <a:r>
+              <a:rPr lang="en-US" sz="1200" dirty="0" err="1" smtClean="0">
+                <a:latin typeface="Times New Roman"/>
+                <a:cs typeface="Arial"/>
+              </a:rPr>
+              <a:t>sklearn</a:t>
+            </a:r>
+            <a:r>
+              <a:rPr lang="en-US" sz="1200" dirty="0" smtClean="0">
+                <a:latin typeface="Times New Roman"/>
+                <a:cs typeface="Arial"/>
+              </a:rPr>
+              <a:t> library contains a lot of efficient tools for machine learning and statistical modeling including classification, regression, clustering and dimensionality reduction.</a:t>
+            </a:r>
+            <a:endParaRPr lang="en-GB" sz="2000" dirty="0">
+              <a:latin typeface="Times New Roman"/>
+              <a:cs typeface="Arial"/>
+            </a:endParaRPr>
           </a:p>
           <a:p>
             <a:pPr marL="285750" indent="-285750">
@@ -7332,8 +7811,39 @@
                 <a:latin typeface="Times New Roman"/>
                 <a:cs typeface="Arial"/>
               </a:rPr>
-              <a:t> ​</a:t>
-            </a:r>
+              <a:t> </a:t>
+            </a:r>
+            <a:r>
+              <a:rPr lang="en-GB" sz="2000" dirty="0" smtClean="0">
+                <a:latin typeface="Times New Roman"/>
+                <a:cs typeface="Arial"/>
+              </a:rPr>
+              <a:t>​</a:t>
+            </a:r>
+          </a:p>
+          <a:p>
+            <a:pPr marL="742950" lvl="1" indent="-285750">
+              <a:buFont typeface="Wingdings" pitchFamily="2" charset="2"/>
+              <a:buChar char="ü"/>
+            </a:pPr>
+            <a:r>
+              <a:rPr lang="en-US" sz="1200" dirty="0" err="1" smtClean="0">
+                <a:latin typeface="Times New Roman"/>
+                <a:cs typeface="Arial"/>
+              </a:rPr>
+              <a:t>Keras</a:t>
+            </a:r>
+            <a:r>
+              <a:rPr lang="en-US" sz="1200" dirty="0" smtClean="0">
+                <a:latin typeface="Times New Roman"/>
+                <a:cs typeface="Arial"/>
+              </a:rPr>
+              <a:t> is the most used deep learning framework, it offers consistent &amp; simple APIs, it minimizes the number of user actions required for common use cases, and it provides clear &amp; actionable error messages.</a:t>
+            </a:r>
+            <a:endParaRPr lang="en-GB" sz="1200" dirty="0">
+              <a:latin typeface="Times New Roman"/>
+              <a:cs typeface="Arial"/>
+            </a:endParaRPr>
           </a:p>
           <a:p>
             <a:pPr marL="285750" indent="-285750">
@@ -7352,8 +7862,39 @@
                 <a:latin typeface="Times New Roman"/>
                 <a:cs typeface="Arial"/>
               </a:rPr>
-              <a:t> ​</a:t>
-            </a:r>
+              <a:t> </a:t>
+            </a:r>
+            <a:r>
+              <a:rPr lang="en-GB" sz="2000" dirty="0" smtClean="0">
+                <a:latin typeface="Times New Roman"/>
+                <a:cs typeface="Arial"/>
+              </a:rPr>
+              <a:t>​</a:t>
+            </a:r>
+          </a:p>
+          <a:p>
+            <a:pPr marL="742950" lvl="1" indent="-285750">
+              <a:buFont typeface="Wingdings" pitchFamily="2" charset="2"/>
+              <a:buChar char="ü"/>
+            </a:pPr>
+            <a:r>
+              <a:rPr lang="en-US" sz="1200" dirty="0" err="1" smtClean="0">
+                <a:latin typeface="Times New Roman"/>
+                <a:cs typeface="Arial"/>
+              </a:rPr>
+              <a:t>TensorFlow</a:t>
+            </a:r>
+            <a:r>
+              <a:rPr lang="en-US" sz="1200" dirty="0" smtClean="0">
+                <a:latin typeface="Times New Roman"/>
+                <a:cs typeface="Arial"/>
+              </a:rPr>
+              <a:t> is an end-to-end open source platform for machine learning. It has a comprehensive, flexible ecosystem of tools, libraries and community resources </a:t>
+            </a:r>
+            <a:endParaRPr lang="en-GB" sz="1200" dirty="0">
+              <a:latin typeface="Times New Roman"/>
+              <a:cs typeface="Arial"/>
+            </a:endParaRPr>
           </a:p>
           <a:p>
             <a:pPr marL="285750" indent="-285750">
@@ -7361,11 +7902,24 @@
               <a:buChar char="Ø"/>
             </a:pPr>
             <a:r>
-              <a:rPr lang="en-GB" sz="2000" dirty="0">
+              <a:rPr lang="en-GB" sz="2000" dirty="0" smtClean="0">
                 <a:latin typeface="Times New Roman"/>
                 <a:cs typeface="Arial"/>
               </a:rPr>
-              <a:t>Flask etc</a:t>
+              <a:t>Flask</a:t>
+            </a:r>
+          </a:p>
+          <a:p>
+            <a:pPr marL="742950" lvl="1" indent="-285750">
+              <a:buFont typeface="Wingdings" pitchFamily="2" charset="2"/>
+              <a:buChar char="ü"/>
+            </a:pPr>
+            <a:r>
+              <a:rPr lang="en-US" sz="1200" dirty="0" smtClean="0">
+                <a:latin typeface="Times New Roman"/>
+                <a:cs typeface="Arial"/>
+              </a:rPr>
+              <a:t>Flask is a popular Python web framework, meaning it is a third-party Python library used for developing web applications.</a:t>
             </a:r>
           </a:p>
         </p:txBody>
@@ -7373,7 +7927,7 @@
     </p:spTree>
     <p:extLst>
       <p:ext uri="{BB962C8B-B14F-4D97-AF65-F5344CB8AC3E}">
-        <p14:creationId xmlns="" xmlns:p14="http://schemas.microsoft.com/office/powerpoint/2010/main" val="699683135"/>
+        <p14:creationId xmlns:p14="http://schemas.microsoft.com/office/powerpoint/2010/main" xmlns="" val="699683135"/>
       </p:ext>
     </p:extLst>
   </p:cSld>
@@ -7412,7 +7966,7 @@
           <p:cNvPr id="2" name="Title 1">
             <a:extLst>
               <a:ext uri="{FF2B5EF4-FFF2-40B4-BE49-F238E27FC236}">
-                <a16:creationId xmlns="" xmlns:a16="http://schemas.microsoft.com/office/drawing/2014/main" id="{7B70BB88-AA2B-4652-B1ED-5F39A00CDE70}"/>
+                <a16:creationId xmlns:a16="http://schemas.microsoft.com/office/drawing/2014/main" xmlns="" id="{7B70BB88-AA2B-4652-B1ED-5F39A00CDE70}"/>
               </a:ext>
             </a:extLst>
           </p:cNvPr>
@@ -7440,7 +7994,7 @@
           <p:cNvPr id="3" name="TextBox 2">
             <a:extLst>
               <a:ext uri="{FF2B5EF4-FFF2-40B4-BE49-F238E27FC236}">
-                <a16:creationId xmlns="" xmlns:a16="http://schemas.microsoft.com/office/drawing/2014/main" id="{124BCEDC-B37F-4661-BD3D-29F0AB3A2A33}"/>
+                <a16:creationId xmlns:a16="http://schemas.microsoft.com/office/drawing/2014/main" xmlns="" id="{124BCEDC-B37F-4661-BD3D-29F0AB3A2A33}"/>
               </a:ext>
             </a:extLst>
           </p:cNvPr>
@@ -7475,7 +8029,7 @@
           <p:cNvPr id="4" name="TextBox 3">
             <a:extLst>
               <a:ext uri="{FF2B5EF4-FFF2-40B4-BE49-F238E27FC236}">
-                <a16:creationId xmlns="" xmlns:a16="http://schemas.microsoft.com/office/drawing/2014/main" id="{2341564D-8CAD-4499-BF65-3BD362C0B246}"/>
+                <a16:creationId xmlns:a16="http://schemas.microsoft.com/office/drawing/2014/main" xmlns="" id="{2341564D-8CAD-4499-BF65-3BD362C0B246}"/>
               </a:ext>
             </a:extLst>
           </p:cNvPr>
@@ -7514,7 +8068,7 @@
               </a:rPr>
               <a:t>https://www.kaggle.com/omkar5/dataset-for-bank-loan-prediction</a:t>
             </a:r>
-            <a:endParaRPr lang="en-US" sz="2000">
+            <a:endParaRPr lang="en-US" sz="2000" dirty="0">
               <a:latin typeface="Times New Roman"/>
               <a:ea typeface="+mn-lt"/>
               <a:cs typeface="+mn-lt"/>
@@ -7530,7 +8084,28 @@
                 <a:latin typeface="Times New Roman"/>
                 <a:cs typeface="Times New Roman"/>
               </a:rPr>
-              <a:t>Dataset have approximately 10000 users data.</a:t>
+              <a:t>Dataset have approximately </a:t>
+            </a:r>
+            <a:r>
+              <a:rPr lang="en-GB" sz="2000" dirty="0" smtClean="0">
+                <a:latin typeface="Times New Roman"/>
+                <a:cs typeface="Times New Roman"/>
+              </a:rPr>
+              <a:t>7</a:t>
+            </a:r>
+            <a:r>
+              <a:rPr lang="en-GB" sz="2000" dirty="0" smtClean="0">
+                <a:latin typeface="Times New Roman"/>
+                <a:cs typeface="Times New Roman"/>
+              </a:rPr>
+              <a:t>00 </a:t>
+            </a:r>
+            <a:r>
+              <a:rPr lang="en-GB" sz="2000" dirty="0">
+                <a:latin typeface="Times New Roman"/>
+                <a:cs typeface="Times New Roman"/>
+              </a:rPr>
+              <a:t>users data.</a:t>
             </a:r>
           </a:p>
         </p:txBody>
@@ -7538,7 +8113,7 @@
     </p:spTree>
     <p:extLst>
       <p:ext uri="{BB962C8B-B14F-4D97-AF65-F5344CB8AC3E}">
-        <p14:creationId xmlns="" xmlns:p14="http://schemas.microsoft.com/office/powerpoint/2010/main" val="1267493021"/>
+        <p14:creationId xmlns:p14="http://schemas.microsoft.com/office/powerpoint/2010/main" xmlns="" val="1267493021"/>
       </p:ext>
     </p:extLst>
   </p:cSld>
@@ -7832,7 +8407,7 @@
   <a:extraClrSchemeLst/>
   <a:extLst>
     <a:ext uri="{05A4C25C-085E-4340-85A3-A5531E510DB2}">
-      <thm15:themeFamily xmlns="" xmlns:thm15="http://schemas.microsoft.com/office/thememl/2012/main" name="RetrospectVTI" id="{ABE3C30C-0FC0-4450-828E-52DE70F1BCCB}" vid="{A6E2497D-935A-4CFD-B9FD-6DCB15FA68BF}"/>
+      <thm15:themeFamily xmlns:thm15="http://schemas.microsoft.com/office/thememl/2012/main" xmlns="" name="RetrospectVTI" id="{ABE3C30C-0FC0-4450-828E-52DE70F1BCCB}" vid="{A6E2497D-935A-4CFD-B9FD-6DCB15FA68BF}"/>
     </a:ext>
   </a:extLst>
 </a:theme>
